--- a/ppt/Java core - Lecture 1 - Introduction.pptx
+++ b/ppt/Java core - Lecture 1 - Introduction.pptx
@@ -10,16 +10,16 @@
   <p:sldIdLst>
     <p:sldId id="256" r:id="rId2"/>
     <p:sldId id="257" r:id="rId3"/>
-    <p:sldId id="260" r:id="rId4"/>
-    <p:sldId id="258" r:id="rId5"/>
+    <p:sldId id="258" r:id="rId4"/>
+    <p:sldId id="260" r:id="rId5"/>
     <p:sldId id="265" r:id="rId6"/>
     <p:sldId id="274" r:id="rId7"/>
     <p:sldId id="267" r:id="rId8"/>
     <p:sldId id="276" r:id="rId9"/>
     <p:sldId id="268" r:id="rId10"/>
     <p:sldId id="269" r:id="rId11"/>
-    <p:sldId id="270" r:id="rId12"/>
-    <p:sldId id="271" r:id="rId13"/>
+    <p:sldId id="277" r:id="rId12"/>
+    <p:sldId id="278" r:id="rId13"/>
     <p:sldId id="272" r:id="rId14"/>
     <p:sldId id="273" r:id="rId15"/>
   </p:sldIdLst>
@@ -811,7 +811,150 @@
               </a:spcAft>
               <a:buNone/>
             </a:pPr>
-            <a:endParaRPr/>
+            <a:r>
+              <a:rPr lang="en-US" sz="1100" b="0" i="0" u="none" strike="noStrike" cap="none" dirty="0" err="1" smtClean="0">
+                <a:solidFill>
+                  <a:srgbClr val="000000"/>
+                </a:solidFill>
+                <a:effectLst/>
+                <a:latin typeface="Arial"/>
+                <a:ea typeface="Arial"/>
+                <a:cs typeface="Arial"/>
+                <a:sym typeface="Arial"/>
+              </a:rPr>
+              <a:t>Chào</a:t>
+            </a:r>
+            <a:r>
+              <a:rPr lang="en-US" sz="1100" b="0" i="0" u="none" strike="noStrike" cap="none" dirty="0" smtClean="0">
+                <a:solidFill>
+                  <a:srgbClr val="000000"/>
+                </a:solidFill>
+                <a:effectLst/>
+                <a:latin typeface="Arial"/>
+                <a:ea typeface="Arial"/>
+                <a:cs typeface="Arial"/>
+                <a:sym typeface="Arial"/>
+              </a:rPr>
+              <a:t> </a:t>
+            </a:r>
+            <a:r>
+              <a:rPr lang="en-US" sz="1100" b="0" i="0" u="none" strike="noStrike" cap="none" dirty="0" err="1" smtClean="0">
+                <a:solidFill>
+                  <a:srgbClr val="000000"/>
+                </a:solidFill>
+                <a:effectLst/>
+                <a:latin typeface="Arial"/>
+                <a:ea typeface="Arial"/>
+                <a:cs typeface="Arial"/>
+                <a:sym typeface="Arial"/>
+              </a:rPr>
+              <a:t>hỏi</a:t>
+            </a:r>
+            <a:r>
+              <a:rPr lang="en-US" sz="1100" b="0" i="0" u="none" strike="noStrike" cap="none" dirty="0" smtClean="0">
+                <a:solidFill>
+                  <a:srgbClr val="000000"/>
+                </a:solidFill>
+                <a:effectLst/>
+                <a:latin typeface="Arial"/>
+                <a:ea typeface="Arial"/>
+                <a:cs typeface="Arial"/>
+                <a:sym typeface="Arial"/>
+              </a:rPr>
+              <a:t>, </a:t>
+            </a:r>
+            <a:r>
+              <a:rPr lang="en-US" sz="1100" b="0" i="0" u="none" strike="noStrike" cap="none" dirty="0" err="1" smtClean="0">
+                <a:solidFill>
+                  <a:srgbClr val="000000"/>
+                </a:solidFill>
+                <a:effectLst/>
+                <a:latin typeface="Arial"/>
+                <a:ea typeface="Arial"/>
+                <a:cs typeface="Arial"/>
+                <a:sym typeface="Arial"/>
+              </a:rPr>
+              <a:t>giới</a:t>
+            </a:r>
+            <a:r>
+              <a:rPr lang="en-US" sz="1100" b="0" i="0" u="none" strike="noStrike" cap="none" dirty="0" smtClean="0">
+                <a:solidFill>
+                  <a:srgbClr val="000000"/>
+                </a:solidFill>
+                <a:effectLst/>
+                <a:latin typeface="Arial"/>
+                <a:ea typeface="Arial"/>
+                <a:cs typeface="Arial"/>
+                <a:sym typeface="Arial"/>
+              </a:rPr>
+              <a:t> </a:t>
+            </a:r>
+            <a:r>
+              <a:rPr lang="en-US" sz="1100" b="0" i="0" u="none" strike="noStrike" cap="none" dirty="0" err="1" smtClean="0">
+                <a:solidFill>
+                  <a:srgbClr val="000000"/>
+                </a:solidFill>
+                <a:effectLst/>
+                <a:latin typeface="Arial"/>
+                <a:ea typeface="Arial"/>
+                <a:cs typeface="Arial"/>
+                <a:sym typeface="Arial"/>
+              </a:rPr>
+              <a:t>thiệu</a:t>
+            </a:r>
+            <a:r>
+              <a:rPr lang="en-US" sz="1100" b="0" i="0" u="none" strike="noStrike" cap="none" dirty="0" smtClean="0">
+                <a:solidFill>
+                  <a:srgbClr val="000000"/>
+                </a:solidFill>
+                <a:effectLst/>
+                <a:latin typeface="Arial"/>
+                <a:ea typeface="Arial"/>
+                <a:cs typeface="Arial"/>
+                <a:sym typeface="Arial"/>
+              </a:rPr>
+              <a:t> </a:t>
+            </a:r>
+            <a:r>
+              <a:rPr lang="en-US" sz="1100" b="0" i="0" u="none" strike="noStrike" cap="none" dirty="0" err="1" smtClean="0">
+                <a:solidFill>
+                  <a:srgbClr val="000000"/>
+                </a:solidFill>
+                <a:effectLst/>
+                <a:latin typeface="Arial"/>
+                <a:ea typeface="Arial"/>
+                <a:cs typeface="Arial"/>
+                <a:sym typeface="Arial"/>
+              </a:rPr>
+              <a:t>tên</a:t>
+            </a:r>
+            <a:r>
+              <a:rPr lang="en-US" sz="1100" b="0" i="0" u="none" strike="noStrike" cap="none" dirty="0" smtClean="0">
+                <a:solidFill>
+                  <a:srgbClr val="000000"/>
+                </a:solidFill>
+                <a:effectLst/>
+                <a:latin typeface="Arial"/>
+                <a:ea typeface="Arial"/>
+                <a:cs typeface="Arial"/>
+                <a:sym typeface="Arial"/>
+              </a:rPr>
+              <a:t> </a:t>
+            </a:r>
+            <a:r>
+              <a:rPr lang="en-US" sz="1100" b="0" i="0" u="none" strike="noStrike" cap="none" dirty="0" err="1" smtClean="0">
+                <a:solidFill>
+                  <a:srgbClr val="000000"/>
+                </a:solidFill>
+                <a:effectLst/>
+                <a:latin typeface="Arial"/>
+                <a:ea typeface="Arial"/>
+                <a:cs typeface="Arial"/>
+                <a:sym typeface="Arial"/>
+              </a:rPr>
+              <a:t>tuổi</a:t>
+            </a:r>
+            <a:endParaRPr dirty="0"/>
           </a:p>
         </p:txBody>
       </p:sp>
@@ -920,7 +1063,35 @@
               </a:spcAft>
               <a:buNone/>
             </a:pPr>
-            <a:endParaRPr/>
+            <a:r>
+              <a:rPr lang="en-US" dirty="0" err="1" smtClean="0"/>
+              <a:t>Tạo</a:t>
+            </a:r>
+            <a:r>
+              <a:rPr lang="en-US" baseline="0" dirty="0" smtClean="0"/>
+              <a:t> project </a:t>
+            </a:r>
+            <a:r>
+              <a:rPr lang="en-US" baseline="0" dirty="0" err="1" smtClean="0"/>
+              <a:t>helloworld</a:t>
+            </a:r>
+            <a:r>
+              <a:rPr lang="en-US" baseline="0" dirty="0" smtClean="0"/>
+              <a:t> </a:t>
+            </a:r>
+            <a:r>
+              <a:rPr lang="en-US" baseline="0" dirty="0" err="1" smtClean="0"/>
+              <a:t>với</a:t>
+            </a:r>
+            <a:r>
+              <a:rPr lang="en-US" baseline="0" dirty="0" smtClean="0"/>
+              <a:t> IDE </a:t>
+            </a:r>
+            <a:r>
+              <a:rPr lang="en-US" baseline="0" dirty="0" err="1" smtClean="0"/>
+              <a:t>intelliji</a:t>
+            </a:r>
+            <a:endParaRPr dirty="0"/>
           </a:p>
         </p:txBody>
       </p:sp>
@@ -942,7 +1113,7 @@
   <p:cSld>
     <p:spTree>
       <p:nvGrpSpPr>
-        <p:cNvPr id="1" name="Shape 328"/>
+        <p:cNvPr id="1" name="Shape 317"/>
         <p:cNvGrpSpPr/>
         <p:nvPr/>
       </p:nvGrpSpPr>
@@ -956,7 +1127,7 @@
       </p:grpSpPr>
       <p:sp>
         <p:nvSpPr>
-          <p:cNvPr id="329" name="Google Shape;329;g7c39748c6a_0_10:notes"/>
+          <p:cNvPr id="318" name="Google Shape;318;g7c64313926_0_15:notes"/>
           <p:cNvSpPr>
             <a:spLocks noGrp="1" noRot="1" noChangeAspect="1"/>
           </p:cNvSpPr>
@@ -997,7 +1168,7 @@
       </p:sp>
       <p:sp>
         <p:nvSpPr>
-          <p:cNvPr id="330" name="Google Shape;330;g7c39748c6a_0_10:notes"/>
+          <p:cNvPr id="319" name="Google Shape;319;g7c64313926_0_15:notes"/>
           <p:cNvSpPr txBox="1">
             <a:spLocks noGrp="1"/>
           </p:cNvSpPr>
@@ -1029,14 +1200,42 @@
               </a:spcAft>
               <a:buNone/>
             </a:pPr>
-            <a:endParaRPr/>
+            <a:r>
+              <a:rPr lang="en-US" dirty="0" err="1" smtClean="0"/>
+              <a:t>Tạo</a:t>
+            </a:r>
+            <a:r>
+              <a:rPr lang="en-US" baseline="0" dirty="0" smtClean="0"/>
+              <a:t> project </a:t>
+            </a:r>
+            <a:r>
+              <a:rPr lang="en-US" baseline="0" dirty="0" err="1" smtClean="0"/>
+              <a:t>helloworld</a:t>
+            </a:r>
+            <a:r>
+              <a:rPr lang="en-US" baseline="0" dirty="0" smtClean="0"/>
+              <a:t> </a:t>
+            </a:r>
+            <a:r>
+              <a:rPr lang="en-US" baseline="0" dirty="0" err="1" smtClean="0"/>
+              <a:t>với</a:t>
+            </a:r>
+            <a:r>
+              <a:rPr lang="en-US" baseline="0" dirty="0" smtClean="0"/>
+              <a:t> IDE </a:t>
+            </a:r>
+            <a:r>
+              <a:rPr lang="en-US" baseline="0" dirty="0" err="1" smtClean="0"/>
+              <a:t>intelliji</a:t>
+            </a:r>
+            <a:endParaRPr dirty="0"/>
           </a:p>
         </p:txBody>
       </p:sp>
     </p:spTree>
     <p:extLst>
       <p:ext uri="{BB962C8B-B14F-4D97-AF65-F5344CB8AC3E}">
-        <p14:creationId xmlns:p14="http://schemas.microsoft.com/office/powerpoint/2010/main" val="3351025275"/>
+        <p14:creationId xmlns:p14="http://schemas.microsoft.com/office/powerpoint/2010/main" val="286232401"/>
       </p:ext>
     </p:extLst>
   </p:cSld>
@@ -1051,7 +1250,7 @@
   <p:cSld>
     <p:spTree>
       <p:nvGrpSpPr>
-        <p:cNvPr id="1" name="Shape 338"/>
+        <p:cNvPr id="1" name="Shape 317"/>
         <p:cNvGrpSpPr/>
         <p:nvPr/>
       </p:nvGrpSpPr>
@@ -1065,7 +1264,7 @@
       </p:grpSpPr>
       <p:sp>
         <p:nvSpPr>
-          <p:cNvPr id="339" name="Google Shape;339;g7c64313926_0_121:notes"/>
+          <p:cNvPr id="318" name="Google Shape;318;g7c64313926_0_15:notes"/>
           <p:cNvSpPr>
             <a:spLocks noGrp="1" noRot="1" noChangeAspect="1"/>
           </p:cNvSpPr>
@@ -1106,7 +1305,7 @@
       </p:sp>
       <p:sp>
         <p:nvSpPr>
-          <p:cNvPr id="340" name="Google Shape;340;g7c64313926_0_121:notes"/>
+          <p:cNvPr id="319" name="Google Shape;319;g7c64313926_0_15:notes"/>
           <p:cNvSpPr txBox="1">
             <a:spLocks noGrp="1"/>
           </p:cNvSpPr>
@@ -1138,14 +1337,42 @@
               </a:spcAft>
               <a:buNone/>
             </a:pPr>
-            <a:endParaRPr/>
+            <a:r>
+              <a:rPr lang="en-US" dirty="0" err="1" smtClean="0"/>
+              <a:t>Tạo</a:t>
+            </a:r>
+            <a:r>
+              <a:rPr lang="en-US" baseline="0" dirty="0" smtClean="0"/>
+              <a:t> project </a:t>
+            </a:r>
+            <a:r>
+              <a:rPr lang="en-US" baseline="0" dirty="0" err="1" smtClean="0"/>
+              <a:t>helloworld</a:t>
+            </a:r>
+            <a:r>
+              <a:rPr lang="en-US" baseline="0" dirty="0" smtClean="0"/>
+              <a:t> </a:t>
+            </a:r>
+            <a:r>
+              <a:rPr lang="en-US" baseline="0" dirty="0" err="1" smtClean="0"/>
+              <a:t>với</a:t>
+            </a:r>
+            <a:r>
+              <a:rPr lang="en-US" baseline="0" dirty="0" smtClean="0"/>
+              <a:t> IDE </a:t>
+            </a:r>
+            <a:r>
+              <a:rPr lang="en-US" baseline="0" dirty="0" err="1" smtClean="0"/>
+              <a:t>intelliji</a:t>
+            </a:r>
+            <a:endParaRPr dirty="0"/>
           </a:p>
         </p:txBody>
       </p:sp>
     </p:spTree>
     <p:extLst>
       <p:ext uri="{BB962C8B-B14F-4D97-AF65-F5344CB8AC3E}">
-        <p14:creationId xmlns:p14="http://schemas.microsoft.com/office/powerpoint/2010/main" val="1365268315"/>
+        <p14:creationId xmlns:p14="http://schemas.microsoft.com/office/powerpoint/2010/main" val="4249499269"/>
       </p:ext>
     </p:extLst>
   </p:cSld>
@@ -1465,7 +1692,15 @@
               </a:spcAft>
               <a:buNone/>
             </a:pPr>
-            <a:endParaRPr/>
+            <a:r>
+              <a:rPr lang="en-US" dirty="0" smtClean="0"/>
+              <a:t>Bỏ</a:t>
+            </a:r>
+            <a:r>
+              <a:rPr lang="en-US" baseline="0" dirty="0" smtClean="0"/>
+              <a:t> qua</a:t>
+            </a:r>
+            <a:endParaRPr dirty="0"/>
           </a:p>
         </p:txBody>
       </p:sp>
@@ -1483,6 +1718,219 @@
 </file>
 
 <file path=ppt/notesSlides/notesSlide3.xml><?xml version="1.0" encoding="utf-8"?>
+<p:notes xmlns:a="http://schemas.openxmlformats.org/drawingml/2006/main" xmlns:r="http://schemas.openxmlformats.org/officeDocument/2006/relationships" xmlns:p="http://schemas.openxmlformats.org/presentationml/2006/main" showMasterSp="0" showMasterPhAnim="0">
+  <p:cSld>
+    <p:spTree>
+      <p:nvGrpSpPr>
+        <p:cNvPr id="1" name="Shape 68"/>
+        <p:cNvGrpSpPr/>
+        <p:nvPr/>
+      </p:nvGrpSpPr>
+      <p:grpSpPr>
+        <a:xfrm>
+          <a:off x="0" y="0"/>
+          <a:ext cx="0" cy="0"/>
+          <a:chOff x="0" y="0"/>
+          <a:chExt cx="0" cy="0"/>
+        </a:xfrm>
+      </p:grpSpPr>
+      <p:sp>
+        <p:nvSpPr>
+          <p:cNvPr id="69" name="Google Shape;69;g7c30c8713a_0_19:notes"/>
+          <p:cNvSpPr>
+            <a:spLocks noGrp="1" noRot="1" noChangeAspect="1"/>
+          </p:cNvSpPr>
+          <p:nvPr>
+            <p:ph type="sldImg" idx="2"/>
+          </p:nvPr>
+        </p:nvSpPr>
+        <p:spPr>
+          <a:xfrm>
+            <a:off x="381000" y="685800"/>
+            <a:ext cx="6096000" cy="3429000"/>
+          </a:xfrm>
+          <a:custGeom>
+            <a:avLst/>
+            <a:gdLst/>
+            <a:ahLst/>
+            <a:cxnLst/>
+            <a:rect l="l" t="t" r="r" b="b"/>
+            <a:pathLst>
+              <a:path w="120000" h="120000" extrusionOk="0">
+                <a:moveTo>
+                  <a:pt x="0" y="0"/>
+                </a:moveTo>
+                <a:lnTo>
+                  <a:pt x="120000" y="0"/>
+                </a:lnTo>
+                <a:lnTo>
+                  <a:pt x="120000" y="120000"/>
+                </a:lnTo>
+                <a:lnTo>
+                  <a:pt x="0" y="120000"/>
+                </a:lnTo>
+                <a:close/>
+              </a:path>
+            </a:pathLst>
+          </a:custGeom>
+        </p:spPr>
+      </p:sp>
+      <p:sp>
+        <p:nvSpPr>
+          <p:cNvPr id="70" name="Google Shape;70;g7c30c8713a_0_19:notes"/>
+          <p:cNvSpPr txBox="1">
+            <a:spLocks noGrp="1"/>
+          </p:cNvSpPr>
+          <p:nvPr>
+            <p:ph type="body" idx="1"/>
+          </p:nvPr>
+        </p:nvSpPr>
+        <p:spPr>
+          <a:xfrm>
+            <a:off x="685800" y="4343400"/>
+            <a:ext cx="5486400" cy="4114800"/>
+          </a:xfrm>
+          <a:prstGeom prst="rect">
+            <a:avLst/>
+          </a:prstGeom>
+        </p:spPr>
+        <p:txBody>
+          <a:bodyPr spcFirstLastPara="1" wrap="square" lIns="91425" tIns="91425" rIns="91425" bIns="91425" anchor="t" anchorCtr="0">
+            <a:noAutofit/>
+          </a:bodyPr>
+          <a:lstStyle/>
+          <a:p>
+            <a:pPr marL="0" lvl="0" indent="0" algn="l" rtl="0">
+              <a:spcBef>
+                <a:spcPts val="0"/>
+              </a:spcBef>
+              <a:spcAft>
+                <a:spcPts val="0"/>
+              </a:spcAft>
+              <a:buNone/>
+            </a:pPr>
+            <a:r>
+              <a:rPr lang="en-US" dirty="0" err="1" smtClean="0"/>
+              <a:t>Khóa</a:t>
+            </a:r>
+            <a:r>
+              <a:rPr lang="en-US" baseline="0" dirty="0" smtClean="0"/>
+              <a:t> </a:t>
+            </a:r>
+            <a:r>
+              <a:rPr lang="en-US" baseline="0" dirty="0" err="1" smtClean="0"/>
+              <a:t>học</a:t>
+            </a:r>
+            <a:r>
+              <a:rPr lang="en-US" baseline="0" dirty="0" smtClean="0"/>
+              <a:t> </a:t>
+            </a:r>
+            <a:r>
+              <a:rPr lang="en-US" baseline="0" dirty="0" err="1" smtClean="0"/>
+              <a:t>diễn</a:t>
+            </a:r>
+            <a:r>
+              <a:rPr lang="en-US" baseline="0" dirty="0" smtClean="0"/>
+              <a:t> </a:t>
+            </a:r>
+            <a:r>
+              <a:rPr lang="en-US" baseline="0" dirty="0" err="1" smtClean="0"/>
+              <a:t>ra</a:t>
+            </a:r>
+            <a:r>
+              <a:rPr lang="en-US" baseline="0" dirty="0" smtClean="0"/>
+              <a:t> </a:t>
+            </a:r>
+            <a:r>
+              <a:rPr lang="en-US" baseline="0" dirty="0" err="1" smtClean="0"/>
+              <a:t>trong</a:t>
+            </a:r>
+            <a:r>
+              <a:rPr lang="en-US" baseline="0" dirty="0" smtClean="0"/>
+              <a:t> 6 </a:t>
+            </a:r>
+            <a:r>
+              <a:rPr lang="en-US" baseline="0" dirty="0" err="1" smtClean="0"/>
+              <a:t>tuần</a:t>
+            </a:r>
+            <a:r>
+              <a:rPr lang="en-US" baseline="0" dirty="0" smtClean="0"/>
+              <a:t>, 12 </a:t>
+            </a:r>
+            <a:r>
+              <a:rPr lang="en-US" baseline="0" dirty="0" err="1" smtClean="0"/>
+              <a:t>buổi</a:t>
+            </a:r>
+            <a:r>
+              <a:rPr lang="en-US" baseline="0" dirty="0" smtClean="0"/>
+              <a:t> (</a:t>
+            </a:r>
+            <a:r>
+              <a:rPr lang="en-US" baseline="0" dirty="0" err="1" smtClean="0"/>
+              <a:t>chưa</a:t>
+            </a:r>
+            <a:r>
+              <a:rPr lang="en-US" baseline="0" dirty="0" smtClean="0"/>
+              <a:t> </a:t>
+            </a:r>
+            <a:r>
+              <a:rPr lang="en-US" baseline="0" dirty="0" err="1" smtClean="0"/>
+              <a:t>kê</a:t>
+            </a:r>
+            <a:r>
+              <a:rPr lang="en-US" baseline="0" dirty="0" smtClean="0"/>
+              <a:t>̉ </a:t>
+            </a:r>
+            <a:r>
+              <a:rPr lang="en-US" baseline="0" dirty="0" err="1" smtClean="0"/>
+              <a:t>các</a:t>
+            </a:r>
+            <a:r>
+              <a:rPr lang="en-US" baseline="0" dirty="0" smtClean="0"/>
+              <a:t> </a:t>
+            </a:r>
+            <a:r>
+              <a:rPr lang="en-US" baseline="0" dirty="0" err="1" smtClean="0"/>
+              <a:t>buổi</a:t>
+            </a:r>
+            <a:r>
+              <a:rPr lang="en-US" baseline="0" dirty="0" smtClean="0"/>
+              <a:t> </a:t>
+            </a:r>
+            <a:r>
+              <a:rPr lang="en-US" baseline="0" dirty="0" err="1" smtClean="0"/>
+              <a:t>hô</a:t>
+            </a:r>
+            <a:r>
+              <a:rPr lang="en-US" baseline="0" dirty="0" smtClean="0"/>
+              <a:t>̃ </a:t>
+            </a:r>
+            <a:r>
+              <a:rPr lang="en-US" baseline="0" dirty="0" err="1" smtClean="0"/>
+              <a:t>trơ</a:t>
+            </a:r>
+            <a:r>
+              <a:rPr lang="en-US" baseline="0" dirty="0" smtClean="0"/>
+              <a:t>̣)</a:t>
+            </a:r>
+            <a:endParaRPr dirty="0"/>
+          </a:p>
+        </p:txBody>
+      </p:sp>
+    </p:spTree>
+    <p:extLst>
+      <p:ext uri="{BB962C8B-B14F-4D97-AF65-F5344CB8AC3E}">
+        <p14:creationId xmlns:p14="http://schemas.microsoft.com/office/powerpoint/2010/main" val="4201165507"/>
+      </p:ext>
+    </p:extLst>
+  </p:cSld>
+  <p:clrMapOvr>
+    <a:masterClrMapping/>
+  </p:clrMapOvr>
+</p:notes>
+</file>
+
+<file path=ppt/notesSlides/notesSlide4.xml><?xml version="1.0" encoding="utf-8"?>
 <p:notes xmlns:a="http://schemas.openxmlformats.org/drawingml/2006/main" xmlns:r="http://schemas.openxmlformats.org/officeDocument/2006/relationships" xmlns:p="http://schemas.openxmlformats.org/presentationml/2006/main" showMasterSp="0" showMasterPhAnim="0">
   <p:cSld>
     <p:spTree>
@@ -1574,7 +2022,71 @@
               </a:spcAft>
               <a:buNone/>
             </a:pPr>
-            <a:endParaRPr/>
+            <a:r>
+              <a:rPr lang="en-US" dirty="0" err="1" smtClean="0"/>
+              <a:t>Giới</a:t>
+            </a:r>
+            <a:r>
+              <a:rPr lang="en-US" baseline="0" dirty="0" smtClean="0"/>
+              <a:t> </a:t>
+            </a:r>
+            <a:r>
+              <a:rPr lang="en-US" baseline="0" dirty="0" err="1" smtClean="0"/>
+              <a:t>thiệu</a:t>
+            </a:r>
+            <a:r>
+              <a:rPr lang="en-US" baseline="0" dirty="0" smtClean="0"/>
+              <a:t> </a:t>
+            </a:r>
+            <a:r>
+              <a:rPr lang="en-US" baseline="0" dirty="0" err="1" smtClean="0"/>
+              <a:t>chương</a:t>
+            </a:r>
+            <a:r>
+              <a:rPr lang="en-US" baseline="0" dirty="0" smtClean="0"/>
+              <a:t> </a:t>
+            </a:r>
+            <a:r>
+              <a:rPr lang="en-US" baseline="0" dirty="0" err="1" smtClean="0"/>
+              <a:t>trình</a:t>
+            </a:r>
+            <a:r>
+              <a:rPr lang="en-US" baseline="0" dirty="0" smtClean="0"/>
+              <a:t> </a:t>
+            </a:r>
+            <a:r>
+              <a:rPr lang="en-US" baseline="0" dirty="0" err="1" smtClean="0"/>
+              <a:t>buổi</a:t>
+            </a:r>
+            <a:r>
+              <a:rPr lang="en-US" baseline="0" dirty="0" smtClean="0"/>
+              <a:t> </a:t>
+            </a:r>
+            <a:r>
+              <a:rPr lang="en-US" baseline="0" dirty="0" err="1" smtClean="0"/>
+              <a:t>buổi</a:t>
+            </a:r>
+            <a:r>
+              <a:rPr lang="en-US" baseline="0" dirty="0" smtClean="0"/>
+              <a:t> </a:t>
+            </a:r>
+            <a:r>
+              <a:rPr lang="en-US" baseline="0" dirty="0" err="1" smtClean="0"/>
+              <a:t>học</a:t>
+            </a:r>
+            <a:r>
+              <a:rPr lang="en-US" baseline="0" dirty="0" smtClean="0"/>
+              <a:t> </a:t>
+            </a:r>
+            <a:r>
+              <a:rPr lang="en-US" baseline="0" dirty="0" err="1" smtClean="0"/>
+              <a:t>hôm</a:t>
+            </a:r>
+            <a:r>
+              <a:rPr lang="en-US" baseline="0" dirty="0" smtClean="0"/>
+              <a:t> nay</a:t>
+            </a:r>
+            <a:endParaRPr dirty="0"/>
           </a:p>
         </p:txBody>
       </p:sp>
@@ -1582,115 +2094,6 @@
     <p:extLst>
       <p:ext uri="{BB962C8B-B14F-4D97-AF65-F5344CB8AC3E}">
         <p14:creationId xmlns:p14="http://schemas.microsoft.com/office/powerpoint/2010/main" val="4036164574"/>
-      </p:ext>
-    </p:extLst>
-  </p:cSld>
-  <p:clrMapOvr>
-    <a:masterClrMapping/>
-  </p:clrMapOvr>
-</p:notes>
-</file>
-
-<file path=ppt/notesSlides/notesSlide4.xml><?xml version="1.0" encoding="utf-8"?>
-<p:notes xmlns:a="http://schemas.openxmlformats.org/drawingml/2006/main" xmlns:r="http://schemas.openxmlformats.org/officeDocument/2006/relationships" xmlns:p="http://schemas.openxmlformats.org/presentationml/2006/main" showMasterSp="0" showMasterPhAnim="0">
-  <p:cSld>
-    <p:spTree>
-      <p:nvGrpSpPr>
-        <p:cNvPr id="1" name="Shape 68"/>
-        <p:cNvGrpSpPr/>
-        <p:nvPr/>
-      </p:nvGrpSpPr>
-      <p:grpSpPr>
-        <a:xfrm>
-          <a:off x="0" y="0"/>
-          <a:ext cx="0" cy="0"/>
-          <a:chOff x="0" y="0"/>
-          <a:chExt cx="0" cy="0"/>
-        </a:xfrm>
-      </p:grpSpPr>
-      <p:sp>
-        <p:nvSpPr>
-          <p:cNvPr id="69" name="Google Shape;69;g7c30c8713a_0_19:notes"/>
-          <p:cNvSpPr>
-            <a:spLocks noGrp="1" noRot="1" noChangeAspect="1"/>
-          </p:cNvSpPr>
-          <p:nvPr>
-            <p:ph type="sldImg" idx="2"/>
-          </p:nvPr>
-        </p:nvSpPr>
-        <p:spPr>
-          <a:xfrm>
-            <a:off x="381000" y="685800"/>
-            <a:ext cx="6096000" cy="3429000"/>
-          </a:xfrm>
-          <a:custGeom>
-            <a:avLst/>
-            <a:gdLst/>
-            <a:ahLst/>
-            <a:cxnLst/>
-            <a:rect l="l" t="t" r="r" b="b"/>
-            <a:pathLst>
-              <a:path w="120000" h="120000" extrusionOk="0">
-                <a:moveTo>
-                  <a:pt x="0" y="0"/>
-                </a:moveTo>
-                <a:lnTo>
-                  <a:pt x="120000" y="0"/>
-                </a:lnTo>
-                <a:lnTo>
-                  <a:pt x="120000" y="120000"/>
-                </a:lnTo>
-                <a:lnTo>
-                  <a:pt x="0" y="120000"/>
-                </a:lnTo>
-                <a:close/>
-              </a:path>
-            </a:pathLst>
-          </a:custGeom>
-        </p:spPr>
-      </p:sp>
-      <p:sp>
-        <p:nvSpPr>
-          <p:cNvPr id="70" name="Google Shape;70;g7c30c8713a_0_19:notes"/>
-          <p:cNvSpPr txBox="1">
-            <a:spLocks noGrp="1"/>
-          </p:cNvSpPr>
-          <p:nvPr>
-            <p:ph type="body" idx="1"/>
-          </p:nvPr>
-        </p:nvSpPr>
-        <p:spPr>
-          <a:xfrm>
-            <a:off x="685800" y="4343400"/>
-            <a:ext cx="5486400" cy="4114800"/>
-          </a:xfrm>
-          <a:prstGeom prst="rect">
-            <a:avLst/>
-          </a:prstGeom>
-        </p:spPr>
-        <p:txBody>
-          <a:bodyPr spcFirstLastPara="1" wrap="square" lIns="91425" tIns="91425" rIns="91425" bIns="91425" anchor="t" anchorCtr="0">
-            <a:noAutofit/>
-          </a:bodyPr>
-          <a:lstStyle/>
-          <a:p>
-            <a:pPr marL="0" lvl="0" indent="0" algn="l" rtl="0">
-              <a:spcBef>
-                <a:spcPts val="0"/>
-              </a:spcBef>
-              <a:spcAft>
-                <a:spcPts val="0"/>
-              </a:spcAft>
-              <a:buNone/>
-            </a:pPr>
-            <a:endParaRPr/>
-          </a:p>
-        </p:txBody>
-      </p:sp>
-    </p:spTree>
-    <p:extLst>
-      <p:ext uri="{BB962C8B-B14F-4D97-AF65-F5344CB8AC3E}">
-        <p14:creationId xmlns:p14="http://schemas.microsoft.com/office/powerpoint/2010/main" val="4201165507"/>
       </p:ext>
     </p:extLst>
   </p:cSld>
@@ -1901,7 +2304,7 @@
               </a:spcAft>
               <a:buNone/>
             </a:pPr>
-            <a:endParaRPr/>
+            <a:endParaRPr dirty="0"/>
           </a:p>
         </p:txBody>
       </p:sp>
@@ -2228,7 +2631,67 @@
               </a:spcAft>
               <a:buNone/>
             </a:pPr>
-            <a:endParaRPr/>
+            <a:r>
+              <a:rPr lang="en-US" dirty="0" err="1" smtClean="0"/>
+              <a:t>Tạo</a:t>
+            </a:r>
+            <a:r>
+              <a:rPr lang="en-US" baseline="0" dirty="0" smtClean="0"/>
+              <a:t> </a:t>
+            </a:r>
+            <a:r>
+              <a:rPr lang="en-US" baseline="0" dirty="0" err="1" smtClean="0"/>
+              <a:t>chương</a:t>
+            </a:r>
+            <a:r>
+              <a:rPr lang="en-US" baseline="0" dirty="0" smtClean="0"/>
+              <a:t> </a:t>
+            </a:r>
+            <a:r>
+              <a:rPr lang="en-US" baseline="0" dirty="0" err="1" smtClean="0"/>
+              <a:t>trình</a:t>
+            </a:r>
+            <a:r>
+              <a:rPr lang="en-US" baseline="0" dirty="0" smtClean="0"/>
+              <a:t> Hello world </a:t>
+            </a:r>
+            <a:r>
+              <a:rPr lang="en-US" baseline="0" dirty="0" err="1" smtClean="0"/>
+              <a:t>với</a:t>
+            </a:r>
+            <a:r>
+              <a:rPr lang="en-US" baseline="0" dirty="0" smtClean="0"/>
+              <a:t> notepad++ </a:t>
+            </a:r>
+            <a:r>
+              <a:rPr lang="en-US" baseline="0" dirty="0" err="1" smtClean="0"/>
+              <a:t>va</a:t>
+            </a:r>
+            <a:r>
+              <a:rPr lang="en-US" baseline="0" dirty="0" smtClean="0"/>
+              <a:t>̀ </a:t>
+            </a:r>
+            <a:r>
+              <a:rPr lang="en-US" baseline="0" dirty="0" err="1" smtClean="0"/>
+              <a:t>chạy</a:t>
+            </a:r>
+            <a:r>
+              <a:rPr lang="en-US" baseline="0" dirty="0" smtClean="0"/>
+              <a:t> </a:t>
+            </a:r>
+            <a:r>
+              <a:rPr lang="en-US" baseline="0" dirty="0" err="1" smtClean="0"/>
+              <a:t>bằng</a:t>
+            </a:r>
+            <a:r>
+              <a:rPr lang="en-US" baseline="0" dirty="0" smtClean="0"/>
+              <a:t> </a:t>
+            </a:r>
+            <a:r>
+              <a:rPr lang="en-US" baseline="0" dirty="0" err="1" smtClean="0"/>
+              <a:t>commandline</a:t>
+            </a:r>
+            <a:endParaRPr dirty="0"/>
           </a:p>
         </p:txBody>
       </p:sp>
@@ -7372,208 +7835,175 @@
           </a:p>
         </p:txBody>
       </p:sp>
-      <p:sp>
-        <p:nvSpPr>
-          <p:cNvPr id="324" name="Google Shape;324;p26"/>
-          <p:cNvSpPr txBox="1"/>
-          <p:nvPr/>
-        </p:nvSpPr>
-        <p:spPr>
-          <a:xfrm>
-            <a:off x="494425" y="783700"/>
-            <a:ext cx="3410100" cy="1099500"/>
-          </a:xfrm>
-          <a:prstGeom prst="rect">
-            <a:avLst/>
-          </a:prstGeom>
-          <a:noFill/>
-          <a:ln>
-            <a:noFill/>
-          </a:ln>
-        </p:spPr>
-        <p:txBody>
-          <a:bodyPr spcFirstLastPara="1" wrap="square" lIns="91425" tIns="91425" rIns="91425" bIns="91425" anchor="t" anchorCtr="0">
-            <a:noAutofit/>
-          </a:bodyPr>
-          <a:lstStyle/>
-          <a:p>
-            <a:pPr marL="0" lvl="0" indent="0" algn="l" rtl="0">
-              <a:lnSpc>
-                <a:spcPct val="200000"/>
-              </a:lnSpc>
-              <a:spcBef>
-                <a:spcPts val="1000"/>
-              </a:spcBef>
-              <a:spcAft>
-                <a:spcPts val="0"/>
-              </a:spcAft>
-              <a:buNone/>
-            </a:pPr>
-            <a:r>
-              <a:rPr lang="en">
-                <a:solidFill>
-                  <a:srgbClr val="2876C9"/>
-                </a:solidFill>
-                <a:highlight>
-                  <a:srgbClr val="FFFFFF"/>
-                </a:highlight>
-              </a:rPr>
-              <a:t>Integrated Development Environment.</a:t>
-            </a:r>
-            <a:endParaRPr>
-              <a:solidFill>
-                <a:srgbClr val="2876C9"/>
-              </a:solidFill>
-            </a:endParaRPr>
-          </a:p>
-          <a:p>
-            <a:pPr marL="457200" lvl="0" indent="-317500" algn="l" rtl="0">
-              <a:lnSpc>
-                <a:spcPct val="200000"/>
-              </a:lnSpc>
-              <a:spcBef>
-                <a:spcPts val="1000"/>
-              </a:spcBef>
-              <a:spcAft>
-                <a:spcPts val="0"/>
-              </a:spcAft>
-              <a:buClr>
-                <a:srgbClr val="2876C9"/>
-              </a:buClr>
-              <a:buSzPts val="1400"/>
-              <a:buChar char="➔"/>
-            </a:pPr>
-            <a:r>
-              <a:rPr lang="en">
-                <a:solidFill>
-                  <a:srgbClr val="2876C9"/>
-                </a:solidFill>
-              </a:rPr>
-              <a:t>IntelliJ Community</a:t>
-            </a:r>
-            <a:endParaRPr>
-              <a:solidFill>
-                <a:srgbClr val="2876C9"/>
-              </a:solidFill>
-            </a:endParaRPr>
-          </a:p>
-        </p:txBody>
-      </p:sp>
       <p:pic>
         <p:nvPicPr>
-          <p:cNvPr id="325" name="Google Shape;325;p26"/>
-          <p:cNvPicPr preferRelativeResize="0"/>
-          <p:nvPr/>
-        </p:nvPicPr>
-        <p:blipFill rotWithShape="1">
-          <a:blip r:embed="rId4">
-            <a:alphaModFix/>
-          </a:blip>
-          <a:srcRect r="26269" b="17661"/>
-          <a:stretch/>
-        </p:blipFill>
-        <p:spPr>
-          <a:xfrm>
-            <a:off x="3961175" y="1387875"/>
-            <a:ext cx="4463875" cy="3531100"/>
-          </a:xfrm>
-          <a:prstGeom prst="rect">
-            <a:avLst/>
-          </a:prstGeom>
-          <a:noFill/>
-          <a:ln w="9525" cap="flat" cmpd="sng">
-            <a:solidFill>
-              <a:srgbClr val="666666"/>
-            </a:solidFill>
-            <a:prstDash val="solid"/>
-            <a:round/>
-            <a:headEnd type="none" w="sm" len="sm"/>
-            <a:tailEnd type="none" w="sm" len="sm"/>
-          </a:ln>
-        </p:spPr>
-      </p:pic>
-      <p:pic>
-        <p:nvPicPr>
-          <p:cNvPr id="326" name="Google Shape;326;p26"/>
-          <p:cNvPicPr preferRelativeResize="0"/>
+          <p:cNvPr id="3" name="Picture 2"/>
+          <p:cNvPicPr>
+            <a:picLocks noChangeAspect="1"/>
+          </p:cNvPicPr>
           <p:nvPr/>
         </p:nvPicPr>
         <p:blipFill>
-          <a:blip r:embed="rId5">
-            <a:alphaModFix/>
-          </a:blip>
+          <a:blip r:embed="rId4"/>
           <a:stretch>
             <a:fillRect/>
           </a:stretch>
         </p:blipFill>
         <p:spPr>
           <a:xfrm>
-            <a:off x="1068725" y="1976900"/>
-            <a:ext cx="772101" cy="772101"/>
+            <a:off x="1518674" y="1606047"/>
+            <a:ext cx="5366066" cy="3307387"/>
           </a:xfrm>
           <a:prstGeom prst="rect">
             <a:avLst/>
           </a:prstGeom>
-          <a:noFill/>
-          <a:ln>
-            <a:noFill/>
-          </a:ln>
         </p:spPr>
       </p:pic>
       <p:sp>
         <p:nvSpPr>
-          <p:cNvPr id="327" name="Google Shape;327;p26"/>
-          <p:cNvSpPr txBox="1"/>
+          <p:cNvPr id="11" name="Rectangle 10"/>
+          <p:cNvSpPr/>
           <p:nvPr/>
         </p:nvSpPr>
         <p:spPr>
           <a:xfrm>
-            <a:off x="549825" y="3076350"/>
-            <a:ext cx="2491800" cy="292200"/>
+            <a:off x="510666" y="617937"/>
+            <a:ext cx="7382083" cy="738664"/>
           </a:xfrm>
           <a:prstGeom prst="rect">
             <a:avLst/>
           </a:prstGeom>
-          <a:noFill/>
-          <a:ln>
-            <a:noFill/>
-          </a:ln>
         </p:spPr>
         <p:txBody>
-          <a:bodyPr spcFirstLastPara="1" wrap="square" lIns="91425" tIns="91425" rIns="91425" bIns="91425" anchor="t" anchorCtr="0">
-            <a:noAutofit/>
+          <a:bodyPr wrap="square">
+            <a:spAutoFit/>
           </a:bodyPr>
           <a:lstStyle/>
           <a:p>
-            <a:pPr marL="0" lvl="0" indent="0" algn="l" rtl="0">
-              <a:spcBef>
-                <a:spcPts val="0"/>
-              </a:spcBef>
-              <a:spcAft>
-                <a:spcPts val="0"/>
-              </a:spcAft>
-              <a:buNone/>
-            </a:pPr>
-            <a:r>
-              <a:rPr lang="en" sz="900" u="sng">
-                <a:solidFill>
-                  <a:srgbClr val="0000FF"/>
-                </a:solidFill>
-                <a:hlinkClick r:id="rId6">
-                  <a:extLst>
-                    <a:ext uri="{A12FA001-AC4F-418D-AE19-62706E023703}">
-                      <ahyp:hlinkClr xmlns:ahyp="http://schemas.microsoft.com/office/drawing/2018/hyperlinkcolor" xmlns:p15="http://schemas.microsoft.com/office/powerpoint/2012/main" xmlns:p14="http://schemas.microsoft.com/office/powerpoint/2010/main" xmlns:com="http://schemas.openxmlformats.org/drawingml/2006/compatibility" xmlns:pvml="urn:schemas-microsoft-com:office:powerpoint" xmlns:v="urn:schemas-microsoft-com:vml" xmlns:o="urn:schemas-microsoft-com:office:office" xmlns:dgm="http://schemas.openxmlformats.org/drawingml/2006/diagram" xmlns:c="http://schemas.openxmlformats.org/drawingml/2006/chart" xmlns:mv="urn:schemas-microsoft-com:mac:vml" xmlns:mc="http://schemas.openxmlformats.org/markup-compatibility/2006" xmlns="" val="tx"/>
-                    </a:ext>
-                  </a:extLst>
-                </a:hlinkClick>
-              </a:rPr>
-              <a:t>https://www.jetbrains.com/idea/download/</a:t>
-            </a:r>
-            <a:endParaRPr sz="900">
-              <a:solidFill>
-                <a:srgbClr val="0000FF"/>
-              </a:solidFill>
-            </a:endParaRPr>
+            <a:r>
+              <a:rPr lang="en-US" dirty="0" err="1" smtClean="0">
+                <a:solidFill>
+                  <a:srgbClr val="333333"/>
+                </a:solidFill>
+                <a:latin typeface="Times New Roman" panose="02020603050405020304" pitchFamily="18" charset="0"/>
+                <a:cs typeface="Times New Roman" panose="02020603050405020304" pitchFamily="18" charset="0"/>
+              </a:rPr>
+              <a:t>Bước</a:t>
+            </a:r>
+            <a:r>
+              <a:rPr lang="en-US" dirty="0" smtClean="0">
+                <a:solidFill>
+                  <a:srgbClr val="333333"/>
+                </a:solidFill>
+                <a:latin typeface="Times New Roman" panose="02020603050405020304" pitchFamily="18" charset="0"/>
+                <a:cs typeface="Times New Roman" panose="02020603050405020304" pitchFamily="18" charset="0"/>
+              </a:rPr>
+              <a:t> 1: </a:t>
+            </a:r>
+            <a:r>
+              <a:rPr lang="en-US" dirty="0" err="1" smtClean="0">
+                <a:solidFill>
+                  <a:srgbClr val="333333"/>
+                </a:solidFill>
+                <a:latin typeface="Times New Roman" panose="02020603050405020304" pitchFamily="18" charset="0"/>
+                <a:cs typeface="Times New Roman" panose="02020603050405020304" pitchFamily="18" charset="0"/>
+              </a:rPr>
+              <a:t>Tạo</a:t>
+            </a:r>
+            <a:r>
+              <a:rPr lang="en-US" dirty="0" smtClean="0">
+                <a:solidFill>
+                  <a:srgbClr val="333333"/>
+                </a:solidFill>
+                <a:latin typeface="Times New Roman" panose="02020603050405020304" pitchFamily="18" charset="0"/>
+                <a:cs typeface="Times New Roman" panose="02020603050405020304" pitchFamily="18" charset="0"/>
+              </a:rPr>
+              <a:t> project HelloWorld</a:t>
+            </a:r>
+          </a:p>
+          <a:p>
+            <a:r>
+              <a:rPr lang="en-US" dirty="0" err="1" smtClean="0">
+                <a:solidFill>
+                  <a:srgbClr val="333333"/>
+                </a:solidFill>
+                <a:latin typeface="Times New Roman" panose="02020603050405020304" pitchFamily="18" charset="0"/>
+                <a:cs typeface="Times New Roman" panose="02020603050405020304" pitchFamily="18" charset="0"/>
+              </a:rPr>
+              <a:t>Bước</a:t>
+            </a:r>
+            <a:r>
+              <a:rPr lang="en-US" dirty="0" smtClean="0">
+                <a:solidFill>
+                  <a:srgbClr val="333333"/>
+                </a:solidFill>
+                <a:latin typeface="Times New Roman" panose="02020603050405020304" pitchFamily="18" charset="0"/>
+                <a:cs typeface="Times New Roman" panose="02020603050405020304" pitchFamily="18" charset="0"/>
+              </a:rPr>
+              <a:t> 2: </a:t>
+            </a:r>
+            <a:r>
+              <a:rPr lang="en-US" dirty="0" err="1" smtClean="0">
+                <a:solidFill>
+                  <a:srgbClr val="333333"/>
+                </a:solidFill>
+                <a:latin typeface="Times New Roman" panose="02020603050405020304" pitchFamily="18" charset="0"/>
+                <a:cs typeface="Times New Roman" panose="02020603050405020304" pitchFamily="18" charset="0"/>
+              </a:rPr>
+              <a:t>Tạo</a:t>
+            </a:r>
+            <a:r>
+              <a:rPr lang="en-US" dirty="0" smtClean="0">
+                <a:solidFill>
+                  <a:srgbClr val="333333"/>
+                </a:solidFill>
+                <a:latin typeface="Times New Roman" panose="02020603050405020304" pitchFamily="18" charset="0"/>
+                <a:cs typeface="Times New Roman" panose="02020603050405020304" pitchFamily="18" charset="0"/>
+              </a:rPr>
+              <a:t> </a:t>
+            </a:r>
+            <a:r>
+              <a:rPr lang="en-US" dirty="0" err="1" smtClean="0">
+                <a:solidFill>
+                  <a:srgbClr val="333333"/>
+                </a:solidFill>
+                <a:latin typeface="Times New Roman" panose="02020603050405020304" pitchFamily="18" charset="0"/>
+                <a:cs typeface="Times New Roman" panose="02020603050405020304" pitchFamily="18" charset="0"/>
+              </a:rPr>
+              <a:t>lớp</a:t>
+            </a:r>
+            <a:r>
+              <a:rPr lang="en-US" dirty="0" smtClean="0">
+                <a:solidFill>
+                  <a:srgbClr val="333333"/>
+                </a:solidFill>
+                <a:latin typeface="Times New Roman" panose="02020603050405020304" pitchFamily="18" charset="0"/>
+                <a:cs typeface="Times New Roman" panose="02020603050405020304" pitchFamily="18" charset="0"/>
+              </a:rPr>
+              <a:t> HelloWorld.java</a:t>
+            </a:r>
+          </a:p>
+          <a:p>
+            <a:r>
+              <a:rPr lang="en-US" dirty="0" err="1" smtClean="0">
+                <a:solidFill>
+                  <a:srgbClr val="333333"/>
+                </a:solidFill>
+                <a:latin typeface="Times New Roman" panose="02020603050405020304" pitchFamily="18" charset="0"/>
+                <a:cs typeface="Times New Roman" panose="02020603050405020304" pitchFamily="18" charset="0"/>
+              </a:rPr>
+              <a:t>Bước</a:t>
+            </a:r>
+            <a:r>
+              <a:rPr lang="en-US" dirty="0" smtClean="0">
+                <a:solidFill>
+                  <a:srgbClr val="333333"/>
+                </a:solidFill>
+                <a:latin typeface="Times New Roman" panose="02020603050405020304" pitchFamily="18" charset="0"/>
+                <a:cs typeface="Times New Roman" panose="02020603050405020304" pitchFamily="18" charset="0"/>
+              </a:rPr>
+              <a:t> 3: Run (Ctrl + Shift + F10)</a:t>
+            </a:r>
           </a:p>
         </p:txBody>
       </p:sp>
@@ -7597,7 +8027,7 @@
   <p:cSld>
     <p:spTree>
       <p:nvGrpSpPr>
-        <p:cNvPr id="1" name="Shape 331"/>
+        <p:cNvPr id="1" name="Shape 320"/>
         <p:cNvGrpSpPr/>
         <p:nvPr/>
       </p:nvGrpSpPr>
@@ -7611,7 +8041,7 @@
       </p:grpSpPr>
       <p:sp>
         <p:nvSpPr>
-          <p:cNvPr id="332" name="Google Shape;332;p27"/>
+          <p:cNvPr id="321" name="Google Shape;321;p26"/>
           <p:cNvSpPr/>
           <p:nvPr/>
         </p:nvSpPr>
@@ -7646,14 +8076,14 @@
               <a:buNone/>
             </a:pPr>
             <a:r>
-              <a:rPr lang="en">
+              <a:rPr lang="en" dirty="0" smtClean="0">
                 <a:solidFill>
                   <a:srgbClr val="FFFFFF"/>
                 </a:solidFill>
               </a:rPr>
-              <a:t>	IDE (IntelliJ)</a:t>
-            </a:r>
-            <a:endParaRPr>
+              <a:t>Giải thích chương trình HelloWorld</a:t>
+            </a:r>
+            <a:endParaRPr dirty="0">
               <a:solidFill>
                 <a:srgbClr val="FFFFFF"/>
               </a:solidFill>
@@ -7663,7 +8093,7 @@
       </p:sp>
       <p:pic>
         <p:nvPicPr>
-          <p:cNvPr id="333" name="Google Shape;333;p27"/>
+          <p:cNvPr id="322" name="Google Shape;322;p26"/>
           <p:cNvPicPr preferRelativeResize="0"/>
           <p:nvPr/>
         </p:nvPicPr>
@@ -7691,7 +8121,7 @@
       </p:pic>
       <p:sp>
         <p:nvSpPr>
-          <p:cNvPr id="334" name="Google Shape;334;p27"/>
+          <p:cNvPr id="323" name="Google Shape;323;p26"/>
           <p:cNvSpPr/>
           <p:nvPr/>
         </p:nvSpPr>
@@ -7731,100 +8161,422 @@
           </a:p>
         </p:txBody>
       </p:sp>
-      <p:grpSp>
-        <p:nvGrpSpPr>
-          <p:cNvPr id="335" name="Google Shape;335;p27"/>
-          <p:cNvGrpSpPr/>
+      <p:sp>
+        <p:nvSpPr>
+          <p:cNvPr id="11" name="Rectangle 10"/>
+          <p:cNvSpPr/>
           <p:nvPr/>
-        </p:nvGrpSpPr>
-        <p:grpSpPr>
+        </p:nvSpPr>
+        <p:spPr>
           <a:xfrm>
-            <a:off x="2307488" y="579825"/>
-            <a:ext cx="4529025" cy="4393373"/>
-            <a:chOff x="2307488" y="579825"/>
-            <a:chExt cx="4529025" cy="4393373"/>
+            <a:off x="510666" y="617937"/>
+            <a:ext cx="7382083" cy="2893100"/>
           </a:xfrm>
-        </p:grpSpPr>
-        <p:pic>
-          <p:nvPicPr>
-            <p:cNvPr id="336" name="Google Shape;336;p27"/>
-            <p:cNvPicPr preferRelativeResize="0"/>
-            <p:nvPr/>
-          </p:nvPicPr>
-          <p:blipFill>
-            <a:blip r:embed="rId4">
-              <a:alphaModFix/>
-            </a:blip>
-            <a:stretch>
-              <a:fillRect/>
-            </a:stretch>
-          </p:blipFill>
-          <p:spPr>
-            <a:xfrm>
-              <a:off x="2307488" y="579825"/>
-              <a:ext cx="4529025" cy="4393373"/>
-            </a:xfrm>
-            <a:prstGeom prst="rect">
-              <a:avLst/>
-            </a:prstGeom>
-            <a:noFill/>
-            <a:ln w="9525" cap="flat" cmpd="sng">
-              <a:solidFill>
-                <a:srgbClr val="999999"/>
-              </a:solidFill>
-              <a:prstDash val="solid"/>
-              <a:round/>
-              <a:headEnd type="none" w="sm" len="sm"/>
-              <a:tailEnd type="none" w="sm" len="sm"/>
-            </a:ln>
-          </p:spPr>
-        </p:pic>
-        <p:sp>
-          <p:nvSpPr>
-            <p:cNvPr id="337" name="Google Shape;337;p27"/>
-            <p:cNvSpPr/>
-            <p:nvPr/>
-          </p:nvSpPr>
-          <p:spPr>
-            <a:xfrm>
-              <a:off x="2415150" y="904825"/>
-              <a:ext cx="1454700" cy="2359500"/>
-            </a:xfrm>
-            <a:prstGeom prst="rect">
-              <a:avLst/>
-            </a:prstGeom>
-            <a:noFill/>
-            <a:ln w="9525" cap="flat" cmpd="sng">
-              <a:solidFill>
-                <a:srgbClr val="FF0000"/>
-              </a:solidFill>
-              <a:prstDash val="solid"/>
-              <a:round/>
-              <a:headEnd type="none" w="sm" len="sm"/>
-              <a:tailEnd type="none" w="sm" len="sm"/>
-            </a:ln>
-          </p:spPr>
-          <p:txBody>
-            <a:bodyPr spcFirstLastPara="1" wrap="square" lIns="91425" tIns="91425" rIns="91425" bIns="91425" anchor="ctr" anchorCtr="0">
-              <a:noAutofit/>
-            </a:bodyPr>
-            <a:lstStyle/>
-            <a:p>
-              <a:pPr marL="0" lvl="0" indent="0" algn="l" rtl="0">
-                <a:spcBef>
-                  <a:spcPts val="0"/>
-                </a:spcBef>
-                <a:spcAft>
-                  <a:spcPts val="0"/>
-                </a:spcAft>
-                <a:buNone/>
-              </a:pPr>
-              <a:endParaRPr/>
-            </a:p>
-          </p:txBody>
-        </p:sp>
-      </p:grpSp>
+          <a:prstGeom prst="rect">
+            <a:avLst/>
+          </a:prstGeom>
+        </p:spPr>
+        <p:txBody>
+          <a:bodyPr wrap="square">
+            <a:spAutoFit/>
+          </a:bodyPr>
+          <a:lstStyle/>
+          <a:p>
+            <a:r>
+              <a:rPr lang="vi-VN" b="1" dirty="0"/>
+              <a:t>class:</a:t>
+            </a:r>
+            <a:r>
+              <a:rPr lang="vi-VN" dirty="0"/>
+              <a:t> được sử dụng để khai báo một lớp trong Java.</a:t>
+            </a:r>
+          </a:p>
+          <a:p>
+            <a:r>
+              <a:rPr lang="vi-VN" b="1" dirty="0"/>
+              <a:t>public:</a:t>
+            </a:r>
+            <a:r>
+              <a:rPr lang="vi-VN" dirty="0"/>
+              <a:t> là một Access </a:t>
+            </a:r>
+            <a:r>
+              <a:rPr lang="vi-VN" dirty="0" smtClean="0"/>
+              <a:t>Modifier</a:t>
+            </a:r>
+            <a:r>
+              <a:rPr lang="en-US" dirty="0" smtClean="0"/>
+              <a:t> (</a:t>
+            </a:r>
+            <a:r>
+              <a:rPr lang="en-US" dirty="0" err="1" smtClean="0"/>
+              <a:t>kiểu</a:t>
+            </a:r>
+            <a:r>
+              <a:rPr lang="en-US" dirty="0" smtClean="0"/>
+              <a:t> </a:t>
+            </a:r>
+            <a:r>
+              <a:rPr lang="en-US" dirty="0" err="1" smtClean="0"/>
+              <a:t>truy</a:t>
+            </a:r>
+            <a:r>
+              <a:rPr lang="en-US" dirty="0" smtClean="0"/>
+              <a:t> </a:t>
+            </a:r>
+            <a:r>
+              <a:rPr lang="en-US" dirty="0" err="1" smtClean="0"/>
+              <a:t>cập</a:t>
+            </a:r>
+            <a:r>
+              <a:rPr lang="en-US" dirty="0" smtClean="0"/>
+              <a:t>)</a:t>
+            </a:r>
+            <a:r>
+              <a:rPr lang="vi-VN" dirty="0" smtClean="0"/>
+              <a:t> </a:t>
+            </a:r>
+            <a:r>
+              <a:rPr lang="vi-VN" dirty="0"/>
+              <a:t>mà biểu diễn tính nhìn thấy, nghĩa rằng nó là nhìn nhất với tất cả.</a:t>
+            </a:r>
+          </a:p>
+          <a:p>
+            <a:r>
+              <a:rPr lang="vi-VN" b="1" dirty="0"/>
+              <a:t>static:</a:t>
+            </a:r>
+            <a:r>
+              <a:rPr lang="vi-VN" dirty="0"/>
+              <a:t> là một từ khóa, mà nếu chúng ta khai báo bất cứ phương thức nào là static thì nó còn được gọi là phương thức tĩnh hoặc phương thức static</a:t>
+            </a:r>
+            <a:r>
+              <a:rPr lang="vi-VN" dirty="0" smtClean="0"/>
+              <a:t>.</a:t>
+            </a:r>
+            <a:r>
+              <a:rPr lang="en-US" dirty="0" smtClean="0"/>
+              <a:t> </a:t>
+            </a:r>
+            <a:r>
+              <a:rPr lang="en-US" dirty="0" err="1" smtClean="0"/>
+              <a:t>Được</a:t>
+            </a:r>
+            <a:r>
+              <a:rPr lang="en-US" dirty="0" smtClean="0"/>
+              <a:t> </a:t>
+            </a:r>
+            <a:r>
+              <a:rPr lang="en-US" dirty="0" err="1" smtClean="0"/>
+              <a:t>lưu</a:t>
+            </a:r>
+            <a:r>
+              <a:rPr lang="en-US" dirty="0" smtClean="0"/>
+              <a:t> </a:t>
+            </a:r>
+            <a:r>
+              <a:rPr lang="en-US" dirty="0" err="1" smtClean="0"/>
+              <a:t>vĩnh</a:t>
+            </a:r>
+            <a:r>
+              <a:rPr lang="en-US" dirty="0" smtClean="0"/>
+              <a:t> </a:t>
+            </a:r>
+            <a:r>
+              <a:rPr lang="en-US" dirty="0" err="1" smtClean="0"/>
+              <a:t>viễn</a:t>
+            </a:r>
+            <a:r>
+              <a:rPr lang="en-US" dirty="0" smtClean="0"/>
+              <a:t> </a:t>
+            </a:r>
+            <a:r>
+              <a:rPr lang="en-US" dirty="0" err="1" smtClean="0"/>
+              <a:t>trong</a:t>
+            </a:r>
+            <a:r>
+              <a:rPr lang="en-US" dirty="0" smtClean="0"/>
+              <a:t> </a:t>
+            </a:r>
+            <a:r>
+              <a:rPr lang="en-US" dirty="0" err="1" smtClean="0"/>
+              <a:t>bô</a:t>
+            </a:r>
+            <a:r>
+              <a:rPr lang="en-US" dirty="0" smtClean="0"/>
+              <a:t>̣ </a:t>
+            </a:r>
+            <a:r>
+              <a:rPr lang="en-US" dirty="0" err="1" smtClean="0"/>
+              <a:t>nhơ</a:t>
+            </a:r>
+            <a:r>
+              <a:rPr lang="en-US" dirty="0" smtClean="0"/>
+              <a:t>́ </a:t>
+            </a:r>
+            <a:r>
+              <a:rPr lang="en-US" dirty="0" err="1" smtClean="0"/>
+              <a:t>tới</a:t>
+            </a:r>
+            <a:r>
+              <a:rPr lang="en-US" dirty="0" smtClean="0"/>
+              <a:t> </a:t>
+            </a:r>
+            <a:r>
+              <a:rPr lang="en-US" dirty="0" err="1" smtClean="0"/>
+              <a:t>khi</a:t>
+            </a:r>
+            <a:r>
+              <a:rPr lang="en-US" dirty="0" smtClean="0"/>
+              <a:t> </a:t>
+            </a:r>
+            <a:r>
+              <a:rPr lang="en-US" dirty="0" err="1" smtClean="0"/>
+              <a:t>chương</a:t>
+            </a:r>
+            <a:r>
+              <a:rPr lang="en-US" dirty="0" smtClean="0"/>
+              <a:t> </a:t>
+            </a:r>
+            <a:r>
+              <a:rPr lang="en-US" dirty="0" err="1" smtClean="0"/>
+              <a:t>trình</a:t>
+            </a:r>
+            <a:r>
+              <a:rPr lang="en-US" dirty="0" smtClean="0"/>
+              <a:t> </a:t>
+            </a:r>
+            <a:r>
+              <a:rPr lang="en-US" dirty="0" err="1" smtClean="0"/>
+              <a:t>tắt</a:t>
+            </a:r>
+            <a:r>
+              <a:rPr lang="en-US" dirty="0" smtClean="0"/>
+              <a:t> </a:t>
+            </a:r>
+            <a:r>
+              <a:rPr lang="en-US" dirty="0" err="1" smtClean="0"/>
+              <a:t>đi</a:t>
+            </a:r>
+            <a:r>
+              <a:rPr lang="en-US" dirty="0" smtClean="0"/>
+              <a:t>.</a:t>
+            </a:r>
+            <a:endParaRPr lang="vi-VN" dirty="0"/>
+          </a:p>
+          <a:p>
+            <a:r>
+              <a:rPr lang="vi-VN" b="1" dirty="0"/>
+              <a:t>void:</a:t>
+            </a:r>
+            <a:r>
+              <a:rPr lang="vi-VN" dirty="0"/>
+              <a:t> là kiểu trả về của phương thức, nghĩa là phương thức không trả về bất cứ giá trị nào.</a:t>
+            </a:r>
+          </a:p>
+          <a:p>
+            <a:r>
+              <a:rPr lang="vi-VN" b="1" dirty="0"/>
+              <a:t>main:</a:t>
+            </a:r>
+            <a:r>
+              <a:rPr lang="vi-VN" dirty="0"/>
+              <a:t> đại diện cho khởi động chương trình</a:t>
+            </a:r>
+            <a:r>
+              <a:rPr lang="vi-VN" dirty="0" smtClean="0"/>
+              <a:t>.</a:t>
+            </a:r>
+            <a:endParaRPr lang="vi-VN" dirty="0"/>
+          </a:p>
+          <a:p>
+            <a:r>
+              <a:rPr lang="vi-VN" b="1" dirty="0"/>
+              <a:t>String[] args:</a:t>
+            </a:r>
+            <a:r>
+              <a:rPr lang="vi-VN" dirty="0"/>
+              <a:t> được sử dụng cho tham số dòng lệnh. Bạn sẽ tìm hiểu về chúng sau</a:t>
+            </a:r>
+            <a:r>
+              <a:rPr lang="vi-VN" dirty="0" smtClean="0"/>
+              <a:t>.</a:t>
+            </a:r>
+            <a:endParaRPr lang="en-US" dirty="0" smtClean="0"/>
+          </a:p>
+          <a:p>
+            <a:endParaRPr lang="en-US" dirty="0" smtClean="0">
+              <a:sym typeface="Wingdings" panose="05000000000000000000" pitchFamily="2" charset="2"/>
+            </a:endParaRPr>
+          </a:p>
+          <a:p>
+            <a:pPr marL="285750" indent="-285750">
+              <a:buFont typeface="Wingdings" panose="05000000000000000000" pitchFamily="2" charset="2"/>
+              <a:buChar char="è"/>
+            </a:pPr>
+            <a:r>
+              <a:rPr lang="en-US" dirty="0" smtClean="0"/>
+              <a:t>JVM sẽ </a:t>
+            </a:r>
+            <a:r>
+              <a:rPr lang="en-US" dirty="0" err="1" smtClean="0"/>
+              <a:t>dựa</a:t>
+            </a:r>
+            <a:r>
+              <a:rPr lang="en-US" dirty="0" smtClean="0"/>
+              <a:t> </a:t>
+            </a:r>
+            <a:r>
+              <a:rPr lang="en-US" dirty="0" err="1" smtClean="0"/>
+              <a:t>vào</a:t>
+            </a:r>
+            <a:r>
+              <a:rPr lang="en-US" dirty="0" smtClean="0"/>
+              <a:t> </a:t>
+            </a:r>
+            <a:r>
+              <a:rPr lang="en-US" dirty="0" err="1" smtClean="0"/>
+              <a:t>các</a:t>
+            </a:r>
+            <a:r>
+              <a:rPr lang="en-US" dirty="0" smtClean="0"/>
+              <a:t> </a:t>
+            </a:r>
+            <a:r>
+              <a:rPr lang="en-US" dirty="0" err="1" smtClean="0"/>
+              <a:t>yếu</a:t>
+            </a:r>
+            <a:r>
+              <a:rPr lang="en-US" dirty="0" smtClean="0"/>
+              <a:t> </a:t>
+            </a:r>
+            <a:r>
+              <a:rPr lang="en-US" dirty="0" err="1" smtClean="0"/>
+              <a:t>tô</a:t>
+            </a:r>
+            <a:r>
+              <a:rPr lang="en-US" dirty="0" smtClean="0"/>
+              <a:t>́ </a:t>
+            </a:r>
+            <a:r>
+              <a:rPr lang="en-US" dirty="0" err="1" smtClean="0"/>
+              <a:t>trên</a:t>
+            </a:r>
+            <a:r>
+              <a:rPr lang="en-US" dirty="0" smtClean="0"/>
+              <a:t> </a:t>
+            </a:r>
+            <a:r>
+              <a:rPr lang="en-US" dirty="0" err="1" smtClean="0"/>
+              <a:t>đê</a:t>
+            </a:r>
+            <a:r>
+              <a:rPr lang="en-US" dirty="0" smtClean="0"/>
+              <a:t>̉ </a:t>
+            </a:r>
+            <a:r>
+              <a:rPr lang="en-US" dirty="0" err="1" smtClean="0"/>
+              <a:t>khởi</a:t>
+            </a:r>
+            <a:r>
+              <a:rPr lang="en-US" dirty="0" smtClean="0"/>
+              <a:t> </a:t>
+            </a:r>
+            <a:r>
+              <a:rPr lang="en-US" dirty="0" err="1" smtClean="0"/>
+              <a:t>chạy</a:t>
+            </a:r>
+            <a:r>
+              <a:rPr lang="en-US" dirty="0" smtClean="0"/>
+              <a:t> </a:t>
+            </a:r>
+            <a:r>
+              <a:rPr lang="en-US" dirty="0" err="1" smtClean="0"/>
+              <a:t>trương</a:t>
+            </a:r>
+            <a:r>
+              <a:rPr lang="en-US" dirty="0" smtClean="0"/>
+              <a:t> </a:t>
+            </a:r>
+            <a:r>
+              <a:rPr lang="en-US" dirty="0" err="1" smtClean="0"/>
+              <a:t>trình</a:t>
+            </a:r>
+            <a:r>
+              <a:rPr lang="en-US" dirty="0" smtClean="0"/>
+              <a:t> (</a:t>
+            </a:r>
+            <a:r>
+              <a:rPr lang="en-US" dirty="0" err="1" smtClean="0"/>
+              <a:t>Quy</a:t>
+            </a:r>
+            <a:r>
+              <a:rPr lang="en-US" dirty="0" smtClean="0"/>
+              <a:t> </a:t>
+            </a:r>
+            <a:r>
+              <a:rPr lang="en-US" dirty="0" err="1" smtClean="0"/>
+              <a:t>định</a:t>
+            </a:r>
+            <a:r>
+              <a:rPr lang="en-US" dirty="0" smtClean="0"/>
+              <a:t>)</a:t>
+            </a:r>
+          </a:p>
+          <a:p>
+            <a:endParaRPr lang="vi-VN" dirty="0"/>
+          </a:p>
+          <a:p>
+            <a:r>
+              <a:rPr lang="vi-VN" b="1" dirty="0"/>
+              <a:t>System.out.println():</a:t>
+            </a:r>
+            <a:r>
+              <a:rPr lang="vi-VN" dirty="0"/>
+              <a:t> được sử dụng như là lệnh </a:t>
+            </a:r>
+            <a:r>
+              <a:rPr lang="vi-VN" dirty="0" smtClean="0"/>
+              <a:t>in</a:t>
+            </a:r>
+            <a:r>
+              <a:rPr lang="en-US" dirty="0" smtClean="0"/>
+              <a:t> </a:t>
+            </a:r>
+            <a:r>
+              <a:rPr lang="en-US" dirty="0" err="1" smtClean="0"/>
+              <a:t>ra</a:t>
+            </a:r>
+            <a:r>
+              <a:rPr lang="en-US" dirty="0" smtClean="0"/>
+              <a:t> </a:t>
+            </a:r>
+            <a:r>
+              <a:rPr lang="en-US" dirty="0" err="1" smtClean="0"/>
+              <a:t>màn</a:t>
+            </a:r>
+            <a:r>
+              <a:rPr lang="en-US" dirty="0" smtClean="0"/>
+              <a:t> </a:t>
+            </a:r>
+            <a:r>
+              <a:rPr lang="en-US" dirty="0" err="1" smtClean="0"/>
+              <a:t>hình</a:t>
+            </a:r>
+            <a:r>
+              <a:rPr lang="en-US" dirty="0" smtClean="0"/>
+              <a:t> console</a:t>
+            </a:r>
+            <a:endParaRPr lang="vi-VN" dirty="0"/>
+          </a:p>
+        </p:txBody>
+      </p:sp>
     </p:spTree>
+    <p:extLst>
+      <p:ext uri="{BB962C8B-B14F-4D97-AF65-F5344CB8AC3E}">
+        <p14:creationId xmlns:p14="http://schemas.microsoft.com/office/powerpoint/2010/main" val="1711024358"/>
+      </p:ext>
+    </p:extLst>
   </p:cSld>
   <p:clrMapOvr>
     <a:masterClrMapping/>
@@ -7844,7 +8596,7 @@
   <p:cSld>
     <p:spTree>
       <p:nvGrpSpPr>
-        <p:cNvPr id="1" name="Shape 341"/>
+        <p:cNvPr id="1" name="Shape 320"/>
         <p:cNvGrpSpPr/>
         <p:nvPr/>
       </p:nvGrpSpPr>
@@ -7858,7 +8610,7 @@
       </p:grpSpPr>
       <p:sp>
         <p:nvSpPr>
-          <p:cNvPr id="342" name="Google Shape;342;p28"/>
+          <p:cNvPr id="321" name="Google Shape;321;p26"/>
           <p:cNvSpPr/>
           <p:nvPr/>
         </p:nvSpPr>
@@ -7893,14 +8645,14 @@
               <a:buNone/>
             </a:pPr>
             <a:r>
-              <a:rPr lang="en">
+              <a:rPr lang="en" dirty="0" smtClean="0">
                 <a:solidFill>
                   <a:srgbClr val="FFFFFF"/>
                 </a:solidFill>
               </a:rPr>
-              <a:t>	IDE (IntelliJ)</a:t>
-            </a:r>
-            <a:endParaRPr>
+              <a:t>Kiểm soát mã nguồn</a:t>
+            </a:r>
+            <a:endParaRPr dirty="0">
               <a:solidFill>
                 <a:srgbClr val="FFFFFF"/>
               </a:solidFill>
@@ -7910,7 +8662,7 @@
       </p:sp>
       <p:pic>
         <p:nvPicPr>
-          <p:cNvPr id="343" name="Google Shape;343;p28"/>
+          <p:cNvPr id="322" name="Google Shape;322;p26"/>
           <p:cNvPicPr preferRelativeResize="0"/>
           <p:nvPr/>
         </p:nvPicPr>
@@ -7938,7 +8690,7 @@
       </p:pic>
       <p:sp>
         <p:nvSpPr>
-          <p:cNvPr id="344" name="Google Shape;344;p28"/>
+          <p:cNvPr id="323" name="Google Shape;323;p26"/>
           <p:cNvSpPr/>
           <p:nvPr/>
         </p:nvSpPr>
@@ -7978,94 +8730,619 @@
           </a:p>
         </p:txBody>
       </p:sp>
-      <p:grpSp>
-        <p:nvGrpSpPr>
-          <p:cNvPr id="345" name="Google Shape;345;p28"/>
-          <p:cNvGrpSpPr/>
+      <p:sp>
+        <p:nvSpPr>
+          <p:cNvPr id="11" name="Rectangle 10"/>
+          <p:cNvSpPr/>
           <p:nvPr/>
-        </p:nvGrpSpPr>
-        <p:grpSpPr>
+        </p:nvSpPr>
+        <p:spPr>
           <a:xfrm>
-            <a:off x="2038575" y="486350"/>
-            <a:ext cx="4792774" cy="4393376"/>
-            <a:chOff x="2038575" y="486350"/>
-            <a:chExt cx="4792774" cy="4393376"/>
+            <a:off x="510666" y="617937"/>
+            <a:ext cx="7382083" cy="4185761"/>
           </a:xfrm>
-        </p:grpSpPr>
-        <p:pic>
-          <p:nvPicPr>
-            <p:cNvPr id="346" name="Google Shape;346;p28"/>
-            <p:cNvPicPr preferRelativeResize="0"/>
-            <p:nvPr/>
-          </p:nvPicPr>
-          <p:blipFill>
-            <a:blip r:embed="rId4">
-              <a:alphaModFix/>
-            </a:blip>
-            <a:stretch>
-              <a:fillRect/>
-            </a:stretch>
-          </p:blipFill>
-          <p:spPr>
-            <a:xfrm>
-              <a:off x="2038575" y="486350"/>
-              <a:ext cx="4792774" cy="4393376"/>
-            </a:xfrm>
-            <a:prstGeom prst="rect">
-              <a:avLst/>
-            </a:prstGeom>
-            <a:noFill/>
-            <a:ln>
-              <a:noFill/>
-            </a:ln>
-          </p:spPr>
-        </p:pic>
-        <p:sp>
-          <p:nvSpPr>
-            <p:cNvPr id="347" name="Google Shape;347;p28"/>
-            <p:cNvSpPr/>
-            <p:nvPr/>
-          </p:nvSpPr>
-          <p:spPr>
-            <a:xfrm>
-              <a:off x="2380350" y="3445400"/>
-              <a:ext cx="1698300" cy="292200"/>
-            </a:xfrm>
-            <a:prstGeom prst="rect">
-              <a:avLst/>
-            </a:prstGeom>
-            <a:noFill/>
-            <a:ln w="9525" cap="flat" cmpd="sng">
-              <a:solidFill>
-                <a:srgbClr val="FF0000"/>
-              </a:solidFill>
-              <a:prstDash val="solid"/>
-              <a:round/>
-              <a:headEnd type="none" w="sm" len="sm"/>
-              <a:tailEnd type="none" w="sm" len="sm"/>
-            </a:ln>
-          </p:spPr>
-          <p:txBody>
-            <a:bodyPr spcFirstLastPara="1" wrap="square" lIns="91425" tIns="91425" rIns="91425" bIns="91425" anchor="ctr" anchorCtr="0">
-              <a:noAutofit/>
-            </a:bodyPr>
-            <a:lstStyle/>
-            <a:p>
-              <a:pPr marL="0" lvl="0" indent="0" algn="l" rtl="0">
-                <a:spcBef>
-                  <a:spcPts val="0"/>
-                </a:spcBef>
-                <a:spcAft>
-                  <a:spcPts val="0"/>
-                </a:spcAft>
-                <a:buNone/>
-              </a:pPr>
-              <a:endParaRPr/>
-            </a:p>
-          </p:txBody>
-        </p:sp>
-      </p:grpSp>
+          <a:prstGeom prst="rect">
+            <a:avLst/>
+          </a:prstGeom>
+        </p:spPr>
+        <p:txBody>
+          <a:bodyPr wrap="square">
+            <a:spAutoFit/>
+          </a:bodyPr>
+          <a:lstStyle/>
+          <a:p>
+            <a:r>
+              <a:rPr lang="en-US" b="1" dirty="0" err="1" smtClean="0">
+                <a:latin typeface="Times New Roman" panose="02020603050405020304" pitchFamily="18" charset="0"/>
+                <a:cs typeface="Times New Roman" panose="02020603050405020304" pitchFamily="18" charset="0"/>
+              </a:rPr>
+              <a:t>Sư</a:t>
+            </a:r>
+            <a:r>
+              <a:rPr lang="en-US" b="1" dirty="0" smtClean="0">
+                <a:latin typeface="Times New Roman" panose="02020603050405020304" pitchFamily="18" charset="0"/>
+                <a:cs typeface="Times New Roman" panose="02020603050405020304" pitchFamily="18" charset="0"/>
+              </a:rPr>
+              <a:t>̉ </a:t>
+            </a:r>
+            <a:r>
+              <a:rPr lang="en-US" b="1" dirty="0" err="1" smtClean="0">
+                <a:latin typeface="Times New Roman" panose="02020603050405020304" pitchFamily="18" charset="0"/>
+                <a:cs typeface="Times New Roman" panose="02020603050405020304" pitchFamily="18" charset="0"/>
+              </a:rPr>
+              <a:t>dụng</a:t>
+            </a:r>
+            <a:r>
+              <a:rPr lang="en-US" b="1" dirty="0" smtClean="0">
+                <a:latin typeface="Times New Roman" panose="02020603050405020304" pitchFamily="18" charset="0"/>
+                <a:cs typeface="Times New Roman" panose="02020603050405020304" pitchFamily="18" charset="0"/>
+              </a:rPr>
+              <a:t> </a:t>
+            </a:r>
+            <a:r>
+              <a:rPr lang="en-US" b="1" dirty="0" err="1" smtClean="0">
+                <a:latin typeface="Times New Roman" panose="02020603050405020304" pitchFamily="18" charset="0"/>
+                <a:cs typeface="Times New Roman" panose="02020603050405020304" pitchFamily="18" charset="0"/>
+              </a:rPr>
+              <a:t>Git</a:t>
+            </a:r>
+            <a:r>
+              <a:rPr lang="en-US" b="1" dirty="0" smtClean="0">
+                <a:latin typeface="Times New Roman" panose="02020603050405020304" pitchFamily="18" charset="0"/>
+                <a:cs typeface="Times New Roman" panose="02020603050405020304" pitchFamily="18" charset="0"/>
+              </a:rPr>
+              <a:t>: </a:t>
+            </a:r>
+          </a:p>
+          <a:p>
+            <a:r>
+              <a:rPr lang="vi-VN" dirty="0">
+                <a:latin typeface="Times New Roman" panose="02020603050405020304" pitchFamily="18" charset="0"/>
+                <a:cs typeface="Times New Roman" panose="02020603050405020304" pitchFamily="18" charset="0"/>
+              </a:rPr>
+              <a:t>Lưu lại lịch sử các version của bất kỳ thay đổi nào của dự án. Giúp xem lại các sự thay đổi hoặc khôi phục (revert) lại sau này.</a:t>
+            </a:r>
+          </a:p>
+          <a:p>
+            <a:r>
+              <a:rPr lang="vi-VN" dirty="0">
+                <a:latin typeface="Times New Roman" panose="02020603050405020304" pitchFamily="18" charset="0"/>
+                <a:cs typeface="Times New Roman" panose="02020603050405020304" pitchFamily="18" charset="0"/>
+              </a:rPr>
+              <a:t>Việc chia sẻ code trở nên dễ dàng hơn, lập trình viên có thể để public cho bất kỳ ai, hoặc private chỉ cho một số người có thẩm quyền có thể truy cập và lấy code về.</a:t>
+            </a:r>
+          </a:p>
+          <a:p>
+            <a:r>
+              <a:rPr lang="en-US" b="1" dirty="0" err="1" smtClean="0">
+                <a:latin typeface="Times New Roman" panose="02020603050405020304" pitchFamily="18" charset="0"/>
+                <a:cs typeface="Times New Roman" panose="02020603050405020304" pitchFamily="18" charset="0"/>
+              </a:rPr>
+              <a:t>Github</a:t>
+            </a:r>
+            <a:r>
+              <a:rPr lang="en-US" b="1" dirty="0" smtClean="0">
+                <a:latin typeface="Times New Roman" panose="02020603050405020304" pitchFamily="18" charset="0"/>
+                <a:cs typeface="Times New Roman" panose="02020603050405020304" pitchFamily="18" charset="0"/>
+              </a:rPr>
+              <a:t>:</a:t>
+            </a:r>
+          </a:p>
+          <a:p>
+            <a:r>
+              <a:rPr lang="en-US" dirty="0" smtClean="0">
+                <a:latin typeface="Times New Roman" panose="02020603050405020304" pitchFamily="18" charset="0"/>
+                <a:cs typeface="Times New Roman" panose="02020603050405020304" pitchFamily="18" charset="0"/>
+              </a:rPr>
+              <a:t>Là </a:t>
+            </a:r>
+            <a:r>
+              <a:rPr lang="en-US" dirty="0" err="1" smtClean="0">
+                <a:latin typeface="Times New Roman" panose="02020603050405020304" pitchFamily="18" charset="0"/>
+                <a:cs typeface="Times New Roman" panose="02020603050405020304" pitchFamily="18" charset="0"/>
+              </a:rPr>
+              <a:t>kho</a:t>
+            </a:r>
+            <a:r>
+              <a:rPr lang="en-US" dirty="0" smtClean="0">
+                <a:latin typeface="Times New Roman" panose="02020603050405020304" pitchFamily="18" charset="0"/>
+                <a:cs typeface="Times New Roman" panose="02020603050405020304" pitchFamily="18" charset="0"/>
+              </a:rPr>
+              <a:t> </a:t>
+            </a:r>
+            <a:r>
+              <a:rPr lang="en-US" dirty="0" err="1" smtClean="0">
+                <a:latin typeface="Times New Roman" panose="02020603050405020304" pitchFamily="18" charset="0"/>
+                <a:cs typeface="Times New Roman" panose="02020603050405020304" pitchFamily="18" charset="0"/>
+              </a:rPr>
+              <a:t>lưu</a:t>
+            </a:r>
+            <a:r>
+              <a:rPr lang="en-US" dirty="0" smtClean="0">
+                <a:latin typeface="Times New Roman" panose="02020603050405020304" pitchFamily="18" charset="0"/>
+                <a:cs typeface="Times New Roman" panose="02020603050405020304" pitchFamily="18" charset="0"/>
+              </a:rPr>
+              <a:t> </a:t>
+            </a:r>
+            <a:r>
+              <a:rPr lang="en-US" dirty="0" err="1" smtClean="0">
+                <a:latin typeface="Times New Roman" panose="02020603050405020304" pitchFamily="18" charset="0"/>
+                <a:cs typeface="Times New Roman" panose="02020603050405020304" pitchFamily="18" charset="0"/>
+              </a:rPr>
+              <a:t>trư</a:t>
+            </a:r>
+            <a:r>
+              <a:rPr lang="en-US" dirty="0" smtClean="0">
+                <a:latin typeface="Times New Roman" panose="02020603050405020304" pitchFamily="18" charset="0"/>
+                <a:cs typeface="Times New Roman" panose="02020603050405020304" pitchFamily="18" charset="0"/>
+              </a:rPr>
+              <a:t>̃ code online (cloud)</a:t>
+            </a:r>
+          </a:p>
+          <a:p>
+            <a:r>
+              <a:rPr lang="en-US" dirty="0" err="1" smtClean="0">
+                <a:latin typeface="Times New Roman" panose="02020603050405020304" pitchFamily="18" charset="0"/>
+                <a:cs typeface="Times New Roman" panose="02020603050405020304" pitchFamily="18" charset="0"/>
+              </a:rPr>
+              <a:t>Sư</a:t>
+            </a:r>
+            <a:r>
+              <a:rPr lang="en-US" dirty="0" smtClean="0">
+                <a:latin typeface="Times New Roman" panose="02020603050405020304" pitchFamily="18" charset="0"/>
+                <a:cs typeface="Times New Roman" panose="02020603050405020304" pitchFamily="18" charset="0"/>
+              </a:rPr>
+              <a:t>̉ </a:t>
+            </a:r>
+            <a:r>
+              <a:rPr lang="en-US" dirty="0" err="1" smtClean="0">
+                <a:latin typeface="Times New Roman" panose="02020603050405020304" pitchFamily="18" charset="0"/>
+                <a:cs typeface="Times New Roman" panose="02020603050405020304" pitchFamily="18" charset="0"/>
+              </a:rPr>
+              <a:t>dụng</a:t>
+            </a:r>
+            <a:r>
+              <a:rPr lang="en-US" dirty="0" smtClean="0">
+                <a:latin typeface="Times New Roman" panose="02020603050405020304" pitchFamily="18" charset="0"/>
+                <a:cs typeface="Times New Roman" panose="02020603050405020304" pitchFamily="18" charset="0"/>
+              </a:rPr>
+              <a:t> </a:t>
+            </a:r>
+            <a:r>
+              <a:rPr lang="en-US" dirty="0" err="1" smtClean="0">
+                <a:latin typeface="Times New Roman" panose="02020603050405020304" pitchFamily="18" charset="0"/>
+                <a:cs typeface="Times New Roman" panose="02020603050405020304" pitchFamily="18" charset="0"/>
+              </a:rPr>
+              <a:t>git</a:t>
+            </a:r>
+            <a:r>
+              <a:rPr lang="en-US" dirty="0" smtClean="0">
+                <a:latin typeface="Times New Roman" panose="02020603050405020304" pitchFamily="18" charset="0"/>
+                <a:cs typeface="Times New Roman" panose="02020603050405020304" pitchFamily="18" charset="0"/>
+              </a:rPr>
+              <a:t> </a:t>
+            </a:r>
+            <a:r>
+              <a:rPr lang="en-US" dirty="0" err="1" smtClean="0">
+                <a:latin typeface="Times New Roman" panose="02020603050405020304" pitchFamily="18" charset="0"/>
+                <a:cs typeface="Times New Roman" panose="02020603050405020304" pitchFamily="18" charset="0"/>
+              </a:rPr>
+              <a:t>đê</a:t>
+            </a:r>
+            <a:r>
+              <a:rPr lang="en-US" dirty="0" smtClean="0">
+                <a:latin typeface="Times New Roman" panose="02020603050405020304" pitchFamily="18" charset="0"/>
+                <a:cs typeface="Times New Roman" panose="02020603050405020304" pitchFamily="18" charset="0"/>
+              </a:rPr>
+              <a:t>̉ </a:t>
+            </a:r>
+            <a:r>
+              <a:rPr lang="en-US" dirty="0" err="1" smtClean="0">
+                <a:latin typeface="Times New Roman" panose="02020603050405020304" pitchFamily="18" charset="0"/>
+                <a:cs typeface="Times New Roman" panose="02020603050405020304" pitchFamily="18" charset="0"/>
+              </a:rPr>
+              <a:t>tương</a:t>
+            </a:r>
+            <a:r>
+              <a:rPr lang="en-US" dirty="0" smtClean="0">
+                <a:latin typeface="Times New Roman" panose="02020603050405020304" pitchFamily="18" charset="0"/>
+                <a:cs typeface="Times New Roman" panose="02020603050405020304" pitchFamily="18" charset="0"/>
+              </a:rPr>
+              <a:t> </a:t>
+            </a:r>
+            <a:r>
+              <a:rPr lang="en-US" dirty="0" err="1" smtClean="0">
+                <a:latin typeface="Times New Roman" panose="02020603050405020304" pitchFamily="18" charset="0"/>
+                <a:cs typeface="Times New Roman" panose="02020603050405020304" pitchFamily="18" charset="0"/>
+              </a:rPr>
+              <a:t>tác</a:t>
+            </a:r>
+            <a:r>
+              <a:rPr lang="en-US" dirty="0" smtClean="0">
+                <a:latin typeface="Times New Roman" panose="02020603050405020304" pitchFamily="18" charset="0"/>
+                <a:cs typeface="Times New Roman" panose="02020603050405020304" pitchFamily="18" charset="0"/>
+              </a:rPr>
+              <a:t> </a:t>
+            </a:r>
+            <a:r>
+              <a:rPr lang="en-US" dirty="0" err="1" smtClean="0">
+                <a:latin typeface="Times New Roman" panose="02020603050405020304" pitchFamily="18" charset="0"/>
+                <a:cs typeface="Times New Roman" panose="02020603050405020304" pitchFamily="18" charset="0"/>
+              </a:rPr>
+              <a:t>giữa</a:t>
+            </a:r>
+            <a:r>
+              <a:rPr lang="en-US" dirty="0" smtClean="0">
+                <a:latin typeface="Times New Roman" panose="02020603050405020304" pitchFamily="18" charset="0"/>
+                <a:cs typeface="Times New Roman" panose="02020603050405020304" pitchFamily="18" charset="0"/>
+              </a:rPr>
+              <a:t> local </a:t>
+            </a:r>
+            <a:r>
+              <a:rPr lang="en-US" dirty="0" err="1" smtClean="0">
+                <a:latin typeface="Times New Roman" panose="02020603050405020304" pitchFamily="18" charset="0"/>
+                <a:cs typeface="Times New Roman" panose="02020603050405020304" pitchFamily="18" charset="0"/>
+              </a:rPr>
+              <a:t>va</a:t>
+            </a:r>
+            <a:r>
+              <a:rPr lang="en-US" dirty="0" smtClean="0">
+                <a:latin typeface="Times New Roman" panose="02020603050405020304" pitchFamily="18" charset="0"/>
+                <a:cs typeface="Times New Roman" panose="02020603050405020304" pitchFamily="18" charset="0"/>
+              </a:rPr>
+              <a:t>̀ </a:t>
+            </a:r>
+            <a:r>
+              <a:rPr lang="en-US" dirty="0" err="1" smtClean="0">
+                <a:latin typeface="Times New Roman" panose="02020603050405020304" pitchFamily="18" charset="0"/>
+                <a:cs typeface="Times New Roman" panose="02020603050405020304" pitchFamily="18" charset="0"/>
+              </a:rPr>
+              <a:t>Github</a:t>
+            </a:r>
+            <a:endParaRPr lang="en-US" dirty="0" smtClean="0">
+              <a:latin typeface="Times New Roman" panose="02020603050405020304" pitchFamily="18" charset="0"/>
+              <a:cs typeface="Times New Roman" panose="02020603050405020304" pitchFamily="18" charset="0"/>
+            </a:endParaRPr>
+          </a:p>
+          <a:p>
+            <a:endParaRPr lang="en-US" dirty="0">
+              <a:latin typeface="Times New Roman" panose="02020603050405020304" pitchFamily="18" charset="0"/>
+              <a:cs typeface="Times New Roman" panose="02020603050405020304" pitchFamily="18" charset="0"/>
+            </a:endParaRPr>
+          </a:p>
+          <a:p>
+            <a:r>
+              <a:rPr lang="en-US" dirty="0" err="1" smtClean="0">
+                <a:latin typeface="Times New Roman" panose="02020603050405020304" pitchFamily="18" charset="0"/>
+                <a:cs typeface="Times New Roman" panose="02020603050405020304" pitchFamily="18" charset="0"/>
+              </a:rPr>
+              <a:t>Bước</a:t>
+            </a:r>
+            <a:r>
+              <a:rPr lang="en-US" dirty="0" smtClean="0">
+                <a:latin typeface="Times New Roman" panose="02020603050405020304" pitchFamily="18" charset="0"/>
+                <a:cs typeface="Times New Roman" panose="02020603050405020304" pitchFamily="18" charset="0"/>
+              </a:rPr>
+              <a:t> 1: </a:t>
+            </a:r>
+            <a:r>
+              <a:rPr lang="en-US" dirty="0" err="1" smtClean="0">
+                <a:latin typeface="Times New Roman" panose="02020603050405020304" pitchFamily="18" charset="0"/>
+                <a:cs typeface="Times New Roman" panose="02020603050405020304" pitchFamily="18" charset="0"/>
+              </a:rPr>
+              <a:t>Tạo</a:t>
+            </a:r>
+            <a:r>
+              <a:rPr lang="en-US" dirty="0" smtClean="0">
+                <a:latin typeface="Times New Roman" panose="02020603050405020304" pitchFamily="18" charset="0"/>
+                <a:cs typeface="Times New Roman" panose="02020603050405020304" pitchFamily="18" charset="0"/>
+              </a:rPr>
+              <a:t> </a:t>
+            </a:r>
+            <a:r>
+              <a:rPr lang="en-US" dirty="0" err="1" smtClean="0">
+                <a:latin typeface="Times New Roman" panose="02020603050405020304" pitchFamily="18" charset="0"/>
+                <a:cs typeface="Times New Roman" panose="02020603050405020304" pitchFamily="18" charset="0"/>
+              </a:rPr>
+              <a:t>tài</a:t>
+            </a:r>
+            <a:r>
+              <a:rPr lang="en-US" dirty="0" smtClean="0">
+                <a:latin typeface="Times New Roman" panose="02020603050405020304" pitchFamily="18" charset="0"/>
+                <a:cs typeface="Times New Roman" panose="02020603050405020304" pitchFamily="18" charset="0"/>
+              </a:rPr>
+              <a:t> </a:t>
+            </a:r>
+            <a:r>
+              <a:rPr lang="en-US" dirty="0" err="1" smtClean="0">
+                <a:latin typeface="Times New Roman" panose="02020603050405020304" pitchFamily="18" charset="0"/>
+                <a:cs typeface="Times New Roman" panose="02020603050405020304" pitchFamily="18" charset="0"/>
+              </a:rPr>
+              <a:t>khoản</a:t>
+            </a:r>
+            <a:r>
+              <a:rPr lang="en-US" dirty="0" smtClean="0">
+                <a:latin typeface="Times New Roman" panose="02020603050405020304" pitchFamily="18" charset="0"/>
+                <a:cs typeface="Times New Roman" panose="02020603050405020304" pitchFamily="18" charset="0"/>
+              </a:rPr>
+              <a:t> </a:t>
+            </a:r>
+            <a:r>
+              <a:rPr lang="en-US" dirty="0" err="1" smtClean="0">
+                <a:latin typeface="Times New Roman" panose="02020603050405020304" pitchFamily="18" charset="0"/>
+                <a:cs typeface="Times New Roman" panose="02020603050405020304" pitchFamily="18" charset="0"/>
+              </a:rPr>
+              <a:t>trên</a:t>
+            </a:r>
+            <a:r>
+              <a:rPr lang="en-US" dirty="0" smtClean="0">
+                <a:latin typeface="Times New Roman" panose="02020603050405020304" pitchFamily="18" charset="0"/>
+                <a:cs typeface="Times New Roman" panose="02020603050405020304" pitchFamily="18" charset="0"/>
+              </a:rPr>
+              <a:t> </a:t>
+            </a:r>
+            <a:r>
+              <a:rPr lang="en-US" dirty="0" err="1" smtClean="0">
+                <a:latin typeface="Times New Roman" panose="02020603050405020304" pitchFamily="18" charset="0"/>
+                <a:cs typeface="Times New Roman" panose="02020603050405020304" pitchFamily="18" charset="0"/>
+              </a:rPr>
+              <a:t>github</a:t>
+            </a:r>
+            <a:endParaRPr lang="en-US" dirty="0" smtClean="0">
+              <a:latin typeface="Times New Roman" panose="02020603050405020304" pitchFamily="18" charset="0"/>
+              <a:cs typeface="Times New Roman" panose="02020603050405020304" pitchFamily="18" charset="0"/>
+            </a:endParaRPr>
+          </a:p>
+          <a:p>
+            <a:r>
+              <a:rPr lang="en-US" dirty="0">
+                <a:latin typeface="Times New Roman" panose="02020603050405020304" pitchFamily="18" charset="0"/>
+                <a:cs typeface="Times New Roman" panose="02020603050405020304" pitchFamily="18" charset="0"/>
+                <a:hlinkClick r:id="rId4"/>
+              </a:rPr>
+              <a:t>https://github.com</a:t>
+            </a:r>
+            <a:r>
+              <a:rPr lang="en-US" dirty="0" smtClean="0">
+                <a:latin typeface="Times New Roman" panose="02020603050405020304" pitchFamily="18" charset="0"/>
+                <a:cs typeface="Times New Roman" panose="02020603050405020304" pitchFamily="18" charset="0"/>
+                <a:hlinkClick r:id="rId4"/>
+              </a:rPr>
+              <a:t>/</a:t>
+            </a:r>
+            <a:endParaRPr lang="en-US" dirty="0" smtClean="0">
+              <a:latin typeface="Times New Roman" panose="02020603050405020304" pitchFamily="18" charset="0"/>
+              <a:cs typeface="Times New Roman" panose="02020603050405020304" pitchFamily="18" charset="0"/>
+            </a:endParaRPr>
+          </a:p>
+          <a:p>
+            <a:r>
+              <a:rPr lang="en-US" dirty="0" err="1" smtClean="0">
+                <a:latin typeface="Times New Roman" panose="02020603050405020304" pitchFamily="18" charset="0"/>
+                <a:cs typeface="Times New Roman" panose="02020603050405020304" pitchFamily="18" charset="0"/>
+              </a:rPr>
+              <a:t>Bước</a:t>
+            </a:r>
+            <a:r>
+              <a:rPr lang="en-US" dirty="0" smtClean="0">
+                <a:latin typeface="Times New Roman" panose="02020603050405020304" pitchFamily="18" charset="0"/>
+                <a:cs typeface="Times New Roman" panose="02020603050405020304" pitchFamily="18" charset="0"/>
+              </a:rPr>
+              <a:t> 2: </a:t>
+            </a:r>
+            <a:r>
+              <a:rPr lang="en-US" dirty="0" err="1" smtClean="0">
+                <a:latin typeface="Times New Roman" panose="02020603050405020304" pitchFamily="18" charset="0"/>
+                <a:cs typeface="Times New Roman" panose="02020603050405020304" pitchFamily="18" charset="0"/>
+              </a:rPr>
+              <a:t>Tạo</a:t>
+            </a:r>
+            <a:r>
+              <a:rPr lang="en-US" dirty="0" smtClean="0">
+                <a:latin typeface="Times New Roman" panose="02020603050405020304" pitchFamily="18" charset="0"/>
+                <a:cs typeface="Times New Roman" panose="02020603050405020304" pitchFamily="18" charset="0"/>
+              </a:rPr>
+              <a:t> 1 repository (</a:t>
+            </a:r>
+            <a:r>
+              <a:rPr lang="en-US" dirty="0" err="1" smtClean="0">
+                <a:latin typeface="Times New Roman" panose="02020603050405020304" pitchFamily="18" charset="0"/>
+                <a:cs typeface="Times New Roman" panose="02020603050405020304" pitchFamily="18" charset="0"/>
+              </a:rPr>
+              <a:t>kho</a:t>
+            </a:r>
+            <a:r>
+              <a:rPr lang="en-US" dirty="0" smtClean="0">
+                <a:latin typeface="Times New Roman" panose="02020603050405020304" pitchFamily="18" charset="0"/>
+                <a:cs typeface="Times New Roman" panose="02020603050405020304" pitchFamily="18" charset="0"/>
+              </a:rPr>
+              <a:t> </a:t>
+            </a:r>
+            <a:r>
+              <a:rPr lang="en-US" dirty="0" err="1" smtClean="0">
+                <a:latin typeface="Times New Roman" panose="02020603050405020304" pitchFamily="18" charset="0"/>
+                <a:cs typeface="Times New Roman" panose="02020603050405020304" pitchFamily="18" charset="0"/>
+              </a:rPr>
+              <a:t>chưa</a:t>
+            </a:r>
+            <a:r>
+              <a:rPr lang="en-US" dirty="0" smtClean="0">
+                <a:latin typeface="Times New Roman" panose="02020603050405020304" pitchFamily="18" charset="0"/>
+                <a:cs typeface="Times New Roman" panose="02020603050405020304" pitchFamily="18" charset="0"/>
+              </a:rPr>
+              <a:t> code)</a:t>
+            </a:r>
+          </a:p>
+          <a:p>
+            <a:r>
+              <a:rPr lang="en-US" dirty="0" err="1" smtClean="0">
+                <a:latin typeface="Times New Roman" panose="02020603050405020304" pitchFamily="18" charset="0"/>
+                <a:cs typeface="Times New Roman" panose="02020603050405020304" pitchFamily="18" charset="0"/>
+              </a:rPr>
+              <a:t>Bước</a:t>
+            </a:r>
+            <a:r>
+              <a:rPr lang="en-US" dirty="0" smtClean="0">
+                <a:latin typeface="Times New Roman" panose="02020603050405020304" pitchFamily="18" charset="0"/>
+                <a:cs typeface="Times New Roman" panose="02020603050405020304" pitchFamily="18" charset="0"/>
+              </a:rPr>
+              <a:t> 3: </a:t>
+            </a:r>
+            <a:r>
+              <a:rPr lang="en-US" dirty="0" err="1" smtClean="0">
+                <a:latin typeface="Times New Roman" panose="02020603050405020304" pitchFamily="18" charset="0"/>
+                <a:cs typeface="Times New Roman" panose="02020603050405020304" pitchFamily="18" charset="0"/>
+              </a:rPr>
+              <a:t>Đẩy</a:t>
+            </a:r>
+            <a:r>
+              <a:rPr lang="en-US" dirty="0" smtClean="0">
+                <a:latin typeface="Times New Roman" panose="02020603050405020304" pitchFamily="18" charset="0"/>
+                <a:cs typeface="Times New Roman" panose="02020603050405020304" pitchFamily="18" charset="0"/>
+              </a:rPr>
+              <a:t> code </a:t>
+            </a:r>
+            <a:r>
+              <a:rPr lang="en-US" dirty="0" err="1" smtClean="0">
+                <a:latin typeface="Times New Roman" panose="02020603050405020304" pitchFamily="18" charset="0"/>
+                <a:cs typeface="Times New Roman" panose="02020603050405020304" pitchFamily="18" charset="0"/>
+              </a:rPr>
+              <a:t>dưới</a:t>
+            </a:r>
+            <a:r>
+              <a:rPr lang="en-US" dirty="0" smtClean="0">
+                <a:latin typeface="Times New Roman" panose="02020603050405020304" pitchFamily="18" charset="0"/>
+                <a:cs typeface="Times New Roman" panose="02020603050405020304" pitchFamily="18" charset="0"/>
+              </a:rPr>
+              <a:t> local </a:t>
+            </a:r>
+            <a:r>
+              <a:rPr lang="en-US" dirty="0" err="1" smtClean="0">
+                <a:latin typeface="Times New Roman" panose="02020603050405020304" pitchFamily="18" charset="0"/>
+                <a:cs typeface="Times New Roman" panose="02020603050405020304" pitchFamily="18" charset="0"/>
+              </a:rPr>
+              <a:t>lên</a:t>
+            </a:r>
+            <a:r>
+              <a:rPr lang="en-US" dirty="0" smtClean="0">
+                <a:latin typeface="Times New Roman" panose="02020603050405020304" pitchFamily="18" charset="0"/>
+                <a:cs typeface="Times New Roman" panose="02020603050405020304" pitchFamily="18" charset="0"/>
+              </a:rPr>
+              <a:t> repo </a:t>
+            </a:r>
+            <a:r>
+              <a:rPr lang="en-US" dirty="0" err="1" smtClean="0">
+                <a:latin typeface="Times New Roman" panose="02020603050405020304" pitchFamily="18" charset="0"/>
+                <a:cs typeface="Times New Roman" panose="02020603050405020304" pitchFamily="18" charset="0"/>
+              </a:rPr>
+              <a:t>vừa</a:t>
+            </a:r>
+            <a:r>
+              <a:rPr lang="en-US" dirty="0" smtClean="0">
+                <a:latin typeface="Times New Roman" panose="02020603050405020304" pitchFamily="18" charset="0"/>
+                <a:cs typeface="Times New Roman" panose="02020603050405020304" pitchFamily="18" charset="0"/>
+              </a:rPr>
+              <a:t> </a:t>
+            </a:r>
+            <a:r>
+              <a:rPr lang="en-US" dirty="0" err="1" smtClean="0">
+                <a:latin typeface="Times New Roman" panose="02020603050405020304" pitchFamily="18" charset="0"/>
+                <a:cs typeface="Times New Roman" panose="02020603050405020304" pitchFamily="18" charset="0"/>
+              </a:rPr>
+              <a:t>tạo</a:t>
+            </a:r>
+            <a:endParaRPr lang="en-US" dirty="0" smtClean="0">
+              <a:latin typeface="Times New Roman" panose="02020603050405020304" pitchFamily="18" charset="0"/>
+              <a:cs typeface="Times New Roman" panose="02020603050405020304" pitchFamily="18" charset="0"/>
+            </a:endParaRPr>
+          </a:p>
+          <a:p>
+            <a:endParaRPr lang="en-US" dirty="0">
+              <a:latin typeface="Times New Roman" panose="02020603050405020304" pitchFamily="18" charset="0"/>
+              <a:cs typeface="Times New Roman" panose="02020603050405020304" pitchFamily="18" charset="0"/>
+            </a:endParaRPr>
+          </a:p>
+          <a:p>
+            <a:r>
+              <a:rPr lang="vi-VN" dirty="0" smtClean="0">
+                <a:latin typeface="Times New Roman" panose="02020603050405020304" pitchFamily="18" charset="0"/>
+                <a:cs typeface="Times New Roman" panose="02020603050405020304" pitchFamily="18" charset="0"/>
+              </a:rPr>
+              <a:t>git </a:t>
+            </a:r>
+            <a:r>
+              <a:rPr lang="vi-VN" dirty="0">
+                <a:latin typeface="Times New Roman" panose="02020603050405020304" pitchFamily="18" charset="0"/>
+                <a:cs typeface="Times New Roman" panose="02020603050405020304" pitchFamily="18" charset="0"/>
+              </a:rPr>
+              <a:t>init</a:t>
+            </a:r>
+          </a:p>
+          <a:p>
+            <a:r>
+              <a:rPr lang="vi-VN" dirty="0" smtClean="0">
+                <a:latin typeface="Times New Roman" panose="02020603050405020304" pitchFamily="18" charset="0"/>
+                <a:cs typeface="Times New Roman" panose="02020603050405020304" pitchFamily="18" charset="0"/>
+              </a:rPr>
+              <a:t>git </a:t>
+            </a:r>
+            <a:r>
+              <a:rPr lang="vi-VN" dirty="0">
+                <a:latin typeface="Times New Roman" panose="02020603050405020304" pitchFamily="18" charset="0"/>
+                <a:cs typeface="Times New Roman" panose="02020603050405020304" pitchFamily="18" charset="0"/>
+              </a:rPr>
+              <a:t>commit -m "first commit"</a:t>
+            </a:r>
+          </a:p>
+          <a:p>
+            <a:r>
+              <a:rPr lang="vi-VN" dirty="0">
+                <a:latin typeface="Times New Roman" panose="02020603050405020304" pitchFamily="18" charset="0"/>
+                <a:cs typeface="Times New Roman" panose="02020603050405020304" pitchFamily="18" charset="0"/>
+              </a:rPr>
+              <a:t>git branch -M master</a:t>
+            </a:r>
+          </a:p>
+          <a:p>
+            <a:r>
+              <a:rPr lang="vi-VN" dirty="0">
+                <a:latin typeface="Times New Roman" panose="02020603050405020304" pitchFamily="18" charset="0"/>
+                <a:cs typeface="Times New Roman" panose="02020603050405020304" pitchFamily="18" charset="0"/>
+              </a:rPr>
+              <a:t>git remote add origin </a:t>
+            </a:r>
+            <a:r>
+              <a:rPr lang="vi-VN" dirty="0">
+                <a:solidFill>
+                  <a:srgbClr val="FF0000"/>
+                </a:solidFill>
+                <a:latin typeface="Times New Roman" panose="02020603050405020304" pitchFamily="18" charset="0"/>
+                <a:cs typeface="Times New Roman" panose="02020603050405020304" pitchFamily="18" charset="0"/>
+              </a:rPr>
+              <a:t>https://github.com/lamxung55/test.git</a:t>
+            </a:r>
+          </a:p>
+          <a:p>
+            <a:r>
+              <a:rPr lang="vi-VN" dirty="0">
+                <a:latin typeface="Times New Roman" panose="02020603050405020304" pitchFamily="18" charset="0"/>
+                <a:cs typeface="Times New Roman" panose="02020603050405020304" pitchFamily="18" charset="0"/>
+              </a:rPr>
+              <a:t>git push -u origin master</a:t>
+            </a:r>
+            <a:endParaRPr lang="vi-VN" dirty="0">
+              <a:latin typeface="Times New Roman" panose="02020603050405020304" pitchFamily="18" charset="0"/>
+              <a:cs typeface="Times New Roman" panose="02020603050405020304" pitchFamily="18" charset="0"/>
+            </a:endParaRPr>
+          </a:p>
+        </p:txBody>
+      </p:sp>
     </p:spTree>
+    <p:extLst>
+      <p:ext uri="{BB962C8B-B14F-4D97-AF65-F5344CB8AC3E}">
+        <p14:creationId xmlns:p14="http://schemas.microsoft.com/office/powerpoint/2010/main" val="557502460"/>
+      </p:ext>
+    </p:extLst>
   </p:cSld>
   <p:clrMapOvr>
     <a:masterClrMapping/>
@@ -8134,14 +9411,14 @@
               <a:buNone/>
             </a:pPr>
             <a:r>
-              <a:rPr lang="en">
+              <a:rPr lang="en" dirty="0" smtClean="0">
                 <a:solidFill>
                   <a:srgbClr val="FFFFFF"/>
                 </a:solidFill>
               </a:rPr>
-              <a:t>	Tóm tắt 1</a:t>
-            </a:r>
-            <a:endParaRPr>
+              <a:t>Buổi kế tiếp</a:t>
+            </a:r>
+            <a:endParaRPr dirty="0">
               <a:solidFill>
                 <a:srgbClr val="FFFFFF"/>
               </a:solidFill>
@@ -8228,7 +9505,7 @@
         <p:spPr>
           <a:xfrm>
             <a:off x="731050" y="1138675"/>
-            <a:ext cx="7697700" cy="2174100"/>
+            <a:ext cx="5207737" cy="2011680"/>
           </a:xfrm>
           <a:prstGeom prst="rect">
             <a:avLst/>
@@ -8244,10 +9521,7 @@
           </a:bodyPr>
           <a:lstStyle/>
           <a:p>
-            <a:pPr marL="457200" lvl="0" indent="-317500" algn="l" rtl="0">
-              <a:lnSpc>
-                <a:spcPct val="200000"/>
-              </a:lnSpc>
+            <a:pPr lvl="0" indent="-285750" algn="l" rtl="0">
               <a:spcBef>
                 <a:spcPts val="1000"/>
               </a:spcBef>
@@ -8258,29 +9532,27 @@
                 <a:srgbClr val="2876C9"/>
               </a:buClr>
               <a:buSzPts val="1400"/>
-              <a:buChar char="➔"/>
+              <a:buFontTx/>
+              <a:buChar char="-"/>
             </a:pPr>
             <a:r>
-              <a:rPr lang="en">
+              <a:rPr lang="en-US" dirty="0" err="1" smtClean="0">
                 <a:solidFill>
                   <a:srgbClr val="2876C9"/>
                 </a:solidFill>
               </a:rPr>
-              <a:t>Chạy chương trình Java =&gt; cài môi trường: JDK, JRE,...</a:t>
-            </a:r>
-            <a:endParaRPr>
+              <a:t>Biến</a:t>
+            </a:r>
+            <a:endParaRPr lang="en-US" dirty="0">
               <a:solidFill>
                 <a:srgbClr val="2876C9"/>
               </a:solidFill>
             </a:endParaRPr>
           </a:p>
           <a:p>
-            <a:pPr marL="457200" lvl="0" indent="-317500" algn="l" rtl="0">
-              <a:lnSpc>
-                <a:spcPct val="200000"/>
-              </a:lnSpc>
-              <a:spcBef>
-                <a:spcPts val="0"/>
+            <a:pPr lvl="0" indent="-285750" algn="l" rtl="0">
+              <a:spcBef>
+                <a:spcPts val="1000"/>
               </a:spcBef>
               <a:spcAft>
                 <a:spcPts val="0"/>
@@ -8289,17 +9561,127 @@
                 <a:srgbClr val="2876C9"/>
               </a:buClr>
               <a:buSzPts val="1400"/>
-              <a:buChar char="➔"/>
+              <a:buFontTx/>
+              <a:buChar char="-"/>
             </a:pPr>
             <a:r>
-              <a:rPr lang="en">
+              <a:rPr lang="en-US" dirty="0" err="1" smtClean="0">
                 <a:solidFill>
                   <a:srgbClr val="2876C9"/>
                 </a:solidFill>
               </a:rPr>
-              <a:t>Lập trình Java =&gt; sử dụng IDE, tools,...</a:t>
-            </a:r>
-            <a:endParaRPr>
+              <a:t>Kiểu</a:t>
+            </a:r>
+            <a:r>
+              <a:rPr lang="en-US" dirty="0" smtClean="0">
+                <a:solidFill>
+                  <a:srgbClr val="2876C9"/>
+                </a:solidFill>
+              </a:rPr>
+              <a:t> </a:t>
+            </a:r>
+            <a:r>
+              <a:rPr lang="en-US" dirty="0" err="1" smtClean="0">
+                <a:solidFill>
+                  <a:srgbClr val="2876C9"/>
+                </a:solidFill>
+              </a:rPr>
+              <a:t>dư</a:t>
+            </a:r>
+            <a:r>
+              <a:rPr lang="en-US" dirty="0" smtClean="0">
+                <a:solidFill>
+                  <a:srgbClr val="2876C9"/>
+                </a:solidFill>
+              </a:rPr>
+              <a:t>̃ </a:t>
+            </a:r>
+            <a:r>
+              <a:rPr lang="en-US" dirty="0" err="1" smtClean="0">
+                <a:solidFill>
+                  <a:srgbClr val="2876C9"/>
+                </a:solidFill>
+              </a:rPr>
+              <a:t>liệu</a:t>
+            </a:r>
+            <a:endParaRPr lang="en-US" dirty="0" smtClean="0">
+              <a:solidFill>
+                <a:srgbClr val="2876C9"/>
+              </a:solidFill>
+            </a:endParaRPr>
+          </a:p>
+          <a:p>
+            <a:pPr lvl="0" indent="-285750" algn="l" rtl="0">
+              <a:spcBef>
+                <a:spcPts val="1000"/>
+              </a:spcBef>
+              <a:spcAft>
+                <a:spcPts val="0"/>
+              </a:spcAft>
+              <a:buClr>
+                <a:srgbClr val="2876C9"/>
+              </a:buClr>
+              <a:buSzPts val="1400"/>
+              <a:buFontTx/>
+              <a:buChar char="-"/>
+            </a:pPr>
+            <a:r>
+              <a:rPr lang="en-US" dirty="0" err="1" smtClean="0">
+                <a:solidFill>
+                  <a:srgbClr val="2876C9"/>
+                </a:solidFill>
+              </a:rPr>
+              <a:t>Toán</a:t>
+            </a:r>
+            <a:r>
+              <a:rPr lang="en-US" dirty="0" smtClean="0">
+                <a:solidFill>
+                  <a:srgbClr val="2876C9"/>
+                </a:solidFill>
+              </a:rPr>
+              <a:t> </a:t>
+            </a:r>
+            <a:r>
+              <a:rPr lang="en-US" dirty="0" err="1" smtClean="0">
+                <a:solidFill>
+                  <a:srgbClr val="2876C9"/>
+                </a:solidFill>
+              </a:rPr>
+              <a:t>tư</a:t>
+            </a:r>
+            <a:r>
+              <a:rPr lang="en-US" dirty="0" smtClean="0">
+                <a:solidFill>
+                  <a:srgbClr val="2876C9"/>
+                </a:solidFill>
+              </a:rPr>
+              <a:t>̉</a:t>
+            </a:r>
+            <a:endParaRPr lang="en-US" dirty="0" smtClean="0">
+              <a:solidFill>
+                <a:srgbClr val="2876C9"/>
+              </a:solidFill>
+            </a:endParaRPr>
+          </a:p>
+          <a:p>
+            <a:pPr marL="425450" lvl="0" indent="-285750" algn="l" rtl="0">
+              <a:lnSpc>
+                <a:spcPct val="200000"/>
+              </a:lnSpc>
+              <a:spcBef>
+                <a:spcPts val="1000"/>
+              </a:spcBef>
+              <a:spcAft>
+                <a:spcPts val="0"/>
+              </a:spcAft>
+              <a:buClr>
+                <a:srgbClr val="2876C9"/>
+              </a:buClr>
+              <a:buSzPts val="1400"/>
+              <a:buFontTx/>
+              <a:buChar char="-"/>
+            </a:pPr>
+            <a:endParaRPr dirty="0">
               <a:solidFill>
                 <a:srgbClr val="2876C9"/>
               </a:solidFill>
@@ -8428,60 +9810,14 @@
               <a:buNone/>
             </a:pPr>
             <a:r>
-              <a:rPr lang="en" sz="3000">
+              <a:rPr lang="en-US" sz="3000" dirty="0" smtClean="0">
                 <a:solidFill>
                   <a:srgbClr val="2A78CA"/>
                 </a:solidFill>
               </a:rPr>
-              <a:t>Happy learning ;-)</a:t>
-            </a:r>
-            <a:endParaRPr sz="3000">
-              <a:solidFill>
-                <a:srgbClr val="2A78CA"/>
-              </a:solidFill>
-            </a:endParaRPr>
-          </a:p>
-          <a:p>
-            <a:pPr marL="0" lvl="0" indent="0" algn="ctr" rtl="0">
-              <a:lnSpc>
-                <a:spcPct val="115000"/>
-              </a:lnSpc>
-              <a:spcBef>
-                <a:spcPts val="0"/>
-              </a:spcBef>
-              <a:spcAft>
-                <a:spcPts val="0"/>
-              </a:spcAft>
-              <a:buNone/>
-            </a:pPr>
-            <a:endParaRPr sz="3000">
-              <a:solidFill>
-                <a:srgbClr val="2A78CA"/>
-              </a:solidFill>
-            </a:endParaRPr>
-          </a:p>
-          <a:p>
-            <a:pPr marL="0" lvl="0" indent="0" algn="ctr" rtl="0">
-              <a:lnSpc>
-                <a:spcPct val="115000"/>
-              </a:lnSpc>
-              <a:spcBef>
-                <a:spcPts val="0"/>
-              </a:spcBef>
-              <a:spcAft>
-                <a:spcPts val="0"/>
-              </a:spcAft>
-              <a:buNone/>
-            </a:pPr>
-            <a:r>
-              <a:rPr lang="en" sz="3000">
-                <a:solidFill>
-                  <a:srgbClr val="2A78CA"/>
-                </a:solidFill>
-              </a:rPr>
-              <a:t>Mini Game!</a:t>
-            </a:r>
-            <a:endParaRPr sz="3000">
+              <a:t>Q.A</a:t>
+            </a:r>
+            <a:endParaRPr sz="3000" dirty="0">
               <a:solidFill>
                 <a:srgbClr val="2A78CA"/>
               </a:solidFill>
@@ -8832,12 +10168,20 @@
               <a:buChar char="●"/>
             </a:pPr>
             <a:r>
-              <a:rPr lang="en-US" dirty="0" err="1" smtClean="0">
+              <a:rPr lang="en-US" dirty="0" smtClean="0">
                 <a:solidFill>
                   <a:srgbClr val="2876C9"/>
                 </a:solidFill>
               </a:rPr>
-              <a:t>Projects:SMSC</a:t>
+              <a:t>Projects</a:t>
+            </a:r>
+            <a:r>
+              <a:rPr lang="en-US" dirty="0" smtClean="0">
+                <a:solidFill>
+                  <a:srgbClr val="2876C9"/>
+                </a:solidFill>
+              </a:rPr>
+              <a:t>: SMSC</a:t>
             </a:r>
             <a:r>
               <a:rPr lang="en-US" dirty="0" smtClean="0">
@@ -9168,347 +10512,6 @@
 </file>
 
 <file path=ppt/slides/slide3.xml><?xml version="1.0" encoding="utf-8"?>
-<p:sld xmlns:a="http://schemas.openxmlformats.org/drawingml/2006/main" xmlns:r="http://schemas.openxmlformats.org/officeDocument/2006/relationships" xmlns:p="http://schemas.openxmlformats.org/presentationml/2006/main">
-  <p:cSld>
-    <p:spTree>
-      <p:nvGrpSpPr>
-        <p:cNvPr id="1" name="Shape 87"/>
-        <p:cNvGrpSpPr/>
-        <p:nvPr/>
-      </p:nvGrpSpPr>
-      <p:grpSpPr>
-        <a:xfrm>
-          <a:off x="0" y="0"/>
-          <a:ext cx="0" cy="0"/>
-          <a:chOff x="0" y="0"/>
-          <a:chExt cx="0" cy="0"/>
-        </a:xfrm>
-      </p:grpSpPr>
-      <p:sp>
-        <p:nvSpPr>
-          <p:cNvPr id="88" name="Google Shape;88;p17"/>
-          <p:cNvSpPr/>
-          <p:nvPr/>
-        </p:nvSpPr>
-        <p:spPr>
-          <a:xfrm>
-            <a:off x="0" y="153125"/>
-            <a:ext cx="7155000" cy="292200"/>
-          </a:xfrm>
-          <a:prstGeom prst="rect">
-            <a:avLst/>
-          </a:prstGeom>
-          <a:solidFill>
-            <a:srgbClr val="01A2A6"/>
-          </a:solidFill>
-          <a:ln>
-            <a:noFill/>
-          </a:ln>
-        </p:spPr>
-        <p:txBody>
-          <a:bodyPr spcFirstLastPara="1" wrap="square" lIns="91425" tIns="91425" rIns="91425" bIns="91425" anchor="ctr" anchorCtr="0">
-            <a:noAutofit/>
-          </a:bodyPr>
-          <a:lstStyle/>
-          <a:p>
-            <a:pPr marL="0" lvl="0" indent="457200" algn="l" rtl="0">
-              <a:spcBef>
-                <a:spcPts val="0"/>
-              </a:spcBef>
-              <a:spcAft>
-                <a:spcPts val="0"/>
-              </a:spcAft>
-              <a:buNone/>
-            </a:pPr>
-            <a:r>
-              <a:rPr lang="en" dirty="0">
-                <a:solidFill>
-                  <a:srgbClr val="FFFFFF"/>
-                </a:solidFill>
-              </a:rPr>
-              <a:t>Nội dung chính (Outline)</a:t>
-            </a:r>
-            <a:endParaRPr dirty="0">
-              <a:solidFill>
-                <a:srgbClr val="FFFFFF"/>
-              </a:solidFill>
-            </a:endParaRPr>
-          </a:p>
-        </p:txBody>
-      </p:sp>
-      <p:pic>
-        <p:nvPicPr>
-          <p:cNvPr id="89" name="Google Shape;89;p17"/>
-          <p:cNvPicPr preferRelativeResize="0"/>
-          <p:nvPr/>
-        </p:nvPicPr>
-        <p:blipFill>
-          <a:blip r:embed="rId3">
-            <a:alphaModFix/>
-          </a:blip>
-          <a:stretch>
-            <a:fillRect/>
-          </a:stretch>
-        </p:blipFill>
-        <p:spPr>
-          <a:xfrm>
-            <a:off x="7892750" y="74963"/>
-            <a:ext cx="1057925" cy="448825"/>
-          </a:xfrm>
-          <a:prstGeom prst="rect">
-            <a:avLst/>
-          </a:prstGeom>
-          <a:noFill/>
-          <a:ln>
-            <a:noFill/>
-          </a:ln>
-        </p:spPr>
-      </p:pic>
-      <p:sp>
-        <p:nvSpPr>
-          <p:cNvPr id="90" name="Google Shape;90;p17"/>
-          <p:cNvSpPr/>
-          <p:nvPr/>
-        </p:nvSpPr>
-        <p:spPr>
-          <a:xfrm>
-            <a:off x="7043975" y="153284"/>
-            <a:ext cx="410700" cy="292200"/>
-          </a:xfrm>
-          <a:prstGeom prst="parallelogram">
-            <a:avLst>
-              <a:gd name="adj" fmla="val 25000"/>
-            </a:avLst>
-          </a:prstGeom>
-          <a:solidFill>
-            <a:srgbClr val="01A2A6"/>
-          </a:solidFill>
-          <a:ln>
-            <a:noFill/>
-          </a:ln>
-        </p:spPr>
-        <p:txBody>
-          <a:bodyPr spcFirstLastPara="1" wrap="square" lIns="91425" tIns="91425" rIns="91425" bIns="91425" anchor="ctr" anchorCtr="0">
-            <a:noAutofit/>
-          </a:bodyPr>
-          <a:lstStyle/>
-          <a:p>
-            <a:pPr marL="0" lvl="0" indent="0" algn="l" rtl="0">
-              <a:spcBef>
-                <a:spcPts val="0"/>
-              </a:spcBef>
-              <a:spcAft>
-                <a:spcPts val="0"/>
-              </a:spcAft>
-              <a:buNone/>
-            </a:pPr>
-            <a:endParaRPr/>
-          </a:p>
-        </p:txBody>
-      </p:sp>
-      <p:sp>
-        <p:nvSpPr>
-          <p:cNvPr id="91" name="Google Shape;91;p17"/>
-          <p:cNvSpPr txBox="1"/>
-          <p:nvPr/>
-        </p:nvSpPr>
-        <p:spPr>
-          <a:xfrm>
-            <a:off x="551528" y="723931"/>
-            <a:ext cx="6603472" cy="3306532"/>
-          </a:xfrm>
-          <a:prstGeom prst="rect">
-            <a:avLst/>
-          </a:prstGeom>
-          <a:noFill/>
-          <a:ln>
-            <a:noFill/>
-          </a:ln>
-        </p:spPr>
-        <p:txBody>
-          <a:bodyPr spcFirstLastPara="1" wrap="square" lIns="91425" tIns="91425" rIns="91425" bIns="91425" anchor="t" anchorCtr="0">
-            <a:noAutofit/>
-          </a:bodyPr>
-          <a:lstStyle/>
-          <a:p>
-            <a:pPr marL="457200" lvl="0" indent="-317500" algn="l" rtl="0">
-              <a:lnSpc>
-                <a:spcPct val="200000"/>
-              </a:lnSpc>
-              <a:spcBef>
-                <a:spcPts val="1000"/>
-              </a:spcBef>
-              <a:spcAft>
-                <a:spcPts val="0"/>
-              </a:spcAft>
-              <a:buClr>
-                <a:srgbClr val="2876C9"/>
-              </a:buClr>
-              <a:buSzPts val="1400"/>
-              <a:buChar char="●"/>
-            </a:pPr>
-            <a:r>
-              <a:rPr lang="en" dirty="0" smtClean="0">
-                <a:solidFill>
-                  <a:srgbClr val="2876C9"/>
-                </a:solidFill>
-              </a:rPr>
-              <a:t>Giới thiệu nội </a:t>
-            </a:r>
-            <a:r>
-              <a:rPr lang="en" dirty="0">
-                <a:solidFill>
-                  <a:srgbClr val="2876C9"/>
-                </a:solidFill>
-              </a:rPr>
-              <a:t>dung khóa học</a:t>
-            </a:r>
-            <a:endParaRPr dirty="0">
-              <a:solidFill>
-                <a:srgbClr val="2876C9"/>
-              </a:solidFill>
-            </a:endParaRPr>
-          </a:p>
-          <a:p>
-            <a:pPr marL="457200" indent="-317500">
-              <a:lnSpc>
-                <a:spcPct val="200000"/>
-              </a:lnSpc>
-              <a:spcBef>
-                <a:spcPts val="1000"/>
-              </a:spcBef>
-              <a:buClr>
-                <a:srgbClr val="2876C9"/>
-              </a:buClr>
-              <a:buSzPts val="1400"/>
-              <a:buFont typeface="Arial"/>
-              <a:buChar char="●"/>
-            </a:pPr>
-            <a:r>
-              <a:rPr lang="en" dirty="0" smtClean="0">
-                <a:solidFill>
-                  <a:srgbClr val="2876C9"/>
-                </a:solidFill>
-              </a:rPr>
-              <a:t>Giới thiệu ngôn ngữ </a:t>
-            </a:r>
-            <a:r>
-              <a:rPr lang="en" dirty="0">
-                <a:solidFill>
-                  <a:srgbClr val="2876C9"/>
-                </a:solidFill>
-              </a:rPr>
-              <a:t>Java</a:t>
-            </a:r>
-            <a:endParaRPr dirty="0">
-              <a:solidFill>
-                <a:srgbClr val="2876C9"/>
-              </a:solidFill>
-            </a:endParaRPr>
-          </a:p>
-          <a:p>
-            <a:pPr marL="457200" indent="-317500">
-              <a:lnSpc>
-                <a:spcPct val="200000"/>
-              </a:lnSpc>
-              <a:spcBef>
-                <a:spcPts val="1000"/>
-              </a:spcBef>
-              <a:buClr>
-                <a:srgbClr val="2876C9"/>
-              </a:buClr>
-              <a:buSzPts val="1400"/>
-              <a:buFont typeface="Arial"/>
-              <a:buChar char="●"/>
-            </a:pPr>
-            <a:r>
-              <a:rPr lang="en" dirty="0">
-                <a:solidFill>
-                  <a:srgbClr val="2876C9"/>
-                </a:solidFill>
-              </a:rPr>
-              <a:t>Cài đặt môi </a:t>
-            </a:r>
-            <a:r>
-              <a:rPr lang="en" dirty="0">
-                <a:solidFill>
-                  <a:srgbClr val="2876C9"/>
-                </a:solidFill>
-              </a:rPr>
-              <a:t>trường</a:t>
-            </a:r>
-          </a:p>
-          <a:p>
-            <a:pPr marL="457200" indent="-317500">
-              <a:lnSpc>
-                <a:spcPct val="200000"/>
-              </a:lnSpc>
-              <a:spcBef>
-                <a:spcPts val="1000"/>
-              </a:spcBef>
-              <a:buClr>
-                <a:srgbClr val="2876C9"/>
-              </a:buClr>
-              <a:buSzPts val="1400"/>
-              <a:buFont typeface="Arial"/>
-              <a:buChar char="●"/>
-            </a:pPr>
-            <a:r>
-              <a:rPr lang="en" dirty="0">
-                <a:solidFill>
-                  <a:srgbClr val="2876C9"/>
-                </a:solidFill>
-              </a:rPr>
-              <a:t>Test thử 1 vài chương trình đơn giản với command line và IDE</a:t>
-            </a:r>
-          </a:p>
-          <a:p>
-            <a:pPr marL="457200" indent="-317500">
-              <a:lnSpc>
-                <a:spcPct val="200000"/>
-              </a:lnSpc>
-              <a:spcBef>
-                <a:spcPts val="1000"/>
-              </a:spcBef>
-              <a:buClr>
-                <a:srgbClr val="2876C9"/>
-              </a:buClr>
-              <a:buSzPts val="1400"/>
-              <a:buFont typeface="Arial"/>
-              <a:buChar char="●"/>
-            </a:pPr>
-            <a:r>
-              <a:rPr lang="en" dirty="0">
-                <a:solidFill>
-                  <a:srgbClr val="2876C9"/>
-                </a:solidFill>
-              </a:rPr>
-              <a:t>Q.A</a:t>
-            </a:r>
-            <a:endParaRPr dirty="0">
-              <a:solidFill>
-                <a:srgbClr val="2876C9"/>
-              </a:solidFill>
-            </a:endParaRPr>
-          </a:p>
-        </p:txBody>
-      </p:sp>
-    </p:spTree>
-  </p:cSld>
-  <p:clrMapOvr>
-    <a:masterClrMapping/>
-  </p:clrMapOvr>
-  <p:timing>
-    <p:tnLst>
-      <p:par>
-        <p:cTn id="1" dur="indefinite" restart="never" nodeType="tmRoot"/>
-      </p:par>
-    </p:tnLst>
-  </p:timing>
-</p:sld>
-</file>
-
-<file path=ppt/slides/slide4.xml><?xml version="1.0" encoding="utf-8"?>
 <p:sld xmlns:a="http://schemas.openxmlformats.org/drawingml/2006/main" xmlns:r="http://schemas.openxmlformats.org/officeDocument/2006/relationships" xmlns:p="http://schemas.openxmlformats.org/presentationml/2006/main">
   <p:cSld>
     <p:spTree>
@@ -11922,6 +12925,305 @@
 </p:sld>
 </file>
 
+<file path=ppt/slides/slide4.xml><?xml version="1.0" encoding="utf-8"?>
+<p:sld xmlns:a="http://schemas.openxmlformats.org/drawingml/2006/main" xmlns:r="http://schemas.openxmlformats.org/officeDocument/2006/relationships" xmlns:p="http://schemas.openxmlformats.org/presentationml/2006/main">
+  <p:cSld>
+    <p:spTree>
+      <p:nvGrpSpPr>
+        <p:cNvPr id="1" name="Shape 87"/>
+        <p:cNvGrpSpPr/>
+        <p:nvPr/>
+      </p:nvGrpSpPr>
+      <p:grpSpPr>
+        <a:xfrm>
+          <a:off x="0" y="0"/>
+          <a:ext cx="0" cy="0"/>
+          <a:chOff x="0" y="0"/>
+          <a:chExt cx="0" cy="0"/>
+        </a:xfrm>
+      </p:grpSpPr>
+      <p:sp>
+        <p:nvSpPr>
+          <p:cNvPr id="88" name="Google Shape;88;p17"/>
+          <p:cNvSpPr/>
+          <p:nvPr/>
+        </p:nvSpPr>
+        <p:spPr>
+          <a:xfrm>
+            <a:off x="0" y="153125"/>
+            <a:ext cx="7155000" cy="292200"/>
+          </a:xfrm>
+          <a:prstGeom prst="rect">
+            <a:avLst/>
+          </a:prstGeom>
+          <a:solidFill>
+            <a:srgbClr val="01A2A6"/>
+          </a:solidFill>
+          <a:ln>
+            <a:noFill/>
+          </a:ln>
+        </p:spPr>
+        <p:txBody>
+          <a:bodyPr spcFirstLastPara="1" wrap="square" lIns="91425" tIns="91425" rIns="91425" bIns="91425" anchor="ctr" anchorCtr="0">
+            <a:noAutofit/>
+          </a:bodyPr>
+          <a:lstStyle/>
+          <a:p>
+            <a:pPr marL="0" lvl="0" indent="457200" algn="l" rtl="0">
+              <a:spcBef>
+                <a:spcPts val="0"/>
+              </a:spcBef>
+              <a:spcAft>
+                <a:spcPts val="0"/>
+              </a:spcAft>
+              <a:buNone/>
+            </a:pPr>
+            <a:r>
+              <a:rPr lang="en" dirty="0">
+                <a:solidFill>
+                  <a:srgbClr val="FFFFFF"/>
+                </a:solidFill>
+              </a:rPr>
+              <a:t>Nội dung </a:t>
+            </a:r>
+            <a:r>
+              <a:rPr lang="en" dirty="0" smtClean="0">
+                <a:solidFill>
+                  <a:srgbClr val="FFFFFF"/>
+                </a:solidFill>
+              </a:rPr>
+              <a:t>buổi 1</a:t>
+            </a:r>
+            <a:endParaRPr dirty="0">
+              <a:solidFill>
+                <a:srgbClr val="FFFFFF"/>
+              </a:solidFill>
+            </a:endParaRPr>
+          </a:p>
+        </p:txBody>
+      </p:sp>
+      <p:pic>
+        <p:nvPicPr>
+          <p:cNvPr id="89" name="Google Shape;89;p17"/>
+          <p:cNvPicPr preferRelativeResize="0"/>
+          <p:nvPr/>
+        </p:nvPicPr>
+        <p:blipFill>
+          <a:blip r:embed="rId3">
+            <a:alphaModFix/>
+          </a:blip>
+          <a:stretch>
+            <a:fillRect/>
+          </a:stretch>
+        </p:blipFill>
+        <p:spPr>
+          <a:xfrm>
+            <a:off x="7892750" y="74963"/>
+            <a:ext cx="1057925" cy="448825"/>
+          </a:xfrm>
+          <a:prstGeom prst="rect">
+            <a:avLst/>
+          </a:prstGeom>
+          <a:noFill/>
+          <a:ln>
+            <a:noFill/>
+          </a:ln>
+        </p:spPr>
+      </p:pic>
+      <p:sp>
+        <p:nvSpPr>
+          <p:cNvPr id="90" name="Google Shape;90;p17"/>
+          <p:cNvSpPr/>
+          <p:nvPr/>
+        </p:nvSpPr>
+        <p:spPr>
+          <a:xfrm>
+            <a:off x="7043975" y="153284"/>
+            <a:ext cx="410700" cy="292200"/>
+          </a:xfrm>
+          <a:prstGeom prst="parallelogram">
+            <a:avLst>
+              <a:gd name="adj" fmla="val 25000"/>
+            </a:avLst>
+          </a:prstGeom>
+          <a:solidFill>
+            <a:srgbClr val="01A2A6"/>
+          </a:solidFill>
+          <a:ln>
+            <a:noFill/>
+          </a:ln>
+        </p:spPr>
+        <p:txBody>
+          <a:bodyPr spcFirstLastPara="1" wrap="square" lIns="91425" tIns="91425" rIns="91425" bIns="91425" anchor="ctr" anchorCtr="0">
+            <a:noAutofit/>
+          </a:bodyPr>
+          <a:lstStyle/>
+          <a:p>
+            <a:pPr marL="0" lvl="0" indent="0" algn="l" rtl="0">
+              <a:spcBef>
+                <a:spcPts val="0"/>
+              </a:spcBef>
+              <a:spcAft>
+                <a:spcPts val="0"/>
+              </a:spcAft>
+              <a:buNone/>
+            </a:pPr>
+            <a:endParaRPr/>
+          </a:p>
+        </p:txBody>
+      </p:sp>
+      <p:sp>
+        <p:nvSpPr>
+          <p:cNvPr id="91" name="Google Shape;91;p17"/>
+          <p:cNvSpPr txBox="1"/>
+          <p:nvPr/>
+        </p:nvSpPr>
+        <p:spPr>
+          <a:xfrm>
+            <a:off x="551528" y="723931"/>
+            <a:ext cx="6603472" cy="3306532"/>
+          </a:xfrm>
+          <a:prstGeom prst="rect">
+            <a:avLst/>
+          </a:prstGeom>
+          <a:noFill/>
+          <a:ln>
+            <a:noFill/>
+          </a:ln>
+        </p:spPr>
+        <p:txBody>
+          <a:bodyPr spcFirstLastPara="1" wrap="square" lIns="91425" tIns="91425" rIns="91425" bIns="91425" anchor="t" anchorCtr="0">
+            <a:noAutofit/>
+          </a:bodyPr>
+          <a:lstStyle/>
+          <a:p>
+            <a:pPr marL="457200" indent="-317500">
+              <a:lnSpc>
+                <a:spcPct val="200000"/>
+              </a:lnSpc>
+              <a:spcBef>
+                <a:spcPts val="1000"/>
+              </a:spcBef>
+              <a:buClr>
+                <a:srgbClr val="2876C9"/>
+              </a:buClr>
+              <a:buSzPts val="1400"/>
+              <a:buFont typeface="Arial"/>
+              <a:buChar char="●"/>
+            </a:pPr>
+            <a:r>
+              <a:rPr lang="en" dirty="0" smtClean="0">
+                <a:solidFill>
+                  <a:srgbClr val="2876C9"/>
+                </a:solidFill>
+              </a:rPr>
+              <a:t>Tìm hiểu Java</a:t>
+            </a:r>
+            <a:endParaRPr dirty="0">
+              <a:solidFill>
+                <a:srgbClr val="2876C9"/>
+              </a:solidFill>
+            </a:endParaRPr>
+          </a:p>
+          <a:p>
+            <a:pPr marL="457200" indent="-317500">
+              <a:lnSpc>
+                <a:spcPct val="200000"/>
+              </a:lnSpc>
+              <a:spcBef>
+                <a:spcPts val="1000"/>
+              </a:spcBef>
+              <a:buClr>
+                <a:srgbClr val="2876C9"/>
+              </a:buClr>
+              <a:buSzPts val="1400"/>
+              <a:buFont typeface="Arial"/>
+              <a:buChar char="●"/>
+            </a:pPr>
+            <a:r>
+              <a:rPr lang="en" dirty="0">
+                <a:solidFill>
+                  <a:srgbClr val="2876C9"/>
+                </a:solidFill>
+              </a:rPr>
+              <a:t>Cài đặt môi trường</a:t>
+            </a:r>
+          </a:p>
+          <a:p>
+            <a:pPr marL="457200" indent="-317500">
+              <a:lnSpc>
+                <a:spcPct val="200000"/>
+              </a:lnSpc>
+              <a:spcBef>
+                <a:spcPts val="1000"/>
+              </a:spcBef>
+              <a:buClr>
+                <a:srgbClr val="2876C9"/>
+              </a:buClr>
+              <a:buSzPts val="1400"/>
+              <a:buFont typeface="Arial"/>
+              <a:buChar char="●"/>
+            </a:pPr>
+            <a:r>
+              <a:rPr lang="en" dirty="0" smtClean="0">
+                <a:solidFill>
+                  <a:srgbClr val="2876C9"/>
+                </a:solidFill>
+              </a:rPr>
+              <a:t>Làm quen với chương trình Java đầu tiên</a:t>
+            </a:r>
+            <a:endParaRPr lang="en" dirty="0">
+              <a:solidFill>
+                <a:srgbClr val="2876C9"/>
+              </a:solidFill>
+            </a:endParaRPr>
+          </a:p>
+          <a:p>
+            <a:pPr marL="457200" indent="-317500">
+              <a:lnSpc>
+                <a:spcPct val="200000"/>
+              </a:lnSpc>
+              <a:spcBef>
+                <a:spcPts val="1000"/>
+              </a:spcBef>
+              <a:buClr>
+                <a:srgbClr val="2876C9"/>
+              </a:buClr>
+              <a:buSzPts val="1400"/>
+              <a:buFont typeface="Arial"/>
+              <a:buChar char="●"/>
+            </a:pPr>
+            <a:r>
+              <a:rPr lang="en" dirty="0">
+                <a:solidFill>
+                  <a:srgbClr val="2876C9"/>
+                </a:solidFill>
+              </a:rPr>
+              <a:t>Q.A</a:t>
+            </a:r>
+            <a:endParaRPr dirty="0">
+              <a:solidFill>
+                <a:srgbClr val="2876C9"/>
+              </a:solidFill>
+            </a:endParaRPr>
+          </a:p>
+        </p:txBody>
+      </p:sp>
+    </p:spTree>
+  </p:cSld>
+  <p:clrMapOvr>
+    <a:masterClrMapping/>
+  </p:clrMapOvr>
+  <p:timing>
+    <p:tnLst>
+      <p:par>
+        <p:cTn id="1" dur="indefinite" restart="never" nodeType="tmRoot"/>
+      </p:par>
+    </p:tnLst>
+  </p:timing>
+</p:sld>
+</file>
+
 <file path=ppt/slides/slide5.xml><?xml version="1.0" encoding="utf-8"?>
 <p:sld xmlns:a="http://schemas.openxmlformats.org/drawingml/2006/main" xmlns:r="http://schemas.openxmlformats.org/officeDocument/2006/relationships" xmlns:p="http://schemas.openxmlformats.org/presentationml/2006/main">
   <p:cSld>
@@ -11976,14 +13278,14 @@
               <a:buNone/>
             </a:pPr>
             <a:r>
-              <a:rPr lang="en">
+              <a:rPr lang="en" dirty="0" smtClean="0">
                 <a:solidFill>
                   <a:srgbClr val="FFFFFF"/>
                 </a:solidFill>
               </a:rPr>
-              <a:t>Giới thiệu Java</a:t>
-            </a:r>
-            <a:endParaRPr>
+              <a:t>Java là gì?</a:t>
+            </a:r>
+            <a:endParaRPr dirty="0">
               <a:solidFill>
                 <a:srgbClr val="FFFFFF"/>
               </a:solidFill>
@@ -12096,8 +13398,8 @@
         </p:nvSpPr>
         <p:spPr>
           <a:xfrm>
-            <a:off x="547400" y="1020099"/>
-            <a:ext cx="5897700" cy="1971675"/>
+            <a:off x="508897" y="721716"/>
+            <a:ext cx="6036281" cy="3542276"/>
           </a:xfrm>
           <a:prstGeom prst="rect">
             <a:avLst/>
@@ -12170,7 +13472,23 @@
                   <a:srgbClr val="2876C9"/>
                 </a:solidFill>
               </a:rPr>
-              <a:t>Tác giả: James Gosling và các kỹ sư Sun Microsystem phát hành 1991.</a:t>
+              <a:t>Tác </a:t>
+            </a:r>
+            <a:r>
+              <a:rPr lang="en" sz="1200" dirty="0" smtClean="0">
+                <a:solidFill>
+                  <a:srgbClr val="2876C9"/>
+                </a:solidFill>
+              </a:rPr>
+              <a:t>giả: James Gosling và các kỹ sư Sun Microsystem </a:t>
+            </a:r>
+            <a:r>
+              <a:rPr lang="en" sz="1200" dirty="0" smtClean="0">
+                <a:solidFill>
+                  <a:srgbClr val="2876C9"/>
+                </a:solidFill>
+              </a:rPr>
+              <a:t>phát hành năm 1995.</a:t>
             </a:r>
             <a:endParaRPr sz="1200" dirty="0" smtClean="0">
               <a:solidFill>
@@ -12273,7 +13591,67 @@
                   <a:srgbClr val="2876C9"/>
                 </a:solidFill>
               </a:rPr>
-              <a:t>đồng phát triển lớn</a:t>
+              <a:t>đồng phát </a:t>
+            </a:r>
+            <a:r>
+              <a:rPr lang="en" sz="1200" dirty="0" smtClean="0">
+                <a:solidFill>
+                  <a:srgbClr val="2876C9"/>
+                </a:solidFill>
+              </a:rPr>
+              <a:t>triển cực lớn: cộng đồng lập trình lớn nhất hiện nay</a:t>
+            </a:r>
+          </a:p>
+          <a:p>
+            <a:pPr marL="457200" lvl="0" indent="-317500" algn="l" rtl="0">
+              <a:lnSpc>
+                <a:spcPct val="150000"/>
+              </a:lnSpc>
+              <a:spcBef>
+                <a:spcPts val="0"/>
+              </a:spcBef>
+              <a:spcAft>
+                <a:spcPts val="0"/>
+              </a:spcAft>
+              <a:buClr>
+                <a:srgbClr val="2876C9"/>
+              </a:buClr>
+              <a:buSzPts val="1400"/>
+              <a:buChar char="●"/>
+            </a:pPr>
+            <a:r>
+              <a:rPr lang="en" sz="1200" dirty="0" smtClean="0">
+                <a:solidFill>
+                  <a:srgbClr val="2876C9"/>
+                </a:solidFill>
+              </a:rPr>
+              <a:t>Java được hậu thuẫn bởi ông lớn công nghệ Oracle (mua lại từ Sun vào năm 2010)</a:t>
+            </a:r>
+          </a:p>
+          <a:p>
+            <a:pPr marL="457200" lvl="0" indent="-317500" algn="l" rtl="0">
+              <a:lnSpc>
+                <a:spcPct val="150000"/>
+              </a:lnSpc>
+              <a:spcBef>
+                <a:spcPts val="0"/>
+              </a:spcBef>
+              <a:spcAft>
+                <a:spcPts val="0"/>
+              </a:spcAft>
+              <a:buClr>
+                <a:srgbClr val="2876C9"/>
+              </a:buClr>
+              <a:buSzPts val="1400"/>
+              <a:buChar char="●"/>
+            </a:pPr>
+            <a:r>
+              <a:rPr lang="en" sz="1200" dirty="0" smtClean="0">
+                <a:solidFill>
+                  <a:srgbClr val="2876C9"/>
+                </a:solidFill>
+              </a:rPr>
+              <a:t>Rất nhiều ưu điểm vượt trội khác: lý tưởng cho hệ phân tán, hỗ trợ đa luồng mạnh mẽ, mức độ độc lập cao (dựa trên cơ trên JVM)</a:t>
             </a:r>
             <a:endParaRPr sz="1200" dirty="0">
               <a:solidFill>
@@ -12437,33 +13815,6 @@
           </a:p>
         </p:txBody>
       </p:sp>
-      <p:pic>
-        <p:nvPicPr>
-          <p:cNvPr id="241" name="Google Shape;241;p22"/>
-          <p:cNvPicPr preferRelativeResize="0"/>
-          <p:nvPr/>
-        </p:nvPicPr>
-        <p:blipFill rotWithShape="1">
-          <a:blip r:embed="rId4">
-            <a:alphaModFix/>
-          </a:blip>
-          <a:srcRect l="14746" t="6996" r="13977" b="5659"/>
-          <a:stretch/>
-        </p:blipFill>
-        <p:spPr>
-          <a:xfrm>
-            <a:off x="6920725" y="1020100"/>
-            <a:ext cx="1158275" cy="1419450"/>
-          </a:xfrm>
-          <a:prstGeom prst="rect">
-            <a:avLst/>
-          </a:prstGeom>
-          <a:noFill/>
-          <a:ln>
-            <a:noFill/>
-          </a:ln>
-        </p:spPr>
-      </p:pic>
       <p:sp>
         <p:nvSpPr>
           <p:cNvPr id="242" name="Google Shape;242;p22"/>
@@ -12473,7 +13824,7 @@
         <p:spPr>
           <a:xfrm>
             <a:off x="439362" y="523788"/>
-            <a:ext cx="6604613" cy="4287909"/>
+            <a:ext cx="6715637" cy="4471724"/>
           </a:xfrm>
           <a:prstGeom prst="rect">
             <a:avLst/>
@@ -12930,12 +14281,100 @@
               <a:buChar char="●"/>
             </a:pPr>
             <a:r>
-              <a:rPr lang="vi-VN" sz="1200" dirty="0">
+              <a:rPr lang="en-US" sz="1200" dirty="0" smtClean="0">
                 <a:solidFill>
                   <a:srgbClr val="2876C9"/>
                 </a:solidFill>
               </a:rPr>
-              <a:t>Web App như irctc.co.in, javatpoint.com, ...</a:t>
+              <a:t>Jav</a:t>
+            </a:r>
+            <a:r>
+              <a:rPr lang="en-US" sz="1200" dirty="0" smtClean="0">
+                <a:solidFill>
+                  <a:srgbClr val="2876C9"/>
+                </a:solidFill>
+              </a:rPr>
+              <a:t>a </a:t>
+            </a:r>
+            <a:r>
+              <a:rPr lang="en-US" sz="1200" dirty="0" err="1" smtClean="0">
+                <a:solidFill>
+                  <a:srgbClr val="2876C9"/>
+                </a:solidFill>
+              </a:rPr>
+              <a:t>dùng</a:t>
+            </a:r>
+            <a:r>
+              <a:rPr lang="en-US" sz="1200" dirty="0" smtClean="0">
+                <a:solidFill>
+                  <a:srgbClr val="2876C9"/>
+                </a:solidFill>
+              </a:rPr>
+              <a:t> </a:t>
+            </a:r>
+            <a:r>
+              <a:rPr lang="en-US" sz="1200" dirty="0" err="1" smtClean="0">
+                <a:solidFill>
+                  <a:srgbClr val="2876C9"/>
+                </a:solidFill>
+              </a:rPr>
+              <a:t>trong</a:t>
+            </a:r>
+            <a:r>
+              <a:rPr lang="en-US" sz="1200" dirty="0" smtClean="0">
+                <a:solidFill>
+                  <a:srgbClr val="2876C9"/>
+                </a:solidFill>
+              </a:rPr>
+              <a:t> </a:t>
+            </a:r>
+            <a:r>
+              <a:rPr lang="en-US" sz="1200" dirty="0" err="1" smtClean="0">
+                <a:solidFill>
+                  <a:srgbClr val="2876C9"/>
+                </a:solidFill>
+              </a:rPr>
+              <a:t>các</a:t>
+            </a:r>
+            <a:r>
+              <a:rPr lang="en-US" sz="1200" dirty="0" smtClean="0">
+                <a:solidFill>
+                  <a:srgbClr val="2876C9"/>
+                </a:solidFill>
+              </a:rPr>
+              <a:t> </a:t>
+            </a:r>
+            <a:r>
+              <a:rPr lang="en-US" sz="1200" dirty="0" err="1" smtClean="0">
+                <a:solidFill>
+                  <a:srgbClr val="2876C9"/>
+                </a:solidFill>
+              </a:rPr>
+              <a:t>lĩnh</a:t>
+            </a:r>
+            <a:r>
+              <a:rPr lang="en-US" sz="1200" dirty="0" smtClean="0">
+                <a:solidFill>
+                  <a:srgbClr val="2876C9"/>
+                </a:solidFill>
+              </a:rPr>
+              <a:t> </a:t>
+            </a:r>
+            <a:r>
+              <a:rPr lang="en-US" sz="1200" dirty="0" err="1" smtClean="0">
+                <a:solidFill>
+                  <a:srgbClr val="2876C9"/>
+                </a:solidFill>
+              </a:rPr>
+              <a:t>vực</a:t>
+            </a:r>
+            <a:r>
+              <a:rPr lang="en-US" sz="1200" dirty="0" smtClean="0">
+                <a:solidFill>
+                  <a:srgbClr val="2876C9"/>
+                </a:solidFill>
+              </a:rPr>
+              <a:t>:</a:t>
             </a:r>
             <a:endParaRPr lang="en-US" sz="1200" dirty="0" smtClean="0">
               <a:solidFill>
@@ -12944,7 +14383,7 @@
             </a:endParaRPr>
           </a:p>
           <a:p>
-            <a:pPr marL="457200" lvl="2" indent="-317500">
+            <a:pPr marL="457200" lvl="8" indent="-317500">
               <a:lnSpc>
                 <a:spcPct val="150000"/>
               </a:lnSpc>
@@ -12955,27 +14394,124 @@
                 <a:srgbClr val="2876C9"/>
               </a:buClr>
               <a:buSzPts val="1400"/>
-              <a:buChar char="●"/>
+              <a:buFont typeface="Wingdings" panose="05000000000000000000" pitchFamily="2" charset="2"/>
+              <a:buChar char="Ø"/>
             </a:pPr>
             <a:r>
-              <a:rPr lang="vi-VN" sz="1200" dirty="0" smtClean="0">
+              <a:rPr lang="en-US" sz="1200" dirty="0" err="1" smtClean="0">
                 <a:solidFill>
                   <a:srgbClr val="2876C9"/>
                 </a:solidFill>
               </a:rPr>
-              <a:t>Desktop </a:t>
-            </a:r>
-            <a:r>
-              <a:rPr lang="vi-VN" sz="1200" dirty="0">
+              <a:t>Lập</a:t>
+            </a:r>
+            <a:r>
+              <a:rPr lang="en-US" sz="1200" dirty="0" smtClean="0">
                 <a:solidFill>
                   <a:srgbClr val="2876C9"/>
                 </a:solidFill>
               </a:rPr>
-              <a:t>App như acrobat reader, media player, antivirus, ...</a:t>
-            </a:r>
-          </a:p>
-          <a:p>
-            <a:pPr marL="457200" lvl="2" indent="-317500">
+              <a:t> </a:t>
+            </a:r>
+            <a:r>
+              <a:rPr lang="en-US" sz="1200" dirty="0" err="1" smtClean="0">
+                <a:solidFill>
+                  <a:srgbClr val="2876C9"/>
+                </a:solidFill>
+              </a:rPr>
+              <a:t>trình</a:t>
+            </a:r>
+            <a:r>
+              <a:rPr lang="en-US" sz="1200" dirty="0" smtClean="0">
+                <a:solidFill>
+                  <a:srgbClr val="2876C9"/>
+                </a:solidFill>
+              </a:rPr>
+              <a:t> web app: </a:t>
+            </a:r>
+            <a:r>
+              <a:rPr lang="en-US" sz="1200" dirty="0" err="1" smtClean="0">
+                <a:solidFill>
+                  <a:srgbClr val="2876C9"/>
+                </a:solidFill>
+              </a:rPr>
+              <a:t>Cổng</a:t>
+            </a:r>
+            <a:r>
+              <a:rPr lang="en-US" sz="1200" dirty="0" smtClean="0">
+                <a:solidFill>
+                  <a:srgbClr val="2876C9"/>
+                </a:solidFill>
+              </a:rPr>
+              <a:t> </a:t>
+            </a:r>
+            <a:r>
+              <a:rPr lang="en-US" sz="1200" dirty="0" err="1" smtClean="0">
+                <a:solidFill>
+                  <a:srgbClr val="2876C9"/>
+                </a:solidFill>
+              </a:rPr>
+              <a:t>dịch</a:t>
+            </a:r>
+            <a:r>
+              <a:rPr lang="en-US" sz="1200" dirty="0" smtClean="0">
+                <a:solidFill>
+                  <a:srgbClr val="2876C9"/>
+                </a:solidFill>
+              </a:rPr>
+              <a:t> vụ </a:t>
+            </a:r>
+            <a:r>
+              <a:rPr lang="en-US" sz="1200" dirty="0" err="1" smtClean="0">
+                <a:solidFill>
+                  <a:srgbClr val="2876C9"/>
+                </a:solidFill>
+              </a:rPr>
+              <a:t>công</a:t>
+            </a:r>
+            <a:r>
+              <a:rPr lang="en-US" sz="1200" dirty="0" smtClean="0">
+                <a:solidFill>
+                  <a:srgbClr val="2876C9"/>
+                </a:solidFill>
+              </a:rPr>
+              <a:t> </a:t>
+            </a:r>
+            <a:r>
+              <a:rPr lang="en-US" sz="1200" dirty="0" err="1" smtClean="0">
+                <a:solidFill>
+                  <a:srgbClr val="2876C9"/>
+                </a:solidFill>
+              </a:rPr>
+              <a:t>quốc</a:t>
+            </a:r>
+            <a:r>
+              <a:rPr lang="en-US" sz="1200" dirty="0" smtClean="0">
+                <a:solidFill>
+                  <a:srgbClr val="2876C9"/>
+                </a:solidFill>
+              </a:rPr>
+              <a:t> </a:t>
+            </a:r>
+            <a:r>
+              <a:rPr lang="en-US" sz="1200" dirty="0" err="1" smtClean="0">
+                <a:solidFill>
+                  <a:srgbClr val="2876C9"/>
+                </a:solidFill>
+              </a:rPr>
+              <a:t>gia</a:t>
+            </a:r>
+            <a:r>
+              <a:rPr lang="en-US" sz="1200" dirty="0" smtClean="0">
+                <a:solidFill>
+                  <a:srgbClr val="2876C9"/>
+                </a:solidFill>
+              </a:rPr>
+              <a:t>, VNPT portal…</a:t>
+            </a:r>
+          </a:p>
+          <a:p>
+            <a:pPr marL="457200" lvl="8" indent="-317500">
               <a:lnSpc>
                 <a:spcPct val="150000"/>
               </a:lnSpc>
@@ -12986,23 +14522,128 @@
                 <a:srgbClr val="2876C9"/>
               </a:buClr>
               <a:buSzPts val="1400"/>
-              <a:buChar char="●"/>
+              <a:buFont typeface="Wingdings" panose="05000000000000000000" pitchFamily="2" charset="2"/>
+              <a:buChar char="Ø"/>
             </a:pPr>
             <a:r>
+              <a:rPr lang="en-US" sz="1200" dirty="0" err="1" smtClean="0">
+                <a:solidFill>
+                  <a:srgbClr val="2876C9"/>
+                </a:solidFill>
+              </a:rPr>
+              <a:t>Lập</a:t>
+            </a:r>
+            <a:r>
+              <a:rPr lang="en-US" sz="1200" dirty="0" smtClean="0">
+                <a:solidFill>
+                  <a:srgbClr val="2876C9"/>
+                </a:solidFill>
+              </a:rPr>
+              <a:t> </a:t>
+            </a:r>
+            <a:r>
+              <a:rPr lang="en-US" sz="1200" dirty="0" err="1" smtClean="0">
+                <a:solidFill>
+                  <a:srgbClr val="2876C9"/>
+                </a:solidFill>
+              </a:rPr>
+              <a:t>trình</a:t>
+            </a:r>
+            <a:r>
+              <a:rPr lang="en-US" sz="1200" dirty="0" smtClean="0">
+                <a:solidFill>
+                  <a:srgbClr val="2876C9"/>
+                </a:solidFill>
+              </a:rPr>
+              <a:t> </a:t>
+            </a:r>
+            <a:r>
               <a:rPr lang="vi-VN" sz="1200" dirty="0" smtClean="0">
                 <a:solidFill>
                   <a:srgbClr val="2876C9"/>
                 </a:solidFill>
               </a:rPr>
-              <a:t>Enterprise </a:t>
-            </a:r>
-            <a:r>
-              <a:rPr lang="vi-VN" sz="1200" dirty="0">
+              <a:t>Desktop App</a:t>
+            </a:r>
+            <a:r>
+              <a:rPr lang="en-US" sz="1200" dirty="0" smtClean="0">
                 <a:solidFill>
                   <a:srgbClr val="2876C9"/>
                 </a:solidFill>
               </a:rPr>
-              <a:t>App như các ứng dụng về xử lý nghiệp vụ ngân </a:t>
+              <a:t>: </a:t>
+            </a:r>
+            <a:r>
+              <a:rPr lang="vi-VN" sz="1200" dirty="0" smtClean="0">
+                <a:solidFill>
+                  <a:srgbClr val="2876C9"/>
+                </a:solidFill>
+              </a:rPr>
+              <a:t>acrobat reader, media player, antivirus, ...</a:t>
+            </a:r>
+          </a:p>
+          <a:p>
+            <a:pPr marL="457200" lvl="8" indent="-317500">
+              <a:lnSpc>
+                <a:spcPct val="150000"/>
+              </a:lnSpc>
+              <a:spcBef>
+                <a:spcPts val="1000"/>
+              </a:spcBef>
+              <a:buClr>
+                <a:srgbClr val="2876C9"/>
+              </a:buClr>
+              <a:buSzPts val="1400"/>
+              <a:buFont typeface="Wingdings" panose="05000000000000000000" pitchFamily="2" charset="2"/>
+              <a:buChar char="Ø"/>
+            </a:pPr>
+            <a:r>
+              <a:rPr lang="vi-VN" sz="1200" dirty="0" smtClean="0">
+                <a:solidFill>
+                  <a:srgbClr val="2876C9"/>
+                </a:solidFill>
+              </a:rPr>
+              <a:t>Enterprise App</a:t>
+            </a:r>
+            <a:r>
+              <a:rPr lang="en-US" sz="1200" dirty="0">
+                <a:solidFill>
+                  <a:srgbClr val="2876C9"/>
+                </a:solidFill>
+              </a:rPr>
+              <a:t>:  </a:t>
+            </a:r>
+            <a:r>
+              <a:rPr lang="en-US" sz="1200" dirty="0" err="1">
+                <a:solidFill>
+                  <a:srgbClr val="2876C9"/>
+                </a:solidFill>
+              </a:rPr>
+              <a:t>Hê</a:t>
+            </a:r>
+            <a:r>
+              <a:rPr lang="en-US" sz="1200" dirty="0">
+                <a:solidFill>
+                  <a:srgbClr val="2876C9"/>
+                </a:solidFill>
+              </a:rPr>
+              <a:t>̣ </a:t>
+            </a:r>
+            <a:r>
+              <a:rPr lang="en-US" sz="1200" dirty="0" err="1">
+                <a:solidFill>
+                  <a:srgbClr val="2876C9"/>
+                </a:solidFill>
+              </a:rPr>
+              <a:t>thống</a:t>
+            </a:r>
+            <a:r>
+              <a:rPr lang="en-US" sz="1200" dirty="0">
+                <a:solidFill>
+                  <a:srgbClr val="2876C9"/>
+                </a:solidFill>
+              </a:rPr>
+              <a:t> BCCS </a:t>
             </a:r>
             <a:r>
               <a:rPr lang="en-US" sz="1200" dirty="0" err="1" smtClean="0">
@@ -13010,7 +14651,7 @@
                   <a:srgbClr val="2876C9"/>
                 </a:solidFill>
               </a:rPr>
-              <a:t>hàng</a:t>
+              <a:t>Viettel</a:t>
             </a:r>
             <a:r>
               <a:rPr lang="en-US" sz="1200" dirty="0" smtClean="0">
@@ -13018,6 +14659,118 @@
                   <a:srgbClr val="2876C9"/>
                 </a:solidFill>
               </a:rPr>
+              <a:t>, </a:t>
+            </a:r>
+            <a:r>
+              <a:rPr lang="en-US" sz="1200" dirty="0" err="1" smtClean="0">
+                <a:solidFill>
+                  <a:srgbClr val="2876C9"/>
+                </a:solidFill>
+              </a:rPr>
+              <a:t>các</a:t>
+            </a:r>
+            <a:r>
+              <a:rPr lang="en-US" sz="1200" dirty="0" smtClean="0">
+                <a:solidFill>
+                  <a:srgbClr val="2876C9"/>
+                </a:solidFill>
+              </a:rPr>
+              <a:t> </a:t>
+            </a:r>
+            <a:r>
+              <a:rPr lang="en-US" sz="1200" dirty="0" err="1" smtClean="0">
+                <a:solidFill>
+                  <a:srgbClr val="2876C9"/>
+                </a:solidFill>
+              </a:rPr>
+              <a:t>ứng</a:t>
+            </a:r>
+            <a:r>
+              <a:rPr lang="en-US" sz="1200" dirty="0" smtClean="0">
+                <a:solidFill>
+                  <a:srgbClr val="2876C9"/>
+                </a:solidFill>
+              </a:rPr>
+              <a:t> </a:t>
+            </a:r>
+            <a:r>
+              <a:rPr lang="en-US" sz="1200" dirty="0" err="1" smtClean="0">
+                <a:solidFill>
+                  <a:srgbClr val="2876C9"/>
+                </a:solidFill>
+              </a:rPr>
+              <a:t>dụng</a:t>
+            </a:r>
+            <a:r>
+              <a:rPr lang="en-US" sz="1200" dirty="0" smtClean="0">
+                <a:solidFill>
+                  <a:srgbClr val="2876C9"/>
+                </a:solidFill>
+              </a:rPr>
+              <a:t> </a:t>
+            </a:r>
+            <a:r>
+              <a:rPr lang="en-US" sz="1200" dirty="0" err="1" smtClean="0">
+                <a:solidFill>
+                  <a:srgbClr val="2876C9"/>
+                </a:solidFill>
+              </a:rPr>
+              <a:t>tài</a:t>
+            </a:r>
+            <a:r>
+              <a:rPr lang="en-US" sz="1200" dirty="0" smtClean="0">
+                <a:solidFill>
+                  <a:srgbClr val="2876C9"/>
+                </a:solidFill>
+              </a:rPr>
+              <a:t> </a:t>
+            </a:r>
+            <a:r>
+              <a:rPr lang="en-US" sz="1200" dirty="0" err="1" smtClean="0">
+                <a:solidFill>
+                  <a:srgbClr val="2876C9"/>
+                </a:solidFill>
+              </a:rPr>
+              <a:t>chính</a:t>
+            </a:r>
+            <a:r>
+              <a:rPr lang="en-US" sz="1200" dirty="0" smtClean="0">
+                <a:solidFill>
+                  <a:srgbClr val="2876C9"/>
+                </a:solidFill>
+              </a:rPr>
+              <a:t> </a:t>
+            </a:r>
+            <a:r>
+              <a:rPr lang="en-US" sz="1200" dirty="0" err="1" smtClean="0">
+                <a:solidFill>
+                  <a:srgbClr val="2876C9"/>
+                </a:solidFill>
+              </a:rPr>
+              <a:t>ngân</a:t>
+            </a:r>
+            <a:r>
+              <a:rPr lang="en-US" sz="1200" dirty="0" smtClean="0">
+                <a:solidFill>
+                  <a:srgbClr val="2876C9"/>
+                </a:solidFill>
+              </a:rPr>
+              <a:t> </a:t>
+            </a:r>
+            <a:r>
+              <a:rPr lang="en-US" sz="1200" dirty="0" err="1" smtClean="0">
+                <a:solidFill>
+                  <a:srgbClr val="2876C9"/>
+                </a:solidFill>
+              </a:rPr>
+              <a:t>hàng</a:t>
+            </a:r>
+            <a:r>
+              <a:rPr lang="en-US" sz="1200" dirty="0" smtClean="0">
+                <a:solidFill>
+                  <a:srgbClr val="2876C9"/>
+                </a:solidFill>
+              </a:rPr>
               <a:t>(</a:t>
             </a:r>
             <a:r>
@@ -13036,14 +14789,14 @@
               </a:rPr>
               <a:t> T24)</a:t>
             </a:r>
-            <a:endParaRPr lang="vi-VN" sz="1200" dirty="0">
+            <a:endParaRPr lang="vi-VN" sz="1200" dirty="0" smtClean="0">
               <a:solidFill>
                 <a:srgbClr val="2876C9"/>
               </a:solidFill>
             </a:endParaRPr>
           </a:p>
           <a:p>
-            <a:pPr marL="457200" lvl="2" indent="-317500">
+            <a:pPr marL="457200" lvl="8" indent="-317500">
               <a:lnSpc>
                 <a:spcPct val="150000"/>
               </a:lnSpc>
@@ -13054,19 +14807,81 @@
                 <a:srgbClr val="2876C9"/>
               </a:buClr>
               <a:buSzPts val="1400"/>
-              <a:buChar char="●"/>
+              <a:buFont typeface="Wingdings" panose="05000000000000000000" pitchFamily="2" charset="2"/>
+              <a:buChar char="Ø"/>
             </a:pPr>
             <a:r>
-              <a:rPr lang="vi-VN" sz="1200" dirty="0">
+              <a:rPr lang="vi-VN" sz="1200" dirty="0" smtClean="0">
                 <a:solidFill>
                   <a:srgbClr val="2876C9"/>
                 </a:solidFill>
               </a:rPr>
-              <a:t>Thiết bị Mobile như các ứng dụng Android.</a:t>
-            </a:r>
-          </a:p>
-          <a:p>
-            <a:pPr marL="457200" lvl="2" indent="-317500">
+              <a:t>Thiết bị Mobile</a:t>
+            </a:r>
+            <a:r>
+              <a:rPr lang="en-US" sz="1200" dirty="0" smtClean="0">
+                <a:solidFill>
+                  <a:srgbClr val="2876C9"/>
+                </a:solidFill>
+              </a:rPr>
+              <a:t>: </a:t>
+            </a:r>
+            <a:r>
+              <a:rPr lang="en-US" sz="1200" dirty="0" err="1" smtClean="0">
+                <a:solidFill>
+                  <a:srgbClr val="2876C9"/>
+                </a:solidFill>
+              </a:rPr>
+              <a:t>hàng</a:t>
+            </a:r>
+            <a:r>
+              <a:rPr lang="en-US" sz="1200" dirty="0" smtClean="0">
+                <a:solidFill>
+                  <a:srgbClr val="2876C9"/>
+                </a:solidFill>
+              </a:rPr>
+              <a:t> tỷ </a:t>
+            </a:r>
+            <a:r>
+              <a:rPr lang="en-US" sz="1200" dirty="0" err="1" smtClean="0">
+                <a:solidFill>
+                  <a:srgbClr val="2876C9"/>
+                </a:solidFill>
+              </a:rPr>
+              <a:t>ứng</a:t>
+            </a:r>
+            <a:r>
+              <a:rPr lang="en-US" sz="1200" dirty="0" smtClean="0">
+                <a:solidFill>
+                  <a:srgbClr val="2876C9"/>
+                </a:solidFill>
+              </a:rPr>
+              <a:t> </a:t>
+            </a:r>
+            <a:r>
+              <a:rPr lang="en-US" sz="1200" dirty="0" err="1" smtClean="0">
+                <a:solidFill>
+                  <a:srgbClr val="2876C9"/>
+                </a:solidFill>
+              </a:rPr>
+              <a:t>dụng</a:t>
+            </a:r>
+            <a:r>
+              <a:rPr lang="en-US" sz="1200" dirty="0" smtClean="0">
+                <a:solidFill>
+                  <a:srgbClr val="2876C9"/>
+                </a:solidFill>
+              </a:rPr>
+              <a:t> android</a:t>
+            </a:r>
+            <a:endParaRPr lang="vi-VN" sz="1200" dirty="0" smtClean="0">
+              <a:solidFill>
+                <a:srgbClr val="2876C9"/>
+              </a:solidFill>
+            </a:endParaRPr>
+          </a:p>
+          <a:p>
+            <a:pPr marL="457200" lvl="8" indent="-317500">
               <a:lnSpc>
                 <a:spcPct val="150000"/>
               </a:lnSpc>
@@ -13077,19 +14892,33 @@
                 <a:srgbClr val="2876C9"/>
               </a:buClr>
               <a:buSzPts val="1400"/>
-              <a:buChar char="●"/>
+              <a:buFont typeface="Wingdings" panose="05000000000000000000" pitchFamily="2" charset="2"/>
+              <a:buChar char="Ø"/>
             </a:pPr>
             <a:r>
-              <a:rPr lang="vi-VN" sz="1200" dirty="0">
+              <a:rPr lang="vi-VN" sz="1200" dirty="0" smtClean="0">
                 <a:solidFill>
                   <a:srgbClr val="2876C9"/>
                 </a:solidFill>
               </a:rPr>
               <a:t>Hệ thống nhúng</a:t>
             </a:r>
-          </a:p>
-          <a:p>
-            <a:pPr marL="457200" lvl="2" indent="-317500">
+            <a:r>
+              <a:rPr lang="en-US" sz="1200" dirty="0" smtClean="0">
+                <a:solidFill>
+                  <a:srgbClr val="2876C9"/>
+                </a:solidFill>
+              </a:rPr>
+              <a:t>: ATM, Printer…</a:t>
+            </a:r>
+            <a:endParaRPr lang="vi-VN" sz="1200" dirty="0" smtClean="0">
+              <a:solidFill>
+                <a:srgbClr val="2876C9"/>
+              </a:solidFill>
+            </a:endParaRPr>
+          </a:p>
+          <a:p>
+            <a:pPr marL="457200" lvl="8" indent="-317500">
               <a:lnSpc>
                 <a:spcPct val="150000"/>
               </a:lnSpc>
@@ -13100,19 +14929,25 @@
                 <a:srgbClr val="2876C9"/>
               </a:buClr>
               <a:buSzPts val="1400"/>
-              <a:buChar char="●"/>
+              <a:buFont typeface="Wingdings" panose="05000000000000000000" pitchFamily="2" charset="2"/>
+              <a:buChar char="Ø"/>
             </a:pPr>
             <a:r>
-              <a:rPr lang="vi-VN" sz="1200" dirty="0">
+              <a:rPr lang="en-US" sz="1200" dirty="0" smtClean="0">
                 <a:solidFill>
                   <a:srgbClr val="2876C9"/>
                 </a:solidFill>
               </a:rPr>
-              <a:t>Smart Card</a:t>
-            </a:r>
-          </a:p>
-          <a:p>
-            <a:pPr marL="457200" lvl="2" indent="-317500">
+              <a:t>Big Data: Hadoop, Apache Kafka, Spark, Map reduce…</a:t>
+            </a:r>
+            <a:endParaRPr lang="vi-VN" sz="1200" dirty="0" smtClean="0">
+              <a:solidFill>
+                <a:srgbClr val="2876C9"/>
+              </a:solidFill>
+            </a:endParaRPr>
+          </a:p>
+          <a:p>
+            <a:pPr marL="457200" lvl="8" indent="-317500">
               <a:lnSpc>
                 <a:spcPct val="150000"/>
               </a:lnSpc>
@@ -13123,38 +14958,32 @@
                 <a:srgbClr val="2876C9"/>
               </a:buClr>
               <a:buSzPts val="1400"/>
-              <a:buChar char="●"/>
+              <a:buFont typeface="Wingdings" panose="05000000000000000000" pitchFamily="2" charset="2"/>
+              <a:buChar char="Ø"/>
             </a:pPr>
             <a:r>
-              <a:rPr lang="vi-VN" sz="1200" dirty="0">
+              <a:rPr lang="en-US" sz="1200" dirty="0" smtClean="0">
                 <a:solidFill>
                   <a:srgbClr val="2876C9"/>
                 </a:solidFill>
               </a:rPr>
-              <a:t>Robot</a:t>
-            </a:r>
-          </a:p>
-          <a:p>
-            <a:pPr marL="457200" lvl="2" indent="-317500">
-              <a:lnSpc>
-                <a:spcPct val="150000"/>
-              </a:lnSpc>
-              <a:spcBef>
-                <a:spcPts val="1000"/>
-              </a:spcBef>
-              <a:buClr>
-                <a:srgbClr val="2876C9"/>
-              </a:buClr>
-              <a:buSzPts val="1400"/>
-              <a:buChar char="●"/>
-            </a:pPr>
-            <a:r>
-              <a:rPr lang="vi-VN" sz="1200" dirty="0">
+              <a:t>Many </a:t>
+            </a:r>
+            <a:r>
+              <a:rPr lang="en-US" sz="1200" dirty="0" err="1" smtClean="0">
                 <a:solidFill>
                   <a:srgbClr val="2876C9"/>
                 </a:solidFill>
               </a:rPr>
-              <a:t>Game App</a:t>
+              <a:t>many</a:t>
+            </a:r>
+            <a:r>
+              <a:rPr lang="en-US" sz="1200" dirty="0" smtClean="0">
+                <a:solidFill>
+                  <a:srgbClr val="2876C9"/>
+                </a:solidFill>
+              </a:rPr>
+              <a:t>…</a:t>
             </a:r>
             <a:endParaRPr sz="1200" dirty="0">
               <a:solidFill>
@@ -13172,7 +15001,7 @@
         </p:nvSpPr>
         <p:spPr>
           <a:xfrm>
-            <a:off x="2342475" y="3834001"/>
+            <a:off x="7454675" y="724149"/>
             <a:ext cx="873000" cy="873000"/>
           </a:xfrm>
           <a:prstGeom prst="ellipse">
@@ -13212,7 +15041,7 @@
         </p:nvSpPr>
         <p:spPr>
           <a:xfrm>
-            <a:off x="3946625" y="3834001"/>
+            <a:off x="7454650" y="1740725"/>
             <a:ext cx="873000" cy="873000"/>
           </a:xfrm>
           <a:prstGeom prst="ellipse">
@@ -13252,7 +15081,7 @@
         </p:nvSpPr>
         <p:spPr>
           <a:xfrm>
-            <a:off x="5550800" y="3834001"/>
+            <a:off x="7456250" y="2757301"/>
             <a:ext cx="873000" cy="873000"/>
           </a:xfrm>
           <a:prstGeom prst="ellipse">
@@ -13292,7 +15121,7 @@
         </p:nvSpPr>
         <p:spPr>
           <a:xfrm>
-            <a:off x="7154975" y="3834001"/>
+            <a:off x="7454625" y="3811787"/>
             <a:ext cx="873000" cy="873000"/>
           </a:xfrm>
           <a:prstGeom prst="ellipse">
@@ -13332,7 +15161,7 @@
         </p:nvSpPr>
         <p:spPr>
           <a:xfrm>
-            <a:off x="2342475" y="4037701"/>
+            <a:off x="7454675" y="927849"/>
             <a:ext cx="873000" cy="349200"/>
           </a:xfrm>
           <a:prstGeom prst="rect">
@@ -13390,7 +15219,7 @@
         </p:nvSpPr>
         <p:spPr>
           <a:xfrm>
-            <a:off x="3946650" y="4037701"/>
+            <a:off x="7454675" y="1944425"/>
             <a:ext cx="873000" cy="349200"/>
           </a:xfrm>
           <a:prstGeom prst="rect">
@@ -13448,7 +15277,7 @@
         </p:nvSpPr>
         <p:spPr>
           <a:xfrm>
-            <a:off x="5550825" y="4037701"/>
+            <a:off x="7456275" y="2961001"/>
             <a:ext cx="873000" cy="349200"/>
           </a:xfrm>
           <a:prstGeom prst="rect">
@@ -13506,7 +15335,7 @@
         </p:nvSpPr>
         <p:spPr>
           <a:xfrm>
-            <a:off x="7155000" y="4037701"/>
+            <a:off x="7454650" y="4015487"/>
             <a:ext cx="873000" cy="349200"/>
           </a:xfrm>
           <a:prstGeom prst="rect">
@@ -14962,11 +16791,6 @@
               </a:rPr>
               <a:t>: Java Virtual Machine</a:t>
             </a:r>
-            <a:endParaRPr lang="en-US" sz="1200" dirty="0">
-              <a:solidFill>
-                <a:srgbClr val="2876C9"/>
-              </a:solidFill>
-            </a:endParaRPr>
           </a:p>
         </p:txBody>
       </p:sp>
@@ -15378,6 +17202,12 @@
 <file path=ppt/slides/slide9.xml><?xml version="1.0" encoding="utf-8"?>
 <p:sld xmlns:a="http://schemas.openxmlformats.org/drawingml/2006/main" xmlns:r="http://schemas.openxmlformats.org/officeDocument/2006/relationships" xmlns:p="http://schemas.openxmlformats.org/presentationml/2006/main">
   <p:cSld>
+    <p:bg>
+      <p:bgPr>
+        <a:noFill/>
+        <a:effectLst/>
+      </p:bgPr>
+    </p:bg>
     <p:spTree>
       <p:nvGrpSpPr>
         <p:cNvPr id="1" name="Shape 308"/>
@@ -15429,14 +17259,14 @@
               <a:buNone/>
             </a:pPr>
             <a:r>
-              <a:rPr lang="en">
+              <a:rPr lang="en" dirty="0" smtClean="0">
                 <a:solidFill>
                   <a:srgbClr val="FFFFFF"/>
                 </a:solidFill>
               </a:rPr>
-              <a:t>	HelloWorld</a:t>
-            </a:r>
-            <a:endParaRPr>
+              <a:t>HelloWorld bằng command line</a:t>
+            </a:r>
+            <a:endParaRPr dirty="0">
               <a:solidFill>
                 <a:srgbClr val="FFFFFF"/>
               </a:solidFill>
@@ -15514,158 +17344,835 @@
           </a:p>
         </p:txBody>
       </p:sp>
-      <p:pic>
-        <p:nvPicPr>
-          <p:cNvPr id="312" name="Google Shape;312;p25"/>
-          <p:cNvPicPr preferRelativeResize="0"/>
+      <p:sp>
+        <p:nvSpPr>
+          <p:cNvPr id="2" name="Rectangle 1"/>
+          <p:cNvSpPr/>
           <p:nvPr/>
-        </p:nvPicPr>
-        <p:blipFill rotWithShape="1">
-          <a:blip r:embed="rId4">
-            <a:alphaModFix/>
-          </a:blip>
-          <a:srcRect r="19426" b="39932"/>
-          <a:stretch/>
-        </p:blipFill>
+        </p:nvSpPr>
         <p:spPr>
           <a:xfrm>
-            <a:off x="1710750" y="778400"/>
-            <a:ext cx="5185974" cy="927550"/>
+            <a:off x="510666" y="617937"/>
+            <a:ext cx="7382083" cy="738664"/>
           </a:xfrm>
           <a:prstGeom prst="rect">
             <a:avLst/>
           </a:prstGeom>
-          <a:noFill/>
-          <a:ln w="9525" cap="flat" cmpd="sng">
-            <a:solidFill>
-              <a:srgbClr val="666666"/>
-            </a:solidFill>
-            <a:prstDash val="solid"/>
-            <a:round/>
-            <a:headEnd type="none" w="sm" len="sm"/>
-            <a:tailEnd type="none" w="sm" len="sm"/>
-          </a:ln>
         </p:spPr>
-      </p:pic>
+        <p:txBody>
+          <a:bodyPr wrap="square">
+            <a:spAutoFit/>
+          </a:bodyPr>
+          <a:lstStyle/>
+          <a:p>
+            <a:r>
+              <a:rPr lang="en-US" b="1" dirty="0" smtClean="0">
+                <a:solidFill>
+                  <a:srgbClr val="333333"/>
+                </a:solidFill>
+                <a:latin typeface="Times New Roman" panose="02020603050405020304" pitchFamily="18" charset="0"/>
+                <a:cs typeface="Times New Roman" panose="02020603050405020304" pitchFamily="18" charset="0"/>
+              </a:rPr>
+              <a:t>Command line:</a:t>
+            </a:r>
+          </a:p>
+          <a:p>
+            <a:r>
+              <a:rPr lang="en-US" dirty="0" err="1" smtClean="0">
+                <a:solidFill>
+                  <a:srgbClr val="333333"/>
+                </a:solidFill>
+                <a:latin typeface="Times New Roman" panose="02020603050405020304" pitchFamily="18" charset="0"/>
+                <a:cs typeface="Times New Roman" panose="02020603050405020304" pitchFamily="18" charset="0"/>
+              </a:rPr>
+              <a:t>Bước</a:t>
+            </a:r>
+            <a:r>
+              <a:rPr lang="en-US" dirty="0" smtClean="0">
+                <a:solidFill>
+                  <a:srgbClr val="333333"/>
+                </a:solidFill>
+                <a:latin typeface="Times New Roman" panose="02020603050405020304" pitchFamily="18" charset="0"/>
+                <a:cs typeface="Times New Roman" panose="02020603050405020304" pitchFamily="18" charset="0"/>
+              </a:rPr>
+              <a:t> 1:</a:t>
+            </a:r>
+          </a:p>
+          <a:p>
+            <a:r>
+              <a:rPr lang="en-US" dirty="0">
+                <a:solidFill>
+                  <a:srgbClr val="333333"/>
+                </a:solidFill>
+                <a:latin typeface="Times New Roman" panose="02020603050405020304" pitchFamily="18" charset="0"/>
+                <a:cs typeface="Times New Roman" panose="02020603050405020304" pitchFamily="18" charset="0"/>
+              </a:rPr>
+              <a:t>	</a:t>
+            </a:r>
+            <a:r>
+              <a:rPr lang="en-US" dirty="0" err="1" smtClean="0">
+                <a:solidFill>
+                  <a:srgbClr val="333333"/>
+                </a:solidFill>
+                <a:latin typeface="Times New Roman" panose="02020603050405020304" pitchFamily="18" charset="0"/>
+                <a:cs typeface="Times New Roman" panose="02020603050405020304" pitchFamily="18" charset="0"/>
+              </a:rPr>
+              <a:t>Tạo</a:t>
+            </a:r>
+            <a:r>
+              <a:rPr lang="en-US" dirty="0" smtClean="0">
+                <a:solidFill>
+                  <a:srgbClr val="333333"/>
+                </a:solidFill>
+                <a:latin typeface="Times New Roman" panose="02020603050405020304" pitchFamily="18" charset="0"/>
+                <a:cs typeface="Times New Roman" panose="02020603050405020304" pitchFamily="18" charset="0"/>
+              </a:rPr>
+              <a:t> file</a:t>
+            </a:r>
+            <a:r>
+              <a:rPr lang="en-US" dirty="0">
+                <a:solidFill>
+                  <a:srgbClr val="333333"/>
+                </a:solidFill>
+                <a:latin typeface="Times New Roman" panose="02020603050405020304" pitchFamily="18" charset="0"/>
+                <a:cs typeface="Times New Roman" panose="02020603050405020304" pitchFamily="18" charset="0"/>
+              </a:rPr>
+              <a:t>: </a:t>
+            </a:r>
+            <a:r>
+              <a:rPr lang="en-US" dirty="0" smtClean="0">
+                <a:solidFill>
+                  <a:srgbClr val="333333"/>
+                </a:solidFill>
+                <a:latin typeface="Times New Roman" panose="02020603050405020304" pitchFamily="18" charset="0"/>
+                <a:cs typeface="Times New Roman" panose="02020603050405020304" pitchFamily="18" charset="0"/>
+              </a:rPr>
+              <a:t>HelloWorld.java</a:t>
+            </a:r>
+            <a:endParaRPr lang="en-US" dirty="0">
+              <a:latin typeface="Times New Roman" panose="02020603050405020304" pitchFamily="18" charset="0"/>
+              <a:cs typeface="Times New Roman" panose="02020603050405020304" pitchFamily="18" charset="0"/>
+            </a:endParaRPr>
+          </a:p>
+        </p:txBody>
+      </p:sp>
+      <p:sp>
+        <p:nvSpPr>
+          <p:cNvPr id="6" name="Rectangle 5"/>
+          <p:cNvSpPr/>
+          <p:nvPr/>
+        </p:nvSpPr>
+        <p:spPr>
+          <a:xfrm>
+            <a:off x="1429351" y="1450750"/>
+            <a:ext cx="4572000" cy="1354217"/>
+          </a:xfrm>
+          <a:prstGeom prst="rect">
+            <a:avLst/>
+          </a:prstGeom>
+        </p:spPr>
+        <p:txBody>
+          <a:bodyPr>
+            <a:spAutoFit/>
+          </a:bodyPr>
+          <a:lstStyle/>
+          <a:p>
+            <a:pPr lvl="3" eaLnBrk="0" fontAlgn="base" hangingPunct="0">
+              <a:spcBef>
+                <a:spcPct val="0"/>
+              </a:spcBef>
+              <a:spcAft>
+                <a:spcPct val="0"/>
+              </a:spcAft>
+              <a:buClrTx/>
+            </a:pPr>
+            <a:r>
+              <a:rPr lang="en-US" altLang="en-US" b="1" dirty="0">
+                <a:solidFill>
+                  <a:srgbClr val="006699"/>
+                </a:solidFill>
+                <a:latin typeface="Monaco"/>
+              </a:rPr>
+              <a:t>public</a:t>
+            </a:r>
+            <a:r>
+              <a:rPr lang="en-US" altLang="en-US" sz="2000" dirty="0">
+                <a:solidFill>
+                  <a:srgbClr val="333333"/>
+                </a:solidFill>
+                <a:latin typeface="Monaco"/>
+              </a:rPr>
+              <a:t> </a:t>
+            </a:r>
+            <a:r>
+              <a:rPr lang="en-US" altLang="en-US" b="1" dirty="0">
+                <a:solidFill>
+                  <a:srgbClr val="006699"/>
+                </a:solidFill>
+                <a:latin typeface="Monaco"/>
+              </a:rPr>
+              <a:t>class</a:t>
+            </a:r>
+            <a:r>
+              <a:rPr lang="en-US" altLang="en-US" sz="2000" dirty="0">
+                <a:solidFill>
+                  <a:srgbClr val="333333"/>
+                </a:solidFill>
+                <a:latin typeface="Monaco"/>
+              </a:rPr>
+              <a:t> </a:t>
+            </a:r>
+            <a:r>
+              <a:rPr lang="en-US" altLang="en-US" dirty="0">
+                <a:latin typeface="Monaco"/>
+              </a:rPr>
+              <a:t>HelloWorld {</a:t>
+            </a:r>
+            <a:endParaRPr lang="en-US" altLang="en-US" sz="1200" dirty="0">
+              <a:solidFill>
+                <a:schemeClr val="tx1"/>
+              </a:solidFill>
+            </a:endParaRPr>
+          </a:p>
+          <a:p>
+            <a:pPr lvl="3" eaLnBrk="0" fontAlgn="base" hangingPunct="0">
+              <a:spcBef>
+                <a:spcPct val="0"/>
+              </a:spcBef>
+              <a:spcAft>
+                <a:spcPct val="0"/>
+              </a:spcAft>
+              <a:buClrTx/>
+            </a:pPr>
+            <a:r>
+              <a:rPr lang="en-US" altLang="en-US" dirty="0">
+                <a:solidFill>
+                  <a:srgbClr val="C7254E"/>
+                </a:solidFill>
+                <a:latin typeface="Monaco"/>
+              </a:rPr>
+              <a:t>    </a:t>
+            </a:r>
+            <a:r>
+              <a:rPr lang="en-US" altLang="en-US" b="1" dirty="0">
+                <a:solidFill>
+                  <a:srgbClr val="006699"/>
+                </a:solidFill>
+                <a:latin typeface="Monaco"/>
+              </a:rPr>
+              <a:t>public</a:t>
+            </a:r>
+            <a:r>
+              <a:rPr lang="en-US" altLang="en-US" sz="2000" dirty="0">
+                <a:solidFill>
+                  <a:srgbClr val="333333"/>
+                </a:solidFill>
+                <a:latin typeface="Monaco"/>
+              </a:rPr>
+              <a:t> </a:t>
+            </a:r>
+            <a:r>
+              <a:rPr lang="en-US" altLang="en-US" b="1" dirty="0">
+                <a:solidFill>
+                  <a:srgbClr val="006699"/>
+                </a:solidFill>
+                <a:latin typeface="Monaco"/>
+              </a:rPr>
+              <a:t>static</a:t>
+            </a:r>
+            <a:r>
+              <a:rPr lang="en-US" altLang="en-US" sz="2000" dirty="0">
+                <a:solidFill>
+                  <a:srgbClr val="333333"/>
+                </a:solidFill>
+                <a:latin typeface="Monaco"/>
+              </a:rPr>
+              <a:t> </a:t>
+            </a:r>
+            <a:r>
+              <a:rPr lang="en-US" altLang="en-US" b="1" dirty="0">
+                <a:solidFill>
+                  <a:srgbClr val="006699"/>
+                </a:solidFill>
+                <a:latin typeface="Monaco"/>
+              </a:rPr>
+              <a:t>void</a:t>
+            </a:r>
+            <a:r>
+              <a:rPr lang="en-US" altLang="en-US" sz="2000" dirty="0">
+                <a:solidFill>
+                  <a:srgbClr val="333333"/>
+                </a:solidFill>
+                <a:latin typeface="Monaco"/>
+              </a:rPr>
+              <a:t> </a:t>
+            </a:r>
+            <a:r>
+              <a:rPr lang="en-US" altLang="en-US" dirty="0">
+                <a:latin typeface="Monaco"/>
+              </a:rPr>
+              <a:t>main(String[] </a:t>
+            </a:r>
+            <a:r>
+              <a:rPr lang="en-US" altLang="en-US" dirty="0" err="1">
+                <a:latin typeface="Monaco"/>
+              </a:rPr>
+              <a:t>args</a:t>
+            </a:r>
+            <a:r>
+              <a:rPr lang="en-US" altLang="en-US" dirty="0">
+                <a:latin typeface="Monaco"/>
+              </a:rPr>
+              <a:t>) {</a:t>
+            </a:r>
+            <a:endParaRPr lang="en-US" altLang="en-US" sz="1200" dirty="0">
+              <a:solidFill>
+                <a:schemeClr val="tx1"/>
+              </a:solidFill>
+            </a:endParaRPr>
+          </a:p>
+          <a:p>
+            <a:pPr lvl="3" eaLnBrk="0" fontAlgn="base" hangingPunct="0">
+              <a:spcBef>
+                <a:spcPct val="0"/>
+              </a:spcBef>
+              <a:spcAft>
+                <a:spcPct val="0"/>
+              </a:spcAft>
+              <a:buClrTx/>
+            </a:pPr>
+            <a:r>
+              <a:rPr lang="en-US" altLang="en-US" dirty="0">
+                <a:solidFill>
+                  <a:srgbClr val="C7254E"/>
+                </a:solidFill>
+                <a:latin typeface="Monaco"/>
+              </a:rPr>
+              <a:t>        </a:t>
+            </a:r>
+            <a:r>
+              <a:rPr lang="en-US" altLang="en-US" dirty="0" err="1">
+                <a:latin typeface="Monaco"/>
+              </a:rPr>
+              <a:t>System.out.println</a:t>
+            </a:r>
+            <a:r>
+              <a:rPr lang="en-US" altLang="en-US" dirty="0">
+                <a:latin typeface="Monaco"/>
+              </a:rPr>
+              <a:t>(</a:t>
+            </a:r>
+            <a:r>
+              <a:rPr lang="en-US" altLang="en-US" dirty="0">
+                <a:solidFill>
+                  <a:srgbClr val="0000FF"/>
+                </a:solidFill>
+                <a:latin typeface="Monaco"/>
+              </a:rPr>
+              <a:t>"Hello World!"</a:t>
+            </a:r>
+            <a:r>
+              <a:rPr lang="en-US" altLang="en-US" dirty="0">
+                <a:latin typeface="Monaco"/>
+              </a:rPr>
+              <a:t>);</a:t>
+            </a:r>
+            <a:endParaRPr lang="en-US" altLang="en-US" sz="1200" dirty="0">
+              <a:solidFill>
+                <a:schemeClr val="tx1"/>
+              </a:solidFill>
+            </a:endParaRPr>
+          </a:p>
+          <a:p>
+            <a:pPr lvl="3" eaLnBrk="0" fontAlgn="base" hangingPunct="0">
+              <a:spcBef>
+                <a:spcPct val="0"/>
+              </a:spcBef>
+              <a:spcAft>
+                <a:spcPct val="0"/>
+              </a:spcAft>
+              <a:buClrTx/>
+            </a:pPr>
+            <a:r>
+              <a:rPr lang="en-US" altLang="en-US" dirty="0">
+                <a:solidFill>
+                  <a:srgbClr val="C7254E"/>
+                </a:solidFill>
+                <a:latin typeface="Monaco"/>
+              </a:rPr>
+              <a:t>    </a:t>
+            </a:r>
+            <a:r>
+              <a:rPr lang="en-US" altLang="en-US" dirty="0">
+                <a:latin typeface="Monaco"/>
+              </a:rPr>
+              <a:t>}</a:t>
+            </a:r>
+            <a:endParaRPr lang="en-US" altLang="en-US" sz="1200" dirty="0">
+              <a:solidFill>
+                <a:schemeClr val="tx1"/>
+              </a:solidFill>
+            </a:endParaRPr>
+          </a:p>
+          <a:p>
+            <a:pPr lvl="3" eaLnBrk="0" fontAlgn="base" hangingPunct="0">
+              <a:spcBef>
+                <a:spcPct val="0"/>
+              </a:spcBef>
+              <a:spcAft>
+                <a:spcPct val="0"/>
+              </a:spcAft>
+              <a:buClrTx/>
+            </a:pPr>
+            <a:r>
+              <a:rPr lang="en-US" altLang="en-US" dirty="0">
+                <a:latin typeface="Monaco"/>
+              </a:rPr>
+              <a:t>}</a:t>
+            </a:r>
+            <a:endParaRPr lang="en-US" dirty="0"/>
+          </a:p>
+        </p:txBody>
+      </p:sp>
+      <p:sp>
+        <p:nvSpPr>
+          <p:cNvPr id="15" name="Rectangle 14"/>
+          <p:cNvSpPr/>
+          <p:nvPr/>
+        </p:nvSpPr>
+        <p:spPr>
+          <a:xfrm>
+            <a:off x="510666" y="2899116"/>
+            <a:ext cx="7382083" cy="1600438"/>
+          </a:xfrm>
+          <a:prstGeom prst="rect">
+            <a:avLst/>
+          </a:prstGeom>
+        </p:spPr>
+        <p:txBody>
+          <a:bodyPr wrap="square">
+            <a:spAutoFit/>
+          </a:bodyPr>
+          <a:lstStyle/>
+          <a:p>
+            <a:r>
+              <a:rPr lang="en-US" dirty="0" err="1" smtClean="0">
+                <a:solidFill>
+                  <a:srgbClr val="333333"/>
+                </a:solidFill>
+                <a:latin typeface="Times New Roman" panose="02020603050405020304" pitchFamily="18" charset="0"/>
+                <a:cs typeface="Times New Roman" panose="02020603050405020304" pitchFamily="18" charset="0"/>
+              </a:rPr>
+              <a:t>Bước</a:t>
+            </a:r>
+            <a:r>
+              <a:rPr lang="en-US" dirty="0" smtClean="0">
+                <a:solidFill>
+                  <a:srgbClr val="333333"/>
+                </a:solidFill>
+                <a:latin typeface="Times New Roman" panose="02020603050405020304" pitchFamily="18" charset="0"/>
+                <a:cs typeface="Times New Roman" panose="02020603050405020304" pitchFamily="18" charset="0"/>
+              </a:rPr>
+              <a:t> 2: cd </a:t>
+            </a:r>
+            <a:r>
+              <a:rPr lang="en-US" dirty="0" err="1" smtClean="0">
+                <a:solidFill>
+                  <a:srgbClr val="333333"/>
+                </a:solidFill>
+                <a:latin typeface="Times New Roman" panose="02020603050405020304" pitchFamily="18" charset="0"/>
+                <a:cs typeface="Times New Roman" panose="02020603050405020304" pitchFamily="18" charset="0"/>
+              </a:rPr>
+              <a:t>đến</a:t>
+            </a:r>
+            <a:r>
+              <a:rPr lang="en-US" dirty="0" smtClean="0">
+                <a:solidFill>
+                  <a:srgbClr val="333333"/>
+                </a:solidFill>
+                <a:latin typeface="Times New Roman" panose="02020603050405020304" pitchFamily="18" charset="0"/>
+                <a:cs typeface="Times New Roman" panose="02020603050405020304" pitchFamily="18" charset="0"/>
+              </a:rPr>
+              <a:t> </a:t>
+            </a:r>
+            <a:r>
+              <a:rPr lang="en-US" dirty="0" err="1" smtClean="0">
+                <a:solidFill>
+                  <a:srgbClr val="333333"/>
+                </a:solidFill>
+                <a:latin typeface="Times New Roman" panose="02020603050405020304" pitchFamily="18" charset="0"/>
+                <a:cs typeface="Times New Roman" panose="02020603050405020304" pitchFamily="18" charset="0"/>
+              </a:rPr>
+              <a:t>thư</a:t>
+            </a:r>
+            <a:r>
+              <a:rPr lang="en-US" dirty="0" smtClean="0">
+                <a:solidFill>
+                  <a:srgbClr val="333333"/>
+                </a:solidFill>
+                <a:latin typeface="Times New Roman" panose="02020603050405020304" pitchFamily="18" charset="0"/>
+                <a:cs typeface="Times New Roman" panose="02020603050405020304" pitchFamily="18" charset="0"/>
+              </a:rPr>
+              <a:t> </a:t>
+            </a:r>
+            <a:r>
+              <a:rPr lang="en-US" dirty="0" err="1" smtClean="0">
+                <a:solidFill>
+                  <a:srgbClr val="333333"/>
+                </a:solidFill>
+                <a:latin typeface="Times New Roman" panose="02020603050405020304" pitchFamily="18" charset="0"/>
+                <a:cs typeface="Times New Roman" panose="02020603050405020304" pitchFamily="18" charset="0"/>
+              </a:rPr>
+              <a:t>mục</a:t>
+            </a:r>
+            <a:r>
+              <a:rPr lang="en-US" dirty="0" smtClean="0">
+                <a:solidFill>
+                  <a:srgbClr val="333333"/>
+                </a:solidFill>
+                <a:latin typeface="Times New Roman" panose="02020603050405020304" pitchFamily="18" charset="0"/>
+                <a:cs typeface="Times New Roman" panose="02020603050405020304" pitchFamily="18" charset="0"/>
+              </a:rPr>
+              <a:t> </a:t>
+            </a:r>
+            <a:r>
+              <a:rPr lang="en-US" dirty="0" err="1" smtClean="0">
+                <a:solidFill>
+                  <a:srgbClr val="333333"/>
+                </a:solidFill>
+                <a:latin typeface="Times New Roman" panose="02020603050405020304" pitchFamily="18" charset="0"/>
+                <a:cs typeface="Times New Roman" panose="02020603050405020304" pitchFamily="18" charset="0"/>
+              </a:rPr>
+              <a:t>chưa</a:t>
+            </a:r>
+            <a:r>
+              <a:rPr lang="en-US" dirty="0" smtClean="0">
+                <a:solidFill>
+                  <a:srgbClr val="333333"/>
+                </a:solidFill>
+                <a:latin typeface="Times New Roman" panose="02020603050405020304" pitchFamily="18" charset="0"/>
+                <a:cs typeface="Times New Roman" panose="02020603050405020304" pitchFamily="18" charset="0"/>
+              </a:rPr>
+              <a:t> file HelloWorld.java</a:t>
+            </a:r>
+          </a:p>
+          <a:p>
+            <a:endParaRPr lang="en-US" dirty="0">
+              <a:solidFill>
+                <a:srgbClr val="333333"/>
+              </a:solidFill>
+              <a:latin typeface="Times New Roman" panose="02020603050405020304" pitchFamily="18" charset="0"/>
+              <a:cs typeface="Times New Roman" panose="02020603050405020304" pitchFamily="18" charset="0"/>
+            </a:endParaRPr>
+          </a:p>
+          <a:p>
+            <a:r>
+              <a:rPr lang="en-US" dirty="0" err="1" smtClean="0">
+                <a:solidFill>
+                  <a:srgbClr val="333333"/>
+                </a:solidFill>
+                <a:latin typeface="Times New Roman" panose="02020603050405020304" pitchFamily="18" charset="0"/>
+                <a:cs typeface="Times New Roman" panose="02020603050405020304" pitchFamily="18" charset="0"/>
+              </a:rPr>
+              <a:t>Bước</a:t>
+            </a:r>
+            <a:r>
+              <a:rPr lang="en-US" dirty="0" smtClean="0">
+                <a:solidFill>
+                  <a:srgbClr val="333333"/>
+                </a:solidFill>
+                <a:latin typeface="Times New Roman" panose="02020603050405020304" pitchFamily="18" charset="0"/>
+                <a:cs typeface="Times New Roman" panose="02020603050405020304" pitchFamily="18" charset="0"/>
+              </a:rPr>
+              <a:t> 3: </a:t>
+            </a:r>
+            <a:r>
+              <a:rPr lang="en-US" dirty="0" err="1" smtClean="0">
+                <a:solidFill>
+                  <a:srgbClr val="333333"/>
+                </a:solidFill>
+                <a:latin typeface="Times New Roman" panose="02020603050405020304" pitchFamily="18" charset="0"/>
+                <a:cs typeface="Times New Roman" panose="02020603050405020304" pitchFamily="18" charset="0"/>
+              </a:rPr>
+              <a:t>Biên</a:t>
+            </a:r>
+            <a:r>
+              <a:rPr lang="en-US" dirty="0" smtClean="0">
+                <a:solidFill>
+                  <a:srgbClr val="333333"/>
+                </a:solidFill>
+                <a:latin typeface="Times New Roman" panose="02020603050405020304" pitchFamily="18" charset="0"/>
+                <a:cs typeface="Times New Roman" panose="02020603050405020304" pitchFamily="18" charset="0"/>
+              </a:rPr>
+              <a:t> </a:t>
+            </a:r>
+            <a:r>
+              <a:rPr lang="en-US" dirty="0" err="1" smtClean="0">
+                <a:solidFill>
+                  <a:srgbClr val="333333"/>
+                </a:solidFill>
+                <a:latin typeface="Times New Roman" panose="02020603050405020304" pitchFamily="18" charset="0"/>
+                <a:cs typeface="Times New Roman" panose="02020603050405020304" pitchFamily="18" charset="0"/>
+              </a:rPr>
+              <a:t>dịch</a:t>
+            </a:r>
+            <a:r>
+              <a:rPr lang="en-US" dirty="0" smtClean="0">
+                <a:solidFill>
+                  <a:srgbClr val="333333"/>
+                </a:solidFill>
+                <a:latin typeface="Times New Roman" panose="02020603050405020304" pitchFamily="18" charset="0"/>
+                <a:cs typeface="Times New Roman" panose="02020603050405020304" pitchFamily="18" charset="0"/>
+              </a:rPr>
+              <a:t> </a:t>
+            </a:r>
+            <a:r>
+              <a:rPr lang="en-US" dirty="0" err="1" smtClean="0">
+                <a:solidFill>
+                  <a:srgbClr val="333333"/>
+                </a:solidFill>
+                <a:latin typeface="Times New Roman" panose="02020603050405020304" pitchFamily="18" charset="0"/>
+                <a:cs typeface="Times New Roman" panose="02020603050405020304" pitchFamily="18" charset="0"/>
+              </a:rPr>
+              <a:t>chương</a:t>
+            </a:r>
+            <a:r>
+              <a:rPr lang="en-US" dirty="0" smtClean="0">
+                <a:solidFill>
+                  <a:srgbClr val="333333"/>
+                </a:solidFill>
+                <a:latin typeface="Times New Roman" panose="02020603050405020304" pitchFamily="18" charset="0"/>
+                <a:cs typeface="Times New Roman" panose="02020603050405020304" pitchFamily="18" charset="0"/>
+              </a:rPr>
+              <a:t> </a:t>
+            </a:r>
+            <a:r>
+              <a:rPr lang="en-US" dirty="0" err="1" smtClean="0">
+                <a:solidFill>
+                  <a:srgbClr val="333333"/>
+                </a:solidFill>
+                <a:latin typeface="Times New Roman" panose="02020603050405020304" pitchFamily="18" charset="0"/>
+                <a:cs typeface="Times New Roman" panose="02020603050405020304" pitchFamily="18" charset="0"/>
+              </a:rPr>
+              <a:t>trình</a:t>
+            </a:r>
+            <a:r>
+              <a:rPr lang="en-US" dirty="0" smtClean="0">
+                <a:solidFill>
+                  <a:srgbClr val="333333"/>
+                </a:solidFill>
+                <a:latin typeface="Times New Roman" panose="02020603050405020304" pitchFamily="18" charset="0"/>
+                <a:cs typeface="Times New Roman" panose="02020603050405020304" pitchFamily="18" charset="0"/>
+              </a:rPr>
+              <a:t> </a:t>
+            </a:r>
+            <a:r>
+              <a:rPr lang="en-US" dirty="0" err="1" smtClean="0">
+                <a:solidFill>
+                  <a:srgbClr val="333333"/>
+                </a:solidFill>
+                <a:latin typeface="Times New Roman" panose="02020603050405020304" pitchFamily="18" charset="0"/>
+                <a:cs typeface="Times New Roman" panose="02020603050405020304" pitchFamily="18" charset="0"/>
+              </a:rPr>
+              <a:t>ra</a:t>
+            </a:r>
+            <a:r>
+              <a:rPr lang="en-US" dirty="0" smtClean="0">
+                <a:solidFill>
+                  <a:srgbClr val="333333"/>
+                </a:solidFill>
+                <a:latin typeface="Times New Roman" panose="02020603050405020304" pitchFamily="18" charset="0"/>
+                <a:cs typeface="Times New Roman" panose="02020603050405020304" pitchFamily="18" charset="0"/>
+              </a:rPr>
+              <a:t> file .class</a:t>
+            </a:r>
+          </a:p>
+          <a:p>
+            <a:r>
+              <a:rPr lang="en-US" b="1" dirty="0" smtClean="0">
+                <a:solidFill>
+                  <a:srgbClr val="333333"/>
+                </a:solidFill>
+                <a:latin typeface="Times New Roman" panose="02020603050405020304" pitchFamily="18" charset="0"/>
+                <a:cs typeface="Times New Roman" panose="02020603050405020304" pitchFamily="18" charset="0"/>
+              </a:rPr>
+              <a:t>	</a:t>
+            </a:r>
+            <a:r>
+              <a:rPr lang="en-US" b="1" dirty="0" err="1">
+                <a:latin typeface="Times New Roman" panose="02020603050405020304" pitchFamily="18" charset="0"/>
+                <a:cs typeface="Times New Roman" panose="02020603050405020304" pitchFamily="18" charset="0"/>
+              </a:rPr>
+              <a:t>javac</a:t>
+            </a:r>
+            <a:r>
+              <a:rPr lang="en-US" b="1" dirty="0">
+                <a:latin typeface="Times New Roman" panose="02020603050405020304" pitchFamily="18" charset="0"/>
+                <a:cs typeface="Times New Roman" panose="02020603050405020304" pitchFamily="18" charset="0"/>
+              </a:rPr>
+              <a:t> HelloWorld.java</a:t>
+            </a:r>
+          </a:p>
+          <a:p>
+            <a:r>
+              <a:rPr lang="en-US" dirty="0" err="1" smtClean="0">
+                <a:solidFill>
+                  <a:srgbClr val="333333"/>
+                </a:solidFill>
+                <a:latin typeface="Times New Roman" panose="02020603050405020304" pitchFamily="18" charset="0"/>
+                <a:cs typeface="Times New Roman" panose="02020603050405020304" pitchFamily="18" charset="0"/>
+              </a:rPr>
+              <a:t>Bước</a:t>
+            </a:r>
+            <a:r>
+              <a:rPr lang="en-US" dirty="0" smtClean="0">
+                <a:solidFill>
+                  <a:srgbClr val="333333"/>
+                </a:solidFill>
+                <a:latin typeface="Times New Roman" panose="02020603050405020304" pitchFamily="18" charset="0"/>
+                <a:cs typeface="Times New Roman" panose="02020603050405020304" pitchFamily="18" charset="0"/>
+              </a:rPr>
+              <a:t> 4: </a:t>
+            </a:r>
+            <a:r>
+              <a:rPr lang="en-US" dirty="0" err="1" smtClean="0">
+                <a:solidFill>
+                  <a:srgbClr val="333333"/>
+                </a:solidFill>
+                <a:latin typeface="Times New Roman" panose="02020603050405020304" pitchFamily="18" charset="0"/>
+                <a:cs typeface="Times New Roman" panose="02020603050405020304" pitchFamily="18" charset="0"/>
+              </a:rPr>
+              <a:t>Thực</a:t>
+            </a:r>
+            <a:r>
+              <a:rPr lang="en-US" dirty="0" smtClean="0">
+                <a:solidFill>
+                  <a:srgbClr val="333333"/>
+                </a:solidFill>
+                <a:latin typeface="Times New Roman" panose="02020603050405020304" pitchFamily="18" charset="0"/>
+                <a:cs typeface="Times New Roman" panose="02020603050405020304" pitchFamily="18" charset="0"/>
+              </a:rPr>
+              <a:t> </a:t>
+            </a:r>
+            <a:r>
+              <a:rPr lang="en-US" dirty="0" err="1" smtClean="0">
+                <a:solidFill>
+                  <a:srgbClr val="333333"/>
+                </a:solidFill>
+                <a:latin typeface="Times New Roman" panose="02020603050405020304" pitchFamily="18" charset="0"/>
+                <a:cs typeface="Times New Roman" panose="02020603050405020304" pitchFamily="18" charset="0"/>
+              </a:rPr>
+              <a:t>thi</a:t>
+            </a:r>
+            <a:r>
+              <a:rPr lang="en-US" dirty="0" smtClean="0">
+                <a:solidFill>
+                  <a:srgbClr val="333333"/>
+                </a:solidFill>
+                <a:latin typeface="Times New Roman" panose="02020603050405020304" pitchFamily="18" charset="0"/>
+                <a:cs typeface="Times New Roman" panose="02020603050405020304" pitchFamily="18" charset="0"/>
+              </a:rPr>
+              <a:t> </a:t>
+            </a:r>
+            <a:r>
+              <a:rPr lang="en-US" dirty="0" err="1" smtClean="0">
+                <a:solidFill>
+                  <a:srgbClr val="333333"/>
+                </a:solidFill>
+                <a:latin typeface="Times New Roman" panose="02020603050405020304" pitchFamily="18" charset="0"/>
+                <a:cs typeface="Times New Roman" panose="02020603050405020304" pitchFamily="18" charset="0"/>
+              </a:rPr>
+              <a:t>chương</a:t>
+            </a:r>
+            <a:r>
+              <a:rPr lang="en-US" dirty="0" smtClean="0">
+                <a:solidFill>
+                  <a:srgbClr val="333333"/>
+                </a:solidFill>
+                <a:latin typeface="Times New Roman" panose="02020603050405020304" pitchFamily="18" charset="0"/>
+                <a:cs typeface="Times New Roman" panose="02020603050405020304" pitchFamily="18" charset="0"/>
+              </a:rPr>
+              <a:t> </a:t>
+            </a:r>
+            <a:r>
+              <a:rPr lang="en-US" dirty="0" err="1" smtClean="0">
+                <a:solidFill>
+                  <a:srgbClr val="333333"/>
+                </a:solidFill>
+                <a:latin typeface="Times New Roman" panose="02020603050405020304" pitchFamily="18" charset="0"/>
+                <a:cs typeface="Times New Roman" panose="02020603050405020304" pitchFamily="18" charset="0"/>
+              </a:rPr>
+              <a:t>trình</a:t>
+            </a:r>
+            <a:endParaRPr lang="en-US" dirty="0" smtClean="0">
+              <a:solidFill>
+                <a:srgbClr val="333333"/>
+              </a:solidFill>
+              <a:latin typeface="Times New Roman" panose="02020603050405020304" pitchFamily="18" charset="0"/>
+              <a:cs typeface="Times New Roman" panose="02020603050405020304" pitchFamily="18" charset="0"/>
+            </a:endParaRPr>
+          </a:p>
+          <a:p>
+            <a:r>
+              <a:rPr lang="en-US" b="1" dirty="0">
+                <a:solidFill>
+                  <a:srgbClr val="333333"/>
+                </a:solidFill>
+                <a:latin typeface="Times New Roman" panose="02020603050405020304" pitchFamily="18" charset="0"/>
+                <a:cs typeface="Times New Roman" panose="02020603050405020304" pitchFamily="18" charset="0"/>
+              </a:rPr>
+              <a:t>	</a:t>
+            </a:r>
+            <a:r>
+              <a:rPr lang="en-US" b="1" dirty="0" smtClean="0">
+                <a:solidFill>
+                  <a:srgbClr val="333333"/>
+                </a:solidFill>
+                <a:latin typeface="Times New Roman" panose="02020603050405020304" pitchFamily="18" charset="0"/>
+                <a:cs typeface="Times New Roman" panose="02020603050405020304" pitchFamily="18" charset="0"/>
+              </a:rPr>
+              <a:t>java HelloWorld</a:t>
+            </a:r>
+            <a:endParaRPr lang="en-US" b="1" dirty="0">
+              <a:solidFill>
+                <a:srgbClr val="333333"/>
+              </a:solidFill>
+              <a:latin typeface="Times New Roman" panose="02020603050405020304" pitchFamily="18" charset="0"/>
+              <a:cs typeface="Times New Roman" panose="02020603050405020304" pitchFamily="18" charset="0"/>
+            </a:endParaRPr>
+          </a:p>
+          <a:p>
+            <a:endParaRPr lang="en-US" dirty="0">
+              <a:latin typeface="Times New Roman" panose="02020603050405020304" pitchFamily="18" charset="0"/>
+              <a:cs typeface="Times New Roman" panose="02020603050405020304" pitchFamily="18" charset="0"/>
+            </a:endParaRPr>
+          </a:p>
+        </p:txBody>
+      </p:sp>
       <p:pic>
         <p:nvPicPr>
-          <p:cNvPr id="313" name="Google Shape;313;p25"/>
-          <p:cNvPicPr preferRelativeResize="0"/>
+          <p:cNvPr id="7" name="Picture 6"/>
+          <p:cNvPicPr>
+            <a:picLocks noChangeAspect="1"/>
+          </p:cNvPicPr>
           <p:nvPr/>
         </p:nvPicPr>
         <p:blipFill>
-          <a:blip r:embed="rId5">
-            <a:alphaModFix/>
-          </a:blip>
+          <a:blip r:embed="rId4"/>
           <a:stretch>
             <a:fillRect/>
           </a:stretch>
         </p:blipFill>
         <p:spPr>
           <a:xfrm>
-            <a:off x="1775550" y="2528475"/>
-            <a:ext cx="5056375" cy="874250"/>
+            <a:off x="4468427" y="3214839"/>
+            <a:ext cx="4482248" cy="1626670"/>
           </a:xfrm>
           <a:prstGeom prst="rect">
             <a:avLst/>
           </a:prstGeom>
-          <a:noFill/>
-          <a:ln w="9525" cap="flat" cmpd="sng">
-            <a:solidFill>
-              <a:srgbClr val="434343"/>
-            </a:solidFill>
-            <a:prstDash val="solid"/>
-            <a:round/>
-            <a:headEnd type="none" w="sm" len="sm"/>
-            <a:tailEnd type="none" w="sm" len="sm"/>
-          </a:ln>
         </p:spPr>
       </p:pic>
-      <p:pic>
-        <p:nvPicPr>
-          <p:cNvPr id="314" name="Google Shape;314;p25"/>
-          <p:cNvPicPr preferRelativeResize="0"/>
-          <p:nvPr/>
-        </p:nvPicPr>
-        <p:blipFill rotWithShape="1">
-          <a:blip r:embed="rId6">
-            <a:alphaModFix/>
-          </a:blip>
-          <a:srcRect t="43864"/>
-          <a:stretch/>
-        </p:blipFill>
-        <p:spPr>
-          <a:xfrm>
-            <a:off x="1710750" y="4119655"/>
-            <a:ext cx="5649300" cy="164025"/>
-          </a:xfrm>
-          <a:prstGeom prst="rect">
-            <a:avLst/>
-          </a:prstGeom>
-          <a:noFill/>
-          <a:ln w="9525" cap="flat" cmpd="sng">
-            <a:solidFill>
-              <a:srgbClr val="B7B7B7"/>
-            </a:solidFill>
-            <a:prstDash val="solid"/>
-            <a:round/>
-            <a:headEnd type="none" w="sm" len="sm"/>
-            <a:tailEnd type="none" w="sm" len="sm"/>
-          </a:ln>
-        </p:spPr>
-      </p:pic>
-      <p:cxnSp>
-        <p:nvCxnSpPr>
-          <p:cNvPr id="315" name="Google Shape;315;p25"/>
-          <p:cNvCxnSpPr/>
-          <p:nvPr/>
-        </p:nvCxnSpPr>
-        <p:spPr>
-          <a:xfrm>
-            <a:off x="4189250" y="1870163"/>
-            <a:ext cx="0" cy="494100"/>
-          </a:xfrm>
-          <a:prstGeom prst="straightConnector1">
-            <a:avLst/>
-          </a:prstGeom>
-          <a:noFill/>
-          <a:ln w="9525" cap="flat" cmpd="sng">
-            <a:solidFill>
-              <a:srgbClr val="01A2A6"/>
-            </a:solidFill>
-            <a:prstDash val="solid"/>
-            <a:round/>
-            <a:headEnd type="none" w="med" len="med"/>
-            <a:tailEnd type="triangle" w="med" len="med"/>
-          </a:ln>
-        </p:spPr>
-      </p:cxnSp>
-      <p:cxnSp>
-        <p:nvCxnSpPr>
-          <p:cNvPr id="316" name="Google Shape;316;p25"/>
-          <p:cNvCxnSpPr/>
-          <p:nvPr/>
-        </p:nvCxnSpPr>
-        <p:spPr>
-          <a:xfrm>
-            <a:off x="4189250" y="3436188"/>
-            <a:ext cx="0" cy="494100"/>
-          </a:xfrm>
-          <a:prstGeom prst="straightConnector1">
-            <a:avLst/>
-          </a:prstGeom>
-          <a:noFill/>
-          <a:ln w="9525" cap="flat" cmpd="sng">
-            <a:solidFill>
-              <a:srgbClr val="01A2A6"/>
-            </a:solidFill>
-            <a:prstDash val="solid"/>
-            <a:round/>
-            <a:headEnd type="none" w="med" len="med"/>
-            <a:tailEnd type="triangle" w="med" len="med"/>
-          </a:ln>
-        </p:spPr>
-      </p:cxnSp>
     </p:spTree>
   </p:cSld>
   <p:clrMapOvr>

--- a/ppt/Java core - Lecture 1 - Introduction.pptx
+++ b/ppt/Java core - Lecture 1 - Introduction.pptx
@@ -9330,10 +9330,6 @@
               </a:rPr>
               <a:t>git push -u origin master</a:t>
             </a:r>
-            <a:endParaRPr lang="vi-VN" dirty="0">
-              <a:latin typeface="Times New Roman" panose="02020603050405020304" pitchFamily="18" charset="0"/>
-              <a:cs typeface="Times New Roman" panose="02020603050405020304" pitchFamily="18" charset="0"/>
-            </a:endParaRPr>
           </a:p>
         </p:txBody>
       </p:sp>
@@ -9657,11 +9653,6 @@
               </a:rPr>
               <a:t>̉</a:t>
             </a:r>
-            <a:endParaRPr lang="en-US" dirty="0" smtClean="0">
-              <a:solidFill>
-                <a:srgbClr val="2876C9"/>
-              </a:solidFill>
-            </a:endParaRPr>
           </a:p>
           <a:p>
             <a:pPr marL="425450" lvl="0" indent="-285750" algn="l" rtl="0">
@@ -10173,23 +10164,7 @@
                   <a:srgbClr val="2876C9"/>
                 </a:solidFill>
               </a:rPr>
-              <a:t>Projects</a:t>
-            </a:r>
-            <a:r>
-              <a:rPr lang="en-US" dirty="0" smtClean="0">
-                <a:solidFill>
-                  <a:srgbClr val="2876C9"/>
-                </a:solidFill>
-              </a:rPr>
-              <a:t>: SMSC</a:t>
-            </a:r>
-            <a:r>
-              <a:rPr lang="en-US" dirty="0" smtClean="0">
-                <a:solidFill>
-                  <a:srgbClr val="2876C9"/>
-                </a:solidFill>
-              </a:rPr>
-              <a:t>, PCRF…</a:t>
+              <a:t>Projects: SMSC, PCRF…</a:t>
             </a:r>
             <a:endParaRPr dirty="0">
               <a:solidFill>
@@ -13472,23 +13447,7 @@
                   <a:srgbClr val="2876C9"/>
                 </a:solidFill>
               </a:rPr>
-              <a:t>Tác </a:t>
-            </a:r>
-            <a:r>
-              <a:rPr lang="en" sz="1200" dirty="0" smtClean="0">
-                <a:solidFill>
-                  <a:srgbClr val="2876C9"/>
-                </a:solidFill>
-              </a:rPr>
-              <a:t>giả: James Gosling và các kỹ sư Sun Microsystem </a:t>
-            </a:r>
-            <a:r>
-              <a:rPr lang="en" sz="1200" dirty="0" smtClean="0">
-                <a:solidFill>
-                  <a:srgbClr val="2876C9"/>
-                </a:solidFill>
-              </a:rPr>
-              <a:t>phát hành năm 1995.</a:t>
+              <a:t>Tác giả: James Gosling và các kỹ sư Sun Microsystem phát hành năm 1995.</a:t>
             </a:r>
             <a:endParaRPr sz="1200" dirty="0" smtClean="0">
               <a:solidFill>
@@ -14286,7 +14245,15 @@
                   <a:srgbClr val="2876C9"/>
                 </a:solidFill>
               </a:rPr>
-              <a:t>Jav</a:t>
+              <a:t>Java </a:t>
+            </a:r>
+            <a:r>
+              <a:rPr lang="en-US" sz="1200" dirty="0" err="1" smtClean="0">
+                <a:solidFill>
+                  <a:srgbClr val="2876C9"/>
+                </a:solidFill>
+              </a:rPr>
+              <a:t>dùng</a:t>
             </a:r>
             <a:r>
               <a:rPr lang="en-US" sz="1200" dirty="0" smtClean="0">
@@ -14294,7 +14261,7 @@
                   <a:srgbClr val="2876C9"/>
                 </a:solidFill>
               </a:rPr>
-              <a:t>a </a:t>
+              <a:t> </a:t>
             </a:r>
             <a:r>
               <a:rPr lang="en-US" sz="1200" dirty="0" err="1" smtClean="0">
@@ -14302,7 +14269,7 @@
                   <a:srgbClr val="2876C9"/>
                 </a:solidFill>
               </a:rPr>
-              <a:t>dùng</a:t>
+              <a:t>trong</a:t>
             </a:r>
             <a:r>
               <a:rPr lang="en-US" sz="1200" dirty="0" smtClean="0">
@@ -14318,7 +14285,7 @@
                   <a:srgbClr val="2876C9"/>
                 </a:solidFill>
               </a:rPr>
-              <a:t>trong</a:t>
+              <a:t>các</a:t>
             </a:r>
             <a:r>
               <a:rPr lang="en-US" sz="1200" dirty="0" smtClean="0">
@@ -14334,7 +14301,7 @@
                   <a:srgbClr val="2876C9"/>
                 </a:solidFill>
               </a:rPr>
-              <a:t>các</a:t>
+              <a:t>lĩnh</a:t>
             </a:r>
             <a:r>
               <a:rPr lang="en-US" sz="1200" dirty="0" smtClean="0">
@@ -14350,7 +14317,7 @@
                   <a:srgbClr val="2876C9"/>
                 </a:solidFill>
               </a:rPr>
-              <a:t>lĩnh</a:t>
+              <a:t>vực</a:t>
             </a:r>
             <a:r>
               <a:rPr lang="en-US" sz="1200" dirty="0" smtClean="0">
@@ -14358,29 +14325,8 @@
                   <a:srgbClr val="2876C9"/>
                 </a:solidFill>
               </a:rPr>
-              <a:t> </a:t>
-            </a:r>
-            <a:r>
-              <a:rPr lang="en-US" sz="1200" dirty="0" err="1" smtClean="0">
-                <a:solidFill>
-                  <a:srgbClr val="2876C9"/>
-                </a:solidFill>
-              </a:rPr>
-              <a:t>vực</a:t>
-            </a:r>
-            <a:r>
-              <a:rPr lang="en-US" sz="1200" dirty="0" smtClean="0">
-                <a:solidFill>
-                  <a:srgbClr val="2876C9"/>
-                </a:solidFill>
-              </a:rPr>
               <a:t>:</a:t>
             </a:r>
-            <a:endParaRPr lang="en-US" sz="1200" dirty="0" smtClean="0">
-              <a:solidFill>
-                <a:srgbClr val="2876C9"/>
-              </a:solidFill>
-            </a:endParaRPr>
           </a:p>
           <a:p>
             <a:pPr marL="457200" lvl="8" indent="-317500">
@@ -16170,10 +16116,10 @@
               <a:buNone/>
             </a:pPr>
             <a:r>
-              <a:rPr lang="en" sz="1000"/>
+              <a:rPr lang="en" sz="1000" dirty="0"/>
               <a:t>Java bytecode</a:t>
             </a:r>
-            <a:endParaRPr sz="1000"/>
+            <a:endParaRPr sz="1000" dirty="0"/>
           </a:p>
         </p:txBody>
       </p:sp>
@@ -16984,7 +16930,7 @@
         <p:spPr>
           <a:xfrm>
             <a:off x="495441" y="694671"/>
-            <a:ext cx="6164118" cy="3489757"/>
+            <a:ext cx="6164118" cy="3781076"/>
           </a:xfrm>
           <a:prstGeom prst="rect">
             <a:avLst/>
@@ -17126,6 +17072,16 @@
             <a:r>
               <a:rPr lang="en-US" sz="1200" dirty="0" smtClean="0"/>
               <a:t>version</a:t>
+            </a:r>
+          </a:p>
+          <a:p>
+            <a:r>
+              <a:rPr lang="en-US" sz="1200" dirty="0" smtClean="0">
+                <a:solidFill>
+                  <a:srgbClr val="2876C9"/>
+                </a:solidFill>
+              </a:rPr>
+              <a:t>(VCS version control system)</a:t>
             </a:r>
             <a:endParaRPr lang="en-US" sz="1200" dirty="0">
               <a:solidFill>
